--- a/Praesentation.pptx
+++ b/Praesentation.pptx
@@ -5,25 +5,28 @@
     <p:sldMasterId id="2147483648" r:id="rId1"/>
   </p:sldMasterIdLst>
   <p:notesMasterIdLst>
-    <p:notesMasterId r:id="rId15"/>
+    <p:notesMasterId r:id="rId18"/>
   </p:notesMasterIdLst>
   <p:handoutMasterIdLst>
-    <p:handoutMasterId r:id="rId16"/>
+    <p:handoutMasterId r:id="rId19"/>
   </p:handoutMasterIdLst>
   <p:sldIdLst>
     <p:sldId id="1969" r:id="rId2"/>
     <p:sldId id="1970" r:id="rId3"/>
     <p:sldId id="1981" r:id="rId4"/>
     <p:sldId id="2013" r:id="rId5"/>
-    <p:sldId id="1995" r:id="rId6"/>
-    <p:sldId id="2007" r:id="rId7"/>
-    <p:sldId id="2008" r:id="rId8"/>
-    <p:sldId id="2006" r:id="rId9"/>
-    <p:sldId id="2009" r:id="rId10"/>
-    <p:sldId id="2010" r:id="rId11"/>
-    <p:sldId id="2012" r:id="rId12"/>
-    <p:sldId id="2011" r:id="rId13"/>
-    <p:sldId id="1971" r:id="rId14"/>
+    <p:sldId id="2014" r:id="rId6"/>
+    <p:sldId id="2015" r:id="rId7"/>
+    <p:sldId id="2016" r:id="rId8"/>
+    <p:sldId id="1995" r:id="rId9"/>
+    <p:sldId id="2007" r:id="rId10"/>
+    <p:sldId id="2008" r:id="rId11"/>
+    <p:sldId id="2006" r:id="rId12"/>
+    <p:sldId id="2009" r:id="rId13"/>
+    <p:sldId id="2010" r:id="rId14"/>
+    <p:sldId id="2012" r:id="rId15"/>
+    <p:sldId id="2011" r:id="rId16"/>
+    <p:sldId id="1971" r:id="rId17"/>
   </p:sldIdLst>
   <p:sldSz cx="9144000" cy="6858000" type="screen4x3"/>
   <p:notesSz cx="6858000" cy="9661525"/>
@@ -33,7 +36,7 @@
     </p:custShow>
   </p:custShowLst>
   <p:custDataLst>
-    <p:tags r:id="rId17"/>
+    <p:tags r:id="rId20"/>
   </p:custDataLst>
   <p:defaultTextStyle>
     <a:defPPr>
@@ -5000,7 +5003,7 @@
   <dgm:whole/>
   <dgm:extLst>
     <a:ext uri="http://schemas.microsoft.com/office/drawing/2008/diagram">
-      <dsp:dataModelExt xmlns:dsp="http://schemas.microsoft.com/office/drawing/2008/diagram" relId="rId6" minVer="http://schemas.openxmlformats.org/drawingml/2006/diagram"/>
+      <dsp:dataModelExt xmlns:dsp="http://schemas.microsoft.com/office/drawing/2008/diagram" relId="rId7" minVer="http://schemas.openxmlformats.org/drawingml/2006/diagram"/>
     </a:ext>
   </dgm:extLst>
 </dgm:dataModel>
@@ -14025,10 +14028,7 @@
           <a:lstStyle/>
           <a:p>
             <a:pPr algn="l"/>
-            <a:r>
-              <a:rPr lang="de-DE" dirty="0"/>
-              <a:t>Herzlich willkommen zur Präsentation meiner Projektergebnisse im Modul Datenanalyse im Unternehmen. In diesem Semester habe ich mich, aufbauend auf einem Projekt aus dem letzten Semester, damit beschäftigt, wie man die Gebäudedaten, die OpenStreetMap frei verfügbar zur Verfügung stellt, besser aufbereiten kann, um die Ergebnisse darauf aufbauender Use Cases, wie der Klassifikation der Gebäudeart oder der Schätzung der Gebäudehöhe zu verbessern.</a:t>
-            </a:r>
+            <a:endParaRPr lang="de-DE" dirty="0"/>
           </a:p>
         </p:txBody>
       </p:sp>
@@ -14090,10 +14090,379 @@
           <a:lstStyle/>
           <a:p>
             <a:pPr algn="l"/>
-            <a:r>
-              <a:rPr lang="de-DE" dirty="0"/>
-              <a:t>Das waren meine Projektergebnisse aus diesem Semester, danke für die Aufmerksamkeit und jetzt gerne weiter zu Fragen.</a:t>
-            </a:r>
+            <a:endParaRPr lang="de-DE" dirty="0"/>
+          </a:p>
+        </p:txBody>
+      </p:sp>
+    </p:spTree>
+    <p:extLst>
+      <p:ext uri="{BB962C8B-B14F-4D97-AF65-F5344CB8AC3E}">
+        <p14:creationId xmlns:p14="http://schemas.microsoft.com/office/powerpoint/2010/main" val="954720357"/>
+      </p:ext>
+    </p:extLst>
+  </p:cSld>
+  <p:clrMapOvr>
+    <a:masterClrMapping/>
+  </p:clrMapOvr>
+</p:notes>
+</file>
+
+<file path=ppt/notesSlides/notesSlide11.xml><?xml version="1.0" encoding="utf-8"?>
+<p:notes xmlns:a="http://schemas.openxmlformats.org/drawingml/2006/main" xmlns:r="http://schemas.openxmlformats.org/officeDocument/2006/relationships" xmlns:p="http://schemas.openxmlformats.org/presentationml/2006/main">
+  <p:cSld>
+    <p:spTree>
+      <p:nvGrpSpPr>
+        <p:cNvPr id="1" name=""/>
+        <p:cNvGrpSpPr/>
+        <p:nvPr/>
+      </p:nvGrpSpPr>
+      <p:grpSpPr>
+        <a:xfrm>
+          <a:off x="0" y="0"/>
+          <a:ext cx="0" cy="0"/>
+          <a:chOff x="0" y="0"/>
+          <a:chExt cx="0" cy="0"/>
+        </a:xfrm>
+      </p:grpSpPr>
+      <p:sp>
+        <p:nvSpPr>
+          <p:cNvPr id="2" name="Folienbildplatzhalter 1"/>
+          <p:cNvSpPr>
+            <a:spLocks noGrp="1" noRot="1" noChangeAspect="1"/>
+          </p:cNvSpPr>
+          <p:nvPr>
+            <p:ph type="sldImg"/>
+          </p:nvPr>
+        </p:nvSpPr>
+        <p:spPr/>
+      </p:sp>
+      <p:sp>
+        <p:nvSpPr>
+          <p:cNvPr id="3" name="Notizenplatzhalter 2"/>
+          <p:cNvSpPr>
+            <a:spLocks noGrp="1"/>
+          </p:cNvSpPr>
+          <p:nvPr>
+            <p:ph type="body" idx="1"/>
+          </p:nvPr>
+        </p:nvSpPr>
+        <p:spPr/>
+        <p:txBody>
+          <a:bodyPr/>
+          <a:lstStyle/>
+          <a:p>
+            <a:pPr algn="l"/>
+            <a:endParaRPr lang="de-DE" dirty="0"/>
+          </a:p>
+        </p:txBody>
+      </p:sp>
+    </p:spTree>
+    <p:extLst>
+      <p:ext uri="{BB962C8B-B14F-4D97-AF65-F5344CB8AC3E}">
+        <p14:creationId xmlns:p14="http://schemas.microsoft.com/office/powerpoint/2010/main" val="1608420442"/>
+      </p:ext>
+    </p:extLst>
+  </p:cSld>
+  <p:clrMapOvr>
+    <a:masterClrMapping/>
+  </p:clrMapOvr>
+</p:notes>
+</file>
+
+<file path=ppt/notesSlides/notesSlide12.xml><?xml version="1.0" encoding="utf-8"?>
+<p:notes xmlns:a="http://schemas.openxmlformats.org/drawingml/2006/main" xmlns:r="http://schemas.openxmlformats.org/officeDocument/2006/relationships" xmlns:p="http://schemas.openxmlformats.org/presentationml/2006/main">
+  <p:cSld>
+    <p:spTree>
+      <p:nvGrpSpPr>
+        <p:cNvPr id="1" name=""/>
+        <p:cNvGrpSpPr/>
+        <p:nvPr/>
+      </p:nvGrpSpPr>
+      <p:grpSpPr>
+        <a:xfrm>
+          <a:off x="0" y="0"/>
+          <a:ext cx="0" cy="0"/>
+          <a:chOff x="0" y="0"/>
+          <a:chExt cx="0" cy="0"/>
+        </a:xfrm>
+      </p:grpSpPr>
+      <p:sp>
+        <p:nvSpPr>
+          <p:cNvPr id="2" name="Folienbildplatzhalter 1"/>
+          <p:cNvSpPr>
+            <a:spLocks noGrp="1" noRot="1" noChangeAspect="1"/>
+          </p:cNvSpPr>
+          <p:nvPr>
+            <p:ph type="sldImg"/>
+          </p:nvPr>
+        </p:nvSpPr>
+        <p:spPr/>
+      </p:sp>
+      <p:sp>
+        <p:nvSpPr>
+          <p:cNvPr id="3" name="Notizenplatzhalter 2"/>
+          <p:cNvSpPr>
+            <a:spLocks noGrp="1"/>
+          </p:cNvSpPr>
+          <p:nvPr>
+            <p:ph type="body" idx="1"/>
+          </p:nvPr>
+        </p:nvSpPr>
+        <p:spPr/>
+        <p:txBody>
+          <a:bodyPr/>
+          <a:lstStyle/>
+          <a:p>
+            <a:pPr algn="l"/>
+            <a:endParaRPr lang="de-DE" dirty="0"/>
+          </a:p>
+        </p:txBody>
+      </p:sp>
+    </p:spTree>
+    <p:extLst>
+      <p:ext uri="{BB962C8B-B14F-4D97-AF65-F5344CB8AC3E}">
+        <p14:creationId xmlns:p14="http://schemas.microsoft.com/office/powerpoint/2010/main" val="3996670676"/>
+      </p:ext>
+    </p:extLst>
+  </p:cSld>
+  <p:clrMapOvr>
+    <a:masterClrMapping/>
+  </p:clrMapOvr>
+</p:notes>
+</file>
+
+<file path=ppt/notesSlides/notesSlide13.xml><?xml version="1.0" encoding="utf-8"?>
+<p:notes xmlns:a="http://schemas.openxmlformats.org/drawingml/2006/main" xmlns:r="http://schemas.openxmlformats.org/officeDocument/2006/relationships" xmlns:p="http://schemas.openxmlformats.org/presentationml/2006/main">
+  <p:cSld>
+    <p:spTree>
+      <p:nvGrpSpPr>
+        <p:cNvPr id="1" name=""/>
+        <p:cNvGrpSpPr/>
+        <p:nvPr/>
+      </p:nvGrpSpPr>
+      <p:grpSpPr>
+        <a:xfrm>
+          <a:off x="0" y="0"/>
+          <a:ext cx="0" cy="0"/>
+          <a:chOff x="0" y="0"/>
+          <a:chExt cx="0" cy="0"/>
+        </a:xfrm>
+      </p:grpSpPr>
+      <p:sp>
+        <p:nvSpPr>
+          <p:cNvPr id="2" name="Folienbildplatzhalter 1"/>
+          <p:cNvSpPr>
+            <a:spLocks noGrp="1" noRot="1" noChangeAspect="1"/>
+          </p:cNvSpPr>
+          <p:nvPr>
+            <p:ph type="sldImg"/>
+          </p:nvPr>
+        </p:nvSpPr>
+        <p:spPr/>
+      </p:sp>
+      <p:sp>
+        <p:nvSpPr>
+          <p:cNvPr id="3" name="Notizenplatzhalter 2"/>
+          <p:cNvSpPr>
+            <a:spLocks noGrp="1"/>
+          </p:cNvSpPr>
+          <p:nvPr>
+            <p:ph type="body" idx="1"/>
+          </p:nvPr>
+        </p:nvSpPr>
+        <p:spPr/>
+        <p:txBody>
+          <a:bodyPr/>
+          <a:lstStyle/>
+          <a:p>
+            <a:pPr algn="l"/>
+            <a:endParaRPr lang="de-DE" dirty="0"/>
+          </a:p>
+        </p:txBody>
+      </p:sp>
+    </p:spTree>
+    <p:extLst>
+      <p:ext uri="{BB962C8B-B14F-4D97-AF65-F5344CB8AC3E}">
+        <p14:creationId xmlns:p14="http://schemas.microsoft.com/office/powerpoint/2010/main" val="3880062592"/>
+      </p:ext>
+    </p:extLst>
+  </p:cSld>
+  <p:clrMapOvr>
+    <a:masterClrMapping/>
+  </p:clrMapOvr>
+</p:notes>
+</file>
+
+<file path=ppt/notesSlides/notesSlide14.xml><?xml version="1.0" encoding="utf-8"?>
+<p:notes xmlns:a="http://schemas.openxmlformats.org/drawingml/2006/main" xmlns:r="http://schemas.openxmlformats.org/officeDocument/2006/relationships" xmlns:p="http://schemas.openxmlformats.org/presentationml/2006/main">
+  <p:cSld>
+    <p:spTree>
+      <p:nvGrpSpPr>
+        <p:cNvPr id="1" name=""/>
+        <p:cNvGrpSpPr/>
+        <p:nvPr/>
+      </p:nvGrpSpPr>
+      <p:grpSpPr>
+        <a:xfrm>
+          <a:off x="0" y="0"/>
+          <a:ext cx="0" cy="0"/>
+          <a:chOff x="0" y="0"/>
+          <a:chExt cx="0" cy="0"/>
+        </a:xfrm>
+      </p:grpSpPr>
+      <p:sp>
+        <p:nvSpPr>
+          <p:cNvPr id="2" name="Folienbildplatzhalter 1"/>
+          <p:cNvSpPr>
+            <a:spLocks noGrp="1" noRot="1" noChangeAspect="1"/>
+          </p:cNvSpPr>
+          <p:nvPr>
+            <p:ph type="sldImg"/>
+          </p:nvPr>
+        </p:nvSpPr>
+        <p:spPr/>
+      </p:sp>
+      <p:sp>
+        <p:nvSpPr>
+          <p:cNvPr id="3" name="Notizenplatzhalter 2"/>
+          <p:cNvSpPr>
+            <a:spLocks noGrp="1"/>
+          </p:cNvSpPr>
+          <p:nvPr>
+            <p:ph type="body" idx="1"/>
+          </p:nvPr>
+        </p:nvSpPr>
+        <p:spPr/>
+        <p:txBody>
+          <a:bodyPr/>
+          <a:lstStyle/>
+          <a:p>
+            <a:pPr algn="l"/>
+            <a:endParaRPr lang="de-DE" dirty="0"/>
+          </a:p>
+        </p:txBody>
+      </p:sp>
+    </p:spTree>
+    <p:extLst>
+      <p:ext uri="{BB962C8B-B14F-4D97-AF65-F5344CB8AC3E}">
+        <p14:creationId xmlns:p14="http://schemas.microsoft.com/office/powerpoint/2010/main" val="1530840267"/>
+      </p:ext>
+    </p:extLst>
+  </p:cSld>
+  <p:clrMapOvr>
+    <a:masterClrMapping/>
+  </p:clrMapOvr>
+</p:notes>
+</file>
+
+<file path=ppt/notesSlides/notesSlide15.xml><?xml version="1.0" encoding="utf-8"?>
+<p:notes xmlns:a="http://schemas.openxmlformats.org/drawingml/2006/main" xmlns:r="http://schemas.openxmlformats.org/officeDocument/2006/relationships" xmlns:p="http://schemas.openxmlformats.org/presentationml/2006/main">
+  <p:cSld>
+    <p:spTree>
+      <p:nvGrpSpPr>
+        <p:cNvPr id="1" name=""/>
+        <p:cNvGrpSpPr/>
+        <p:nvPr/>
+      </p:nvGrpSpPr>
+      <p:grpSpPr>
+        <a:xfrm>
+          <a:off x="0" y="0"/>
+          <a:ext cx="0" cy="0"/>
+          <a:chOff x="0" y="0"/>
+          <a:chExt cx="0" cy="0"/>
+        </a:xfrm>
+      </p:grpSpPr>
+      <p:sp>
+        <p:nvSpPr>
+          <p:cNvPr id="2" name="Folienbildplatzhalter 1"/>
+          <p:cNvSpPr>
+            <a:spLocks noGrp="1" noRot="1" noChangeAspect="1"/>
+          </p:cNvSpPr>
+          <p:nvPr>
+            <p:ph type="sldImg"/>
+          </p:nvPr>
+        </p:nvSpPr>
+        <p:spPr/>
+      </p:sp>
+      <p:sp>
+        <p:nvSpPr>
+          <p:cNvPr id="3" name="Notizenplatzhalter 2"/>
+          <p:cNvSpPr>
+            <a:spLocks noGrp="1"/>
+          </p:cNvSpPr>
+          <p:nvPr>
+            <p:ph type="body" idx="1"/>
+          </p:nvPr>
+        </p:nvSpPr>
+        <p:spPr/>
+        <p:txBody>
+          <a:bodyPr/>
+          <a:lstStyle/>
+          <a:p>
+            <a:pPr algn="l"/>
+            <a:endParaRPr lang="de-DE" dirty="0"/>
+          </a:p>
+        </p:txBody>
+      </p:sp>
+    </p:spTree>
+    <p:extLst>
+      <p:ext uri="{BB962C8B-B14F-4D97-AF65-F5344CB8AC3E}">
+        <p14:creationId xmlns:p14="http://schemas.microsoft.com/office/powerpoint/2010/main" val="1484391673"/>
+      </p:ext>
+    </p:extLst>
+  </p:cSld>
+  <p:clrMapOvr>
+    <a:masterClrMapping/>
+  </p:clrMapOvr>
+</p:notes>
+</file>
+
+<file path=ppt/notesSlides/notesSlide16.xml><?xml version="1.0" encoding="utf-8"?>
+<p:notes xmlns:a="http://schemas.openxmlformats.org/drawingml/2006/main" xmlns:r="http://schemas.openxmlformats.org/officeDocument/2006/relationships" xmlns:p="http://schemas.openxmlformats.org/presentationml/2006/main">
+  <p:cSld>
+    <p:spTree>
+      <p:nvGrpSpPr>
+        <p:cNvPr id="1" name=""/>
+        <p:cNvGrpSpPr/>
+        <p:nvPr/>
+      </p:nvGrpSpPr>
+      <p:grpSpPr>
+        <a:xfrm>
+          <a:off x="0" y="0"/>
+          <a:ext cx="0" cy="0"/>
+          <a:chOff x="0" y="0"/>
+          <a:chExt cx="0" cy="0"/>
+        </a:xfrm>
+      </p:grpSpPr>
+      <p:sp>
+        <p:nvSpPr>
+          <p:cNvPr id="2" name="Folienbildplatzhalter 1"/>
+          <p:cNvSpPr>
+            <a:spLocks noGrp="1" noRot="1" noChangeAspect="1"/>
+          </p:cNvSpPr>
+          <p:nvPr>
+            <p:ph type="sldImg"/>
+          </p:nvPr>
+        </p:nvSpPr>
+        <p:spPr/>
+      </p:sp>
+      <p:sp>
+        <p:nvSpPr>
+          <p:cNvPr id="3" name="Notizenplatzhalter 2"/>
+          <p:cNvSpPr>
+            <a:spLocks noGrp="1"/>
+          </p:cNvSpPr>
+          <p:nvPr>
+            <p:ph type="body" idx="1"/>
+          </p:nvPr>
+        </p:nvSpPr>
+        <p:spPr/>
+        <p:txBody>
+          <a:bodyPr/>
+          <a:lstStyle/>
+          <a:p>
+            <a:pPr algn="l"/>
+            <a:endParaRPr lang="de-DE" dirty="0"/>
           </a:p>
         </p:txBody>
       </p:sp>
@@ -14155,258 +14524,7 @@
           <a:lstStyle/>
           <a:p>
             <a:pPr algn="l"/>
-            <a:r>
-              <a:rPr lang="en-GB" dirty="0"/>
-              <a:t>Dazu </a:t>
-            </a:r>
-            <a:r>
-              <a:rPr lang="en-GB" dirty="0" err="1"/>
-              <a:t>werde</a:t>
-            </a:r>
-            <a:r>
-              <a:rPr lang="en-GB" dirty="0"/>
-              <a:t> ich </a:t>
-            </a:r>
-            <a:r>
-              <a:rPr lang="en-GB" dirty="0" err="1"/>
-              <a:t>im</a:t>
-            </a:r>
-            <a:r>
-              <a:rPr lang="en-GB" dirty="0"/>
-              <a:t> </a:t>
-            </a:r>
-            <a:r>
-              <a:rPr lang="en-GB" dirty="0" err="1"/>
-              <a:t>ersten</a:t>
-            </a:r>
-            <a:r>
-              <a:rPr lang="en-GB" dirty="0"/>
-              <a:t> Schritt </a:t>
-            </a:r>
-            <a:r>
-              <a:rPr lang="en-GB" dirty="0" err="1"/>
-              <a:t>kurz</a:t>
-            </a:r>
-            <a:r>
-              <a:rPr lang="en-GB" dirty="0"/>
-              <a:t> die </a:t>
-            </a:r>
-            <a:r>
-              <a:rPr lang="en-GB" dirty="0" err="1"/>
-              <a:t>Ausgangssituation</a:t>
-            </a:r>
-            <a:r>
-              <a:rPr lang="en-GB" dirty="0"/>
-              <a:t> </a:t>
-            </a:r>
-            <a:r>
-              <a:rPr lang="en-GB" dirty="0" err="1"/>
-              <a:t>zu</a:t>
-            </a:r>
-            <a:r>
-              <a:rPr lang="en-GB" dirty="0"/>
-              <a:t> </a:t>
-            </a:r>
-            <a:r>
-              <a:rPr lang="en-GB" dirty="0" err="1"/>
-              <a:t>Beginn</a:t>
-            </a:r>
-            <a:r>
-              <a:rPr lang="en-GB" dirty="0"/>
-              <a:t> dieses Semesters </a:t>
-            </a:r>
-            <a:r>
-              <a:rPr lang="en-GB" dirty="0" err="1"/>
-              <a:t>beschreiben</a:t>
-            </a:r>
-            <a:r>
-              <a:rPr lang="en-GB" dirty="0"/>
-              <a:t> und </a:t>
-            </a:r>
-            <a:r>
-              <a:rPr lang="en-GB" dirty="0" err="1"/>
-              <a:t>anschließend</a:t>
-            </a:r>
-            <a:r>
-              <a:rPr lang="en-GB" dirty="0"/>
-              <a:t> den Unsupervised </a:t>
-            </a:r>
-            <a:r>
-              <a:rPr lang="en-GB" dirty="0" err="1"/>
-              <a:t>GraphSage</a:t>
-            </a:r>
-            <a:r>
-              <a:rPr lang="en-GB" dirty="0"/>
-              <a:t> </a:t>
-            </a:r>
-            <a:r>
-              <a:rPr lang="en-GB" dirty="0" err="1"/>
-              <a:t>Algorithmus</a:t>
-            </a:r>
-            <a:r>
-              <a:rPr lang="en-GB" dirty="0"/>
-              <a:t>, der für die </a:t>
-            </a:r>
-            <a:r>
-              <a:rPr lang="en-GB" dirty="0" err="1"/>
-              <a:t>Konstruktion</a:t>
-            </a:r>
-            <a:r>
-              <a:rPr lang="en-GB" dirty="0"/>
-              <a:t> der Node Embeddings </a:t>
-            </a:r>
-            <a:r>
-              <a:rPr lang="en-GB" dirty="0" err="1"/>
-              <a:t>im</a:t>
-            </a:r>
-            <a:r>
-              <a:rPr lang="en-GB" dirty="0"/>
-              <a:t> </a:t>
-            </a:r>
-            <a:r>
-              <a:rPr lang="en-GB" dirty="0" err="1"/>
-              <a:t>Gebäudegraphen</a:t>
-            </a:r>
-            <a:r>
-              <a:rPr lang="en-GB" dirty="0"/>
-              <a:t> </a:t>
-            </a:r>
-            <a:r>
-              <a:rPr lang="en-GB" dirty="0" err="1"/>
-              <a:t>verwendet</a:t>
-            </a:r>
-            <a:r>
-              <a:rPr lang="en-GB" dirty="0"/>
-              <a:t> </a:t>
-            </a:r>
-            <a:r>
-              <a:rPr lang="en-GB" dirty="0" err="1"/>
-              <a:t>wird</a:t>
-            </a:r>
-            <a:r>
-              <a:rPr lang="en-GB" dirty="0"/>
-              <a:t> und die </a:t>
-            </a:r>
-            <a:r>
-              <a:rPr lang="en-GB" dirty="0" err="1"/>
-              <a:t>größte</a:t>
-            </a:r>
-            <a:r>
-              <a:rPr lang="en-GB" dirty="0"/>
-              <a:t> </a:t>
-            </a:r>
-            <a:r>
-              <a:rPr lang="en-GB" dirty="0" err="1"/>
-              <a:t>Änderung</a:t>
-            </a:r>
-            <a:r>
-              <a:rPr lang="en-GB" dirty="0"/>
-              <a:t> </a:t>
-            </a:r>
-            <a:r>
-              <a:rPr lang="en-GB" dirty="0" err="1"/>
-              <a:t>im</a:t>
-            </a:r>
-            <a:r>
-              <a:rPr lang="en-GB" dirty="0"/>
-              <a:t> </a:t>
-            </a:r>
-            <a:r>
-              <a:rPr lang="en-GB" dirty="0" err="1"/>
-              <a:t>Vergleich</a:t>
-            </a:r>
-            <a:r>
-              <a:rPr lang="en-GB" dirty="0"/>
-              <a:t> </a:t>
-            </a:r>
-            <a:r>
-              <a:rPr lang="en-GB" dirty="0" err="1"/>
-              <a:t>zum</a:t>
-            </a:r>
-            <a:r>
-              <a:rPr lang="en-GB" dirty="0"/>
-              <a:t> </a:t>
-            </a:r>
-            <a:r>
-              <a:rPr lang="en-GB" dirty="0" err="1"/>
-              <a:t>letzten</a:t>
-            </a:r>
-            <a:r>
-              <a:rPr lang="en-GB" dirty="0"/>
-              <a:t> Semester </a:t>
-            </a:r>
-            <a:r>
-              <a:rPr lang="en-GB" dirty="0" err="1"/>
-              <a:t>darstellt</a:t>
-            </a:r>
-            <a:r>
-              <a:rPr lang="en-GB" dirty="0"/>
-              <a:t>, </a:t>
-            </a:r>
-            <a:r>
-              <a:rPr lang="en-GB" dirty="0" err="1"/>
-              <a:t>beschreiben</a:t>
-            </a:r>
-            <a:r>
-              <a:rPr lang="en-GB" dirty="0"/>
-              <a:t>. </a:t>
-            </a:r>
-            <a:r>
-              <a:rPr lang="en-GB" dirty="0" err="1"/>
-              <a:t>Anschließend</a:t>
-            </a:r>
-            <a:r>
-              <a:rPr lang="en-GB" dirty="0"/>
-              <a:t> </a:t>
-            </a:r>
-            <a:r>
-              <a:rPr lang="en-GB" dirty="0" err="1"/>
-              <a:t>gehe</a:t>
-            </a:r>
-            <a:r>
-              <a:rPr lang="en-GB" dirty="0"/>
-              <a:t> ich auf die </a:t>
-            </a:r>
-            <a:r>
-              <a:rPr lang="en-GB" dirty="0" err="1"/>
-              <a:t>Ergebnisse</a:t>
-            </a:r>
-            <a:r>
-              <a:rPr lang="en-GB" dirty="0"/>
-              <a:t> </a:t>
-            </a:r>
-            <a:r>
-              <a:rPr lang="en-GB" dirty="0" err="1"/>
-              <a:t>bei</a:t>
-            </a:r>
-            <a:r>
-              <a:rPr lang="en-GB" dirty="0"/>
-              <a:t> der </a:t>
-            </a:r>
-            <a:r>
-              <a:rPr lang="en-GB" dirty="0" err="1"/>
-              <a:t>Klassifikation</a:t>
-            </a:r>
-            <a:r>
-              <a:rPr lang="en-GB" dirty="0"/>
-              <a:t> der </a:t>
-            </a:r>
-            <a:r>
-              <a:rPr lang="en-GB" dirty="0" err="1"/>
-              <a:t>Gebäudeart</a:t>
-            </a:r>
-            <a:r>
-              <a:rPr lang="en-GB" dirty="0"/>
-              <a:t> </a:t>
-            </a:r>
-            <a:r>
-              <a:rPr lang="en-GB" dirty="0" err="1"/>
-              <a:t>ein</a:t>
-            </a:r>
-            <a:r>
-              <a:rPr lang="en-GB" dirty="0"/>
-              <a:t>.</a:t>
-            </a:r>
+            <a:endParaRPr lang="en-GB" dirty="0"/>
           </a:p>
         </p:txBody>
       </p:sp>
@@ -14468,10 +14586,7 @@
           <a:lstStyle/>
           <a:p>
             <a:pPr algn="l"/>
-            <a:r>
-              <a:rPr lang="de-DE" dirty="0"/>
-              <a:t>Zunächst also zur Ausgangssituation zu Beginn dieses Semesters.</a:t>
-            </a:r>
+            <a:endParaRPr lang="de-DE" dirty="0"/>
           </a:p>
         </p:txBody>
       </p:sp>
@@ -14533,76 +14648,7 @@
           <a:lstStyle/>
           <a:p>
             <a:pPr algn="l"/>
-            <a:r>
-              <a:rPr lang="de-DE" dirty="0"/>
-              <a:t>Im letzten Semester hatte ich Graph </a:t>
-            </a:r>
-            <a:r>
-              <a:rPr lang="de-DE" dirty="0" err="1"/>
-              <a:t>Convolutional</a:t>
-            </a:r>
-            <a:r>
-              <a:rPr lang="de-DE" dirty="0"/>
-              <a:t> </a:t>
-            </a:r>
-            <a:r>
-              <a:rPr lang="de-DE" dirty="0" err="1"/>
-              <a:t>Neural</a:t>
-            </a:r>
-            <a:r>
-              <a:rPr lang="de-DE" dirty="0"/>
-              <a:t> Networks verwendet, um die verschiedenen Gebäudearten in den OSM-Daten voneinander zu unterscheiden. Dabei habe ich OSM-Daten für die Hauptstadt Estlands, Tallinn, untersucht.</a:t>
-            </a:r>
-          </a:p>
-          <a:p>
-            <a:pPr algn="l"/>
-            <a:r>
-              <a:rPr lang="de-DE" dirty="0"/>
-              <a:t>Ich habe im letzten Semester versucht, anhand von Reverse </a:t>
-            </a:r>
-            <a:r>
-              <a:rPr lang="de-DE" dirty="0" err="1"/>
-              <a:t>Geocoding</a:t>
-            </a:r>
-            <a:r>
-              <a:rPr lang="de-DE" dirty="0"/>
-              <a:t> fehlende Adressdaten und anhand von Lidardaten für Tallinn fehlende Gebäudehöhen zu ermitteln mit dem Ziel, so viele fehlende Werte wie möglich vor dem Training des Klassifikationsmodells zu füllen. Während das Reverse </a:t>
-            </a:r>
-            <a:r>
-              <a:rPr lang="de-DE" dirty="0" err="1"/>
-              <a:t>Geocoding</a:t>
-            </a:r>
-            <a:r>
-              <a:rPr lang="de-DE" dirty="0"/>
-              <a:t> einigermaßen funktioniert hat, war der Versuch mit den Lidardaten nicht erfolgreich. Bei der letztendlichen Gebäudeklassifikation kam ich dabei auf einen </a:t>
-            </a:r>
-            <a:r>
-              <a:rPr lang="de-DE" dirty="0" err="1"/>
-              <a:t>Balanced</a:t>
-            </a:r>
-            <a:r>
-              <a:rPr lang="de-DE" dirty="0"/>
-              <a:t> </a:t>
-            </a:r>
-            <a:r>
-              <a:rPr lang="de-DE" dirty="0" err="1"/>
-              <a:t>Accuracy</a:t>
-            </a:r>
-            <a:r>
-              <a:rPr lang="de-DE" dirty="0"/>
-              <a:t> Score von 31.5%. Bei damals neun verschiedenen Klassen kein schlechtes Ergebnis, hilft aber bei dem Ziel, fehlende Werte in dem OSM-Daten für die Gebäudearten nicht wirklich weiter. Von daher fiel die Entscheidung, die verwendeten Features für die ML-Algorithmen stärker bzw. anders aufzubereiten und auch Gebäude einer anderen Stadt zu untersuchen, zu der OSM mehr Daten zu Gebäudearten zur Verfügung stellt. Hier fiel die Wahl auf San Francisco.</a:t>
-            </a:r>
-          </a:p>
-          <a:p>
-            <a:pPr algn="l"/>
             <a:endParaRPr lang="de-DE" dirty="0"/>
-          </a:p>
-          <a:p>
-            <a:pPr algn="l"/>
-            <a:r>
-              <a:rPr lang="de-DE" dirty="0"/>
-              <a:t>Ich habe mich im letzten Semester und auch in diesem Semester neben der Gebäudeklassifikation also auch mit der Schätzung von fehlenden Gebäudehöhen beschäftigt, werde im weiteren Verlauf dieser Präsentation aber aus Zeitgründen und weil der Fokus wirklich auf der Klassifikationsaufgabe lag, auf eben diese beschränken.</a:t>
-            </a:r>
           </a:p>
         </p:txBody>
       </p:sp>
@@ -14664,41 +14710,14 @@
           <a:lstStyle/>
           <a:p>
             <a:pPr algn="l"/>
-            <a:r>
-              <a:rPr lang="de-DE" dirty="0"/>
-              <a:t>So, die Ausgangssituation ist bekannt, kommen wir jetzt zum verwendeten </a:t>
-            </a:r>
-            <a:r>
-              <a:rPr lang="de-DE" dirty="0" err="1"/>
-              <a:t>Unsupervised</a:t>
-            </a:r>
-            <a:r>
-              <a:rPr lang="de-DE" dirty="0"/>
-              <a:t> </a:t>
-            </a:r>
-            <a:r>
-              <a:rPr lang="de-DE" dirty="0" err="1"/>
-              <a:t>GraphSage</a:t>
-            </a:r>
-            <a:r>
-              <a:rPr lang="de-DE" dirty="0"/>
-              <a:t> </a:t>
-            </a:r>
-            <a:r>
-              <a:rPr lang="de-DE" dirty="0" err="1"/>
-              <a:t>algorithm</a:t>
-            </a:r>
-            <a:r>
-              <a:rPr lang="de-DE" dirty="0"/>
-              <a:t>, der wie gesagt die größte Änderung im Vergleich zum letzten Semester darstellt.</a:t>
-            </a:r>
+            <a:endParaRPr lang="de-DE" dirty="0"/>
           </a:p>
         </p:txBody>
       </p:sp>
     </p:spTree>
     <p:extLst>
       <p:ext uri="{BB962C8B-B14F-4D97-AF65-F5344CB8AC3E}">
-        <p14:creationId xmlns:p14="http://schemas.microsoft.com/office/powerpoint/2010/main" val="941374976"/>
+        <p14:creationId xmlns:p14="http://schemas.microsoft.com/office/powerpoint/2010/main" val="1081360343"/>
       </p:ext>
     </p:extLst>
   </p:cSld>
@@ -14752,6 +14771,7 @@
           <a:bodyPr/>
           <a:lstStyle/>
           <a:p>
+            <a:pPr algn="l"/>
             <a:endParaRPr lang="de-DE" dirty="0"/>
           </a:p>
         </p:txBody>
@@ -14759,7 +14779,7 @@
     </p:spTree>
     <p:extLst>
       <p:ext uri="{BB962C8B-B14F-4D97-AF65-F5344CB8AC3E}">
-        <p14:creationId xmlns:p14="http://schemas.microsoft.com/office/powerpoint/2010/main" val="954720357"/>
+        <p14:creationId xmlns:p14="http://schemas.microsoft.com/office/powerpoint/2010/main" val="3812049493"/>
       </p:ext>
     </p:extLst>
   </p:cSld>
@@ -14813,6 +14833,7 @@
           <a:bodyPr/>
           <a:lstStyle/>
           <a:p>
+            <a:pPr algn="l"/>
             <a:endParaRPr lang="de-DE" dirty="0"/>
           </a:p>
         </p:txBody>
@@ -14820,7 +14841,7 @@
     </p:spTree>
     <p:extLst>
       <p:ext uri="{BB962C8B-B14F-4D97-AF65-F5344CB8AC3E}">
-        <p14:creationId xmlns:p14="http://schemas.microsoft.com/office/powerpoint/2010/main" val="1608420442"/>
+        <p14:creationId xmlns:p14="http://schemas.microsoft.com/office/powerpoint/2010/main" val="1723818999"/>
       </p:ext>
     </p:extLst>
   </p:cSld>
@@ -14875,52 +14896,14 @@
           <a:lstStyle/>
           <a:p>
             <a:pPr algn="l"/>
-            <a:r>
-              <a:rPr lang="de-DE" dirty="0" err="1"/>
-              <a:t>Leaky-ReLU</a:t>
-            </a:r>
-            <a:r>
-              <a:rPr lang="de-DE" dirty="0"/>
-              <a:t> hat am besten funktioniert, etwas besser als </a:t>
-            </a:r>
-            <a:r>
-              <a:rPr lang="de-DE" dirty="0" err="1"/>
-              <a:t>ReLU</a:t>
-            </a:r>
-            <a:r>
-              <a:rPr lang="de-DE" dirty="0"/>
-              <a:t>, deutlich besser als Sigmoid</a:t>
-            </a:r>
-          </a:p>
-          <a:p>
-            <a:pPr algn="l"/>
-            <a:r>
-              <a:rPr lang="de-DE" dirty="0"/>
-              <a:t>Weglassen von Input-Features, egal in welcher Variation, hat bei NNs zu schlechterer Vorhersage-Leistung geführt im Gegensatz zum XGB-Modell, bei dem die Vorhersageleistung durch Selektieren der zehn besten Input-Features (</a:t>
-            </a:r>
-            <a:r>
-              <a:rPr lang="de-DE" dirty="0" err="1"/>
-              <a:t>SelectKBest</a:t>
-            </a:r>
-            <a:r>
-              <a:rPr lang="de-DE" dirty="0"/>
-              <a:t> von </a:t>
-            </a:r>
-            <a:r>
-              <a:rPr lang="de-DE" dirty="0" err="1"/>
-              <a:t>sklearn</a:t>
-            </a:r>
-            <a:r>
-              <a:rPr lang="de-DE" dirty="0"/>
-              <a:t>) verbessert wurde</a:t>
-            </a:r>
+            <a:endParaRPr lang="de-DE" dirty="0"/>
           </a:p>
         </p:txBody>
       </p:sp>
     </p:spTree>
     <p:extLst>
       <p:ext uri="{BB962C8B-B14F-4D97-AF65-F5344CB8AC3E}">
-        <p14:creationId xmlns:p14="http://schemas.microsoft.com/office/powerpoint/2010/main" val="3996670676"/>
+        <p14:creationId xmlns:p14="http://schemas.microsoft.com/office/powerpoint/2010/main" val="941374976"/>
       </p:ext>
     </p:extLst>
   </p:cSld>
@@ -14974,6 +14957,7 @@
           <a:bodyPr/>
           <a:lstStyle/>
           <a:p>
+            <a:pPr algn="l"/>
             <a:endParaRPr lang="de-DE" dirty="0"/>
           </a:p>
         </p:txBody>
@@ -14981,7 +14965,7 @@
     </p:spTree>
     <p:extLst>
       <p:ext uri="{BB962C8B-B14F-4D97-AF65-F5344CB8AC3E}">
-        <p14:creationId xmlns:p14="http://schemas.microsoft.com/office/powerpoint/2010/main" val="3880062592"/>
+        <p14:creationId xmlns:p14="http://schemas.microsoft.com/office/powerpoint/2010/main" val="2272147844"/>
       </p:ext>
     </p:extLst>
   </p:cSld>
@@ -19770,2187 +19754,6 @@
           <p:cNvPr id="2" name="Titel 1">
             <a:extLst>
               <a:ext uri="{FF2B5EF4-FFF2-40B4-BE49-F238E27FC236}">
-                <a16:creationId xmlns:a16="http://schemas.microsoft.com/office/drawing/2014/main" id="{DFFCF176-98C2-DE30-2BD5-93BD4E39715E}"/>
-              </a:ext>
-            </a:extLst>
-          </p:cNvPr>
-          <p:cNvSpPr>
-            <a:spLocks noGrp="1"/>
-          </p:cNvSpPr>
-          <p:nvPr>
-            <p:ph type="title"/>
-          </p:nvPr>
-        </p:nvSpPr>
-        <p:spPr/>
-        <p:txBody>
-          <a:bodyPr/>
-          <a:lstStyle/>
-          <a:p>
-            <a:r>
-              <a:rPr lang="de-DE" dirty="0"/>
-              <a:t>Neuronales Netz</a:t>
-            </a:r>
-          </a:p>
-        </p:txBody>
-      </p:sp>
-      <p:graphicFrame>
-        <p:nvGraphicFramePr>
-          <p:cNvPr id="6" name="Tabelle 6">
-            <a:extLst>
-              <a:ext uri="{FF2B5EF4-FFF2-40B4-BE49-F238E27FC236}">
-                <a16:creationId xmlns:a16="http://schemas.microsoft.com/office/drawing/2014/main" id="{C2C3454B-2023-618E-4D11-41320EA5A03B}"/>
-              </a:ext>
-            </a:extLst>
-          </p:cNvPr>
-          <p:cNvGraphicFramePr>
-            <a:graphicFrameLocks noGrp="1"/>
-          </p:cNvGraphicFramePr>
-          <p:nvPr>
-            <p:ph idx="1"/>
-            <p:extLst>
-              <p:ext uri="{D42A27DB-BD31-4B8C-83A1-F6EECF244321}">
-                <p14:modId xmlns:p14="http://schemas.microsoft.com/office/powerpoint/2010/main" val="2044005591"/>
-              </p:ext>
-            </p:extLst>
-          </p:nvPr>
-        </p:nvGraphicFramePr>
-        <p:xfrm>
-          <a:off x="571899" y="1458442"/>
-          <a:ext cx="8064500" cy="2123440"/>
-        </p:xfrm>
-        <a:graphic>
-          <a:graphicData uri="http://schemas.openxmlformats.org/drawingml/2006/table">
-            <a:tbl>
-              <a:tblPr firstRow="1" bandRow="1">
-                <a:tableStyleId>{5C22544A-7EE6-4342-B048-85BDC9FD1C3A}</a:tableStyleId>
-              </a:tblPr>
-              <a:tblGrid>
-                <a:gridCol w="2016125">
-                  <a:extLst>
-                    <a:ext uri="{9D8B030D-6E8A-4147-A177-3AD203B41FA5}">
-                      <a16:colId xmlns:a16="http://schemas.microsoft.com/office/drawing/2014/main" val="2172811840"/>
-                    </a:ext>
-                  </a:extLst>
-                </a:gridCol>
-                <a:gridCol w="2016125">
-                  <a:extLst>
-                    <a:ext uri="{9D8B030D-6E8A-4147-A177-3AD203B41FA5}">
-                      <a16:colId xmlns:a16="http://schemas.microsoft.com/office/drawing/2014/main" val="2948638128"/>
-                    </a:ext>
-                  </a:extLst>
-                </a:gridCol>
-                <a:gridCol w="2016125">
-                  <a:extLst>
-                    <a:ext uri="{9D8B030D-6E8A-4147-A177-3AD203B41FA5}">
-                      <a16:colId xmlns:a16="http://schemas.microsoft.com/office/drawing/2014/main" val="1149596064"/>
-                    </a:ext>
-                  </a:extLst>
-                </a:gridCol>
-                <a:gridCol w="2016125">
-                  <a:extLst>
-                    <a:ext uri="{9D8B030D-6E8A-4147-A177-3AD203B41FA5}">
-                      <a16:colId xmlns:a16="http://schemas.microsoft.com/office/drawing/2014/main" val="1853500647"/>
-                    </a:ext>
-                  </a:extLst>
-                </a:gridCol>
-              </a:tblGrid>
-              <a:tr h="370840">
-                <a:tc>
-                  <a:txBody>
-                    <a:bodyPr/>
-                    <a:lstStyle/>
-                    <a:p>
-                      <a:r>
-                        <a:rPr lang="de-DE" dirty="0"/>
-                        <a:t>Modell</a:t>
-                      </a:r>
-                    </a:p>
-                  </a:txBody>
-                  <a:tcPr/>
-                </a:tc>
-                <a:tc>
-                  <a:txBody>
-                    <a:bodyPr/>
-                    <a:lstStyle/>
-                    <a:p>
-                      <a:r>
-                        <a:rPr lang="de-DE" dirty="0"/>
-                        <a:t>Trainings-epochen</a:t>
-                      </a:r>
-                    </a:p>
-                  </a:txBody>
-                  <a:tcPr/>
-                </a:tc>
-                <a:tc>
-                  <a:txBody>
-                    <a:bodyPr/>
-                    <a:lstStyle/>
-                    <a:p>
-                      <a:r>
-                        <a:rPr lang="de-DE" dirty="0"/>
-                        <a:t>MAE</a:t>
-                      </a:r>
-                    </a:p>
-                  </a:txBody>
-                  <a:tcPr/>
-                </a:tc>
-                <a:tc>
-                  <a:txBody>
-                    <a:bodyPr/>
-                    <a:lstStyle/>
-                    <a:p>
-                      <a:r>
-                        <a:rPr lang="de-DE" dirty="0" err="1"/>
-                        <a:t>Balanced</a:t>
-                      </a:r>
-                      <a:r>
-                        <a:rPr lang="de-DE" dirty="0"/>
-                        <a:t> </a:t>
-                      </a:r>
-                      <a:r>
-                        <a:rPr lang="de-DE" dirty="0" err="1"/>
-                        <a:t>Accuracy</a:t>
-                      </a:r>
-                      <a:endParaRPr lang="de-DE" dirty="0"/>
-                    </a:p>
-                  </a:txBody>
-                  <a:tcPr/>
-                </a:tc>
-                <a:extLst>
-                  <a:ext uri="{0D108BD9-81ED-4DB2-BD59-A6C34878D82A}">
-                    <a16:rowId xmlns:a16="http://schemas.microsoft.com/office/drawing/2014/main" val="3046079198"/>
-                  </a:ext>
-                </a:extLst>
-              </a:tr>
-              <a:tr h="370840">
-                <a:tc>
-                  <a:txBody>
-                    <a:bodyPr/>
-                    <a:lstStyle/>
-                    <a:p>
-                      <a:r>
-                        <a:rPr lang="de-DE" dirty="0"/>
-                        <a:t>MLP1 (klein)</a:t>
-                      </a:r>
-                    </a:p>
-                  </a:txBody>
-                  <a:tcPr/>
-                </a:tc>
-                <a:tc>
-                  <a:txBody>
-                    <a:bodyPr/>
-                    <a:lstStyle/>
-                    <a:p>
-                      <a:r>
-                        <a:rPr lang="de-DE" dirty="0"/>
-                        <a:t>68</a:t>
-                      </a:r>
-                    </a:p>
-                  </a:txBody>
-                  <a:tcPr/>
-                </a:tc>
-                <a:tc>
-                  <a:txBody>
-                    <a:bodyPr/>
-                    <a:lstStyle/>
-                    <a:p>
-                      <a:r>
-                        <a:rPr lang="de-DE" dirty="0"/>
-                        <a:t>0.0085</a:t>
-                      </a:r>
-                    </a:p>
-                  </a:txBody>
-                  <a:tcPr/>
-                </a:tc>
-                <a:tc>
-                  <a:txBody>
-                    <a:bodyPr/>
-                    <a:lstStyle/>
-                    <a:p>
-                      <a:r>
-                        <a:rPr lang="de-DE" dirty="0"/>
-                        <a:t>0.4836</a:t>
-                      </a:r>
-                    </a:p>
-                  </a:txBody>
-                  <a:tcPr/>
-                </a:tc>
-                <a:extLst>
-                  <a:ext uri="{0D108BD9-81ED-4DB2-BD59-A6C34878D82A}">
-                    <a16:rowId xmlns:a16="http://schemas.microsoft.com/office/drawing/2014/main" val="1630847499"/>
-                  </a:ext>
-                </a:extLst>
-              </a:tr>
-              <a:tr h="370840">
-                <a:tc>
-                  <a:txBody>
-                    <a:bodyPr/>
-                    <a:lstStyle/>
-                    <a:p>
-                      <a:r>
-                        <a:rPr lang="de-DE" dirty="0"/>
-                        <a:t>MLP2 (mittel)</a:t>
-                      </a:r>
-                    </a:p>
-                  </a:txBody>
-                  <a:tcPr/>
-                </a:tc>
-                <a:tc>
-                  <a:txBody>
-                    <a:bodyPr/>
-                    <a:lstStyle/>
-                    <a:p>
-                      <a:r>
-                        <a:rPr lang="de-DE" dirty="0"/>
-                        <a:t>80</a:t>
-                      </a:r>
-                    </a:p>
-                  </a:txBody>
-                  <a:tcPr/>
-                </a:tc>
-                <a:tc>
-                  <a:txBody>
-                    <a:bodyPr/>
-                    <a:lstStyle/>
-                    <a:p>
-                      <a:r>
-                        <a:rPr lang="de-DE" dirty="0"/>
-                        <a:t>0.0010</a:t>
-                      </a:r>
-                    </a:p>
-                  </a:txBody>
-                  <a:tcPr/>
-                </a:tc>
-                <a:tc>
-                  <a:txBody>
-                    <a:bodyPr/>
-                    <a:lstStyle/>
-                    <a:p>
-                      <a:r>
-                        <a:rPr lang="de-DE" dirty="0"/>
-                        <a:t>0.9208</a:t>
-                      </a:r>
-                    </a:p>
-                  </a:txBody>
-                  <a:tcPr/>
-                </a:tc>
-                <a:extLst>
-                  <a:ext uri="{0D108BD9-81ED-4DB2-BD59-A6C34878D82A}">
-                    <a16:rowId xmlns:a16="http://schemas.microsoft.com/office/drawing/2014/main" val="3495147990"/>
-                  </a:ext>
-                </a:extLst>
-              </a:tr>
-              <a:tr h="370840">
-                <a:tc>
-                  <a:txBody>
-                    <a:bodyPr/>
-                    <a:lstStyle/>
-                    <a:p>
-                      <a:r>
-                        <a:rPr lang="de-DE" dirty="0"/>
-                        <a:t>MLP3 (groß)</a:t>
-                      </a:r>
-                    </a:p>
-                  </a:txBody>
-                  <a:tcPr/>
-                </a:tc>
-                <a:tc>
-                  <a:txBody>
-                    <a:bodyPr/>
-                    <a:lstStyle/>
-                    <a:p>
-                      <a:r>
-                        <a:rPr lang="de-DE" dirty="0"/>
-                        <a:t>78</a:t>
-                      </a:r>
-                    </a:p>
-                  </a:txBody>
-                  <a:tcPr/>
-                </a:tc>
-                <a:tc>
-                  <a:txBody>
-                    <a:bodyPr/>
-                    <a:lstStyle/>
-                    <a:p>
-                      <a:r>
-                        <a:rPr lang="de-DE" dirty="0"/>
-                        <a:t>0.0037</a:t>
-                      </a:r>
-                    </a:p>
-                  </a:txBody>
-                  <a:tcPr/>
-                </a:tc>
-                <a:tc>
-                  <a:txBody>
-                    <a:bodyPr/>
-                    <a:lstStyle/>
-                    <a:p>
-                      <a:r>
-                        <a:rPr lang="de-DE" dirty="0"/>
-                        <a:t>0.8123</a:t>
-                      </a:r>
-                    </a:p>
-                  </a:txBody>
-                  <a:tcPr/>
-                </a:tc>
-                <a:extLst>
-                  <a:ext uri="{0D108BD9-81ED-4DB2-BD59-A6C34878D82A}">
-                    <a16:rowId xmlns:a16="http://schemas.microsoft.com/office/drawing/2014/main" val="1744927172"/>
-                  </a:ext>
-                </a:extLst>
-              </a:tr>
-              <a:tr h="370840">
-                <a:tc>
-                  <a:txBody>
-                    <a:bodyPr/>
-                    <a:lstStyle/>
-                    <a:p>
-                      <a:r>
-                        <a:rPr lang="de-DE" dirty="0" err="1"/>
-                        <a:t>XGBRegressor</a:t>
-                      </a:r>
-                      <a:endParaRPr lang="de-DE" dirty="0"/>
-                    </a:p>
-                  </a:txBody>
-                  <a:tcPr/>
-                </a:tc>
-                <a:tc>
-                  <a:txBody>
-                    <a:bodyPr/>
-                    <a:lstStyle/>
-                    <a:p>
-                      <a:endParaRPr lang="de-DE" dirty="0"/>
-                    </a:p>
-                  </a:txBody>
-                  <a:tcPr/>
-                </a:tc>
-                <a:tc>
-                  <a:txBody>
-                    <a:bodyPr/>
-                    <a:lstStyle/>
-                    <a:p>
-                      <a:r>
-                        <a:rPr lang="de-DE" dirty="0"/>
-                        <a:t>0.0031</a:t>
-                      </a:r>
-                    </a:p>
-                  </a:txBody>
-                  <a:tcPr/>
-                </a:tc>
-                <a:tc>
-                  <a:txBody>
-                    <a:bodyPr/>
-                    <a:lstStyle/>
-                    <a:p>
-                      <a:r>
-                        <a:rPr lang="de-DE" dirty="0"/>
-                        <a:t>0.8389</a:t>
-                      </a:r>
-                    </a:p>
-                  </a:txBody>
-                  <a:tcPr/>
-                </a:tc>
-                <a:extLst>
-                  <a:ext uri="{0D108BD9-81ED-4DB2-BD59-A6C34878D82A}">
-                    <a16:rowId xmlns:a16="http://schemas.microsoft.com/office/drawing/2014/main" val="617186561"/>
-                  </a:ext>
-                </a:extLst>
-              </a:tr>
-            </a:tbl>
-          </a:graphicData>
-        </a:graphic>
-      </p:graphicFrame>
-      <p:sp>
-        <p:nvSpPr>
-          <p:cNvPr id="4" name="Textplatzhalter 3">
-            <a:extLst>
-              <a:ext uri="{FF2B5EF4-FFF2-40B4-BE49-F238E27FC236}">
-                <a16:creationId xmlns:a16="http://schemas.microsoft.com/office/drawing/2014/main" id="{C4CE1129-A883-79C7-F33E-37B797D9B015}"/>
-              </a:ext>
-            </a:extLst>
-          </p:cNvPr>
-          <p:cNvSpPr>
-            <a:spLocks noGrp="1"/>
-          </p:cNvSpPr>
-          <p:nvPr>
-            <p:ph type="body" sz="quarter" idx="12"/>
-          </p:nvPr>
-        </p:nvSpPr>
-        <p:spPr/>
-        <p:txBody>
-          <a:bodyPr/>
-          <a:lstStyle/>
-          <a:p>
-            <a:r>
-              <a:rPr lang="de-DE" dirty="0"/>
-              <a:t>Ergebnisse: Zerfallszustand des Kompressors</a:t>
-            </a:r>
-          </a:p>
-        </p:txBody>
-      </p:sp>
-      <p:sp>
-        <p:nvSpPr>
-          <p:cNvPr id="8" name="Textfeld 7">
-            <a:extLst>
-              <a:ext uri="{FF2B5EF4-FFF2-40B4-BE49-F238E27FC236}">
-                <a16:creationId xmlns:a16="http://schemas.microsoft.com/office/drawing/2014/main" id="{4A379E3B-C7AC-5933-3F5F-CCE3FC364EB8}"/>
-              </a:ext>
-            </a:extLst>
-          </p:cNvPr>
-          <p:cNvSpPr txBox="1"/>
-          <p:nvPr/>
-        </p:nvSpPr>
-        <p:spPr>
-          <a:xfrm>
-            <a:off x="507601" y="1119888"/>
-            <a:ext cx="3502160" cy="338554"/>
-          </a:xfrm>
-          <a:prstGeom prst="rect">
-            <a:avLst/>
-          </a:prstGeom>
-          <a:noFill/>
-        </p:spPr>
-        <p:txBody>
-          <a:bodyPr wrap="square" rtlCol="0">
-            <a:spAutoFit/>
-          </a:bodyPr>
-          <a:lstStyle/>
-          <a:p>
-            <a:pPr algn="l"/>
-            <a:r>
-              <a:rPr lang="de-DE" sz="1600" b="1" dirty="0">
-                <a:solidFill>
-                  <a:schemeClr val="tx1"/>
-                </a:solidFill>
-              </a:rPr>
-              <a:t>Regression</a:t>
-            </a:r>
-          </a:p>
-        </p:txBody>
-      </p:sp>
-      <p:grpSp>
-        <p:nvGrpSpPr>
-          <p:cNvPr id="16" name="Gruppieren 15">
-            <a:extLst>
-              <a:ext uri="{FF2B5EF4-FFF2-40B4-BE49-F238E27FC236}">
-                <a16:creationId xmlns:a16="http://schemas.microsoft.com/office/drawing/2014/main" id="{9A5DF4FC-F18C-DE14-FCA9-FD1267F9CA3E}"/>
-              </a:ext>
-            </a:extLst>
-          </p:cNvPr>
-          <p:cNvGrpSpPr/>
-          <p:nvPr/>
-        </p:nvGrpSpPr>
-        <p:grpSpPr>
-          <a:xfrm>
-            <a:off x="507601" y="3607312"/>
-            <a:ext cx="8163744" cy="2554811"/>
-            <a:chOff x="507601" y="3607312"/>
-            <a:chExt cx="8163744" cy="2554811"/>
-          </a:xfrm>
-        </p:grpSpPr>
-        <p:sp>
-          <p:nvSpPr>
-            <p:cNvPr id="9" name="Textfeld 8">
-              <a:extLst>
-                <a:ext uri="{FF2B5EF4-FFF2-40B4-BE49-F238E27FC236}">
-                  <a16:creationId xmlns:a16="http://schemas.microsoft.com/office/drawing/2014/main" id="{80754CD0-9937-1849-40A9-41FD1368DC43}"/>
-                </a:ext>
-              </a:extLst>
-            </p:cNvPr>
-            <p:cNvSpPr txBox="1"/>
-            <p:nvPr/>
-          </p:nvSpPr>
-          <p:spPr>
-            <a:xfrm>
-              <a:off x="507601" y="3607312"/>
-              <a:ext cx="3502160" cy="338554"/>
-            </a:xfrm>
-            <a:prstGeom prst="rect">
-              <a:avLst/>
-            </a:prstGeom>
-            <a:noFill/>
-          </p:spPr>
-          <p:txBody>
-            <a:bodyPr wrap="square" rtlCol="0">
-              <a:spAutoFit/>
-            </a:bodyPr>
-            <a:lstStyle/>
-            <a:p>
-              <a:pPr algn="l"/>
-              <a:r>
-                <a:rPr lang="de-DE" sz="1600" b="1" dirty="0">
-                  <a:solidFill>
-                    <a:schemeClr val="tx1"/>
-                  </a:solidFill>
-                </a:rPr>
-                <a:t>Klassifikation</a:t>
-              </a:r>
-            </a:p>
-          </p:txBody>
-        </p:sp>
-        <p:pic>
-          <p:nvPicPr>
-            <p:cNvPr id="15" name="Grafik 14" descr="Ein Bild, das Text, Screenshot, Schrift, Zahl enthält.&#10;&#10;Automatisch generierte Beschreibung">
-              <a:extLst>
-                <a:ext uri="{FF2B5EF4-FFF2-40B4-BE49-F238E27FC236}">
-                  <a16:creationId xmlns:a16="http://schemas.microsoft.com/office/drawing/2014/main" id="{871C673E-52F3-D8E6-4B34-28F5159913D8}"/>
-                </a:ext>
-              </a:extLst>
-            </p:cNvPr>
-            <p:cNvPicPr>
-              <a:picLocks noChangeAspect="1"/>
-            </p:cNvPicPr>
-            <p:nvPr/>
-          </p:nvPicPr>
-          <p:blipFill>
-            <a:blip r:embed="rId3"/>
-            <a:stretch>
-              <a:fillRect/>
-            </a:stretch>
-          </p:blipFill>
-          <p:spPr>
-            <a:xfrm>
-              <a:off x="571899" y="3920436"/>
-              <a:ext cx="8099446" cy="2241687"/>
-            </a:xfrm>
-            <a:prstGeom prst="rect">
-              <a:avLst/>
-            </a:prstGeom>
-          </p:spPr>
-        </p:pic>
-      </p:grpSp>
-    </p:spTree>
-    <p:extLst>
-      <p:ext uri="{BB962C8B-B14F-4D97-AF65-F5344CB8AC3E}">
-        <p14:creationId xmlns:p14="http://schemas.microsoft.com/office/powerpoint/2010/main" val="430197731"/>
-      </p:ext>
-    </p:extLst>
-  </p:cSld>
-  <p:clrMapOvr>
-    <a:masterClrMapping/>
-  </p:clrMapOvr>
-  <p:timing>
-    <p:tnLst>
-      <p:par>
-        <p:cTn id="1" dur="indefinite" restart="never" nodeType="tmRoot">
-          <p:childTnLst>
-            <p:seq concurrent="1" nextAc="seek">
-              <p:cTn id="2" dur="indefinite" nodeType="mainSeq">
-                <p:childTnLst>
-                  <p:par>
-                    <p:cTn id="3" fill="hold">
-                      <p:stCondLst>
-                        <p:cond delay="indefinite"/>
-                      </p:stCondLst>
-                      <p:childTnLst>
-                        <p:par>
-                          <p:cTn id="4" fill="hold">
-                            <p:stCondLst>
-                              <p:cond delay="0"/>
-                            </p:stCondLst>
-                            <p:childTnLst>
-                              <p:par>
-                                <p:cTn id="5" presetID="1" presetClass="entr" presetSubtype="0" fill="hold" nodeType="clickEffect">
-                                  <p:stCondLst>
-                                    <p:cond delay="0"/>
-                                  </p:stCondLst>
-                                  <p:childTnLst>
-                                    <p:set>
-                                      <p:cBhvr>
-                                        <p:cTn id="6" dur="1" fill="hold">
-                                          <p:stCondLst>
-                                            <p:cond delay="0"/>
-                                          </p:stCondLst>
-                                        </p:cTn>
-                                        <p:tgtEl>
-                                          <p:spTgt spid="16"/>
-                                        </p:tgtEl>
-                                        <p:attrNameLst>
-                                          <p:attrName>style.visibility</p:attrName>
-                                        </p:attrNameLst>
-                                      </p:cBhvr>
-                                      <p:to>
-                                        <p:strVal val="visible"/>
-                                      </p:to>
-                                    </p:set>
-                                  </p:childTnLst>
-                                </p:cTn>
-                              </p:par>
-                            </p:childTnLst>
-                          </p:cTn>
-                        </p:par>
-                      </p:childTnLst>
-                    </p:cTn>
-                  </p:par>
-                </p:childTnLst>
-              </p:cTn>
-              <p:prevCondLst>
-                <p:cond evt="onPrev" delay="0">
-                  <p:tgtEl>
-                    <p:sldTgt/>
-                  </p:tgtEl>
-                </p:cond>
-              </p:prevCondLst>
-              <p:nextCondLst>
-                <p:cond evt="onNext" delay="0">
-                  <p:tgtEl>
-                    <p:sldTgt/>
-                  </p:tgtEl>
-                </p:cond>
-              </p:nextCondLst>
-            </p:seq>
-          </p:childTnLst>
-        </p:cTn>
-      </p:par>
-    </p:tnLst>
-  </p:timing>
-</p:sld>
-</file>
-
-<file path=ppt/slides/slide11.xml><?xml version="1.0" encoding="utf-8"?>
-<p:sld xmlns:a="http://schemas.openxmlformats.org/drawingml/2006/main" xmlns:r="http://schemas.openxmlformats.org/officeDocument/2006/relationships" xmlns:p="http://schemas.openxmlformats.org/presentationml/2006/main">
-  <p:cSld>
-    <p:spTree>
-      <p:nvGrpSpPr>
-        <p:cNvPr id="1" name=""/>
-        <p:cNvGrpSpPr/>
-        <p:nvPr/>
-      </p:nvGrpSpPr>
-      <p:grpSpPr>
-        <a:xfrm>
-          <a:off x="0" y="0"/>
-          <a:ext cx="0" cy="0"/>
-          <a:chOff x="0" y="0"/>
-          <a:chExt cx="0" cy="0"/>
-        </a:xfrm>
-      </p:grpSpPr>
-      <p:sp>
-        <p:nvSpPr>
-          <p:cNvPr id="2" name="Titel 1">
-            <a:extLst>
-              <a:ext uri="{FF2B5EF4-FFF2-40B4-BE49-F238E27FC236}">
-                <a16:creationId xmlns:a16="http://schemas.microsoft.com/office/drawing/2014/main" id="{DFFCF176-98C2-DE30-2BD5-93BD4E39715E}"/>
-              </a:ext>
-            </a:extLst>
-          </p:cNvPr>
-          <p:cNvSpPr>
-            <a:spLocks noGrp="1"/>
-          </p:cNvSpPr>
-          <p:nvPr>
-            <p:ph type="title"/>
-          </p:nvPr>
-        </p:nvSpPr>
-        <p:spPr/>
-        <p:txBody>
-          <a:bodyPr/>
-          <a:lstStyle/>
-          <a:p>
-            <a:r>
-              <a:rPr lang="de-DE" dirty="0"/>
-              <a:t>Neuronales Netz</a:t>
-            </a:r>
-          </a:p>
-        </p:txBody>
-      </p:sp>
-      <p:graphicFrame>
-        <p:nvGraphicFramePr>
-          <p:cNvPr id="6" name="Tabelle 6">
-            <a:extLst>
-              <a:ext uri="{FF2B5EF4-FFF2-40B4-BE49-F238E27FC236}">
-                <a16:creationId xmlns:a16="http://schemas.microsoft.com/office/drawing/2014/main" id="{C2C3454B-2023-618E-4D11-41320EA5A03B}"/>
-              </a:ext>
-            </a:extLst>
-          </p:cNvPr>
-          <p:cNvGraphicFramePr>
-            <a:graphicFrameLocks noGrp="1"/>
-          </p:cNvGraphicFramePr>
-          <p:nvPr>
-            <p:ph idx="1"/>
-            <p:extLst>
-              <p:ext uri="{D42A27DB-BD31-4B8C-83A1-F6EECF244321}">
-                <p14:modId xmlns:p14="http://schemas.microsoft.com/office/powerpoint/2010/main" val="641831005"/>
-              </p:ext>
-            </p:extLst>
-          </p:nvPr>
-        </p:nvGraphicFramePr>
-        <p:xfrm>
-          <a:off x="571899" y="1458442"/>
-          <a:ext cx="8064500" cy="2123440"/>
-        </p:xfrm>
-        <a:graphic>
-          <a:graphicData uri="http://schemas.openxmlformats.org/drawingml/2006/table">
-            <a:tbl>
-              <a:tblPr firstRow="1" bandRow="1">
-                <a:tableStyleId>{5C22544A-7EE6-4342-B048-85BDC9FD1C3A}</a:tableStyleId>
-              </a:tblPr>
-              <a:tblGrid>
-                <a:gridCol w="2016125">
-                  <a:extLst>
-                    <a:ext uri="{9D8B030D-6E8A-4147-A177-3AD203B41FA5}">
-                      <a16:colId xmlns:a16="http://schemas.microsoft.com/office/drawing/2014/main" val="2172811840"/>
-                    </a:ext>
-                  </a:extLst>
-                </a:gridCol>
-                <a:gridCol w="2016125">
-                  <a:extLst>
-                    <a:ext uri="{9D8B030D-6E8A-4147-A177-3AD203B41FA5}">
-                      <a16:colId xmlns:a16="http://schemas.microsoft.com/office/drawing/2014/main" val="2948638128"/>
-                    </a:ext>
-                  </a:extLst>
-                </a:gridCol>
-                <a:gridCol w="2016125">
-                  <a:extLst>
-                    <a:ext uri="{9D8B030D-6E8A-4147-A177-3AD203B41FA5}">
-                      <a16:colId xmlns:a16="http://schemas.microsoft.com/office/drawing/2014/main" val="1149596064"/>
-                    </a:ext>
-                  </a:extLst>
-                </a:gridCol>
-                <a:gridCol w="2016125">
-                  <a:extLst>
-                    <a:ext uri="{9D8B030D-6E8A-4147-A177-3AD203B41FA5}">
-                      <a16:colId xmlns:a16="http://schemas.microsoft.com/office/drawing/2014/main" val="1853500647"/>
-                    </a:ext>
-                  </a:extLst>
-                </a:gridCol>
-              </a:tblGrid>
-              <a:tr h="370840">
-                <a:tc>
-                  <a:txBody>
-                    <a:bodyPr/>
-                    <a:lstStyle/>
-                    <a:p>
-                      <a:r>
-                        <a:rPr lang="de-DE" dirty="0"/>
-                        <a:t>Modell</a:t>
-                      </a:r>
-                    </a:p>
-                  </a:txBody>
-                  <a:tcPr/>
-                </a:tc>
-                <a:tc>
-                  <a:txBody>
-                    <a:bodyPr/>
-                    <a:lstStyle/>
-                    <a:p>
-                      <a:r>
-                        <a:rPr lang="de-DE" dirty="0"/>
-                        <a:t>Trainings-epochen</a:t>
-                      </a:r>
-                    </a:p>
-                  </a:txBody>
-                  <a:tcPr/>
-                </a:tc>
-                <a:tc>
-                  <a:txBody>
-                    <a:bodyPr/>
-                    <a:lstStyle/>
-                    <a:p>
-                      <a:r>
-                        <a:rPr lang="de-DE" dirty="0"/>
-                        <a:t>MAE</a:t>
-                      </a:r>
-                    </a:p>
-                  </a:txBody>
-                  <a:tcPr/>
-                </a:tc>
-                <a:tc>
-                  <a:txBody>
-                    <a:bodyPr/>
-                    <a:lstStyle/>
-                    <a:p>
-                      <a:r>
-                        <a:rPr lang="de-DE" dirty="0" err="1"/>
-                        <a:t>Balanced</a:t>
-                      </a:r>
-                      <a:r>
-                        <a:rPr lang="de-DE" dirty="0"/>
-                        <a:t> </a:t>
-                      </a:r>
-                      <a:r>
-                        <a:rPr lang="de-DE" dirty="0" err="1"/>
-                        <a:t>Accuracy</a:t>
-                      </a:r>
-                      <a:endParaRPr lang="de-DE" dirty="0"/>
-                    </a:p>
-                  </a:txBody>
-                  <a:tcPr/>
-                </a:tc>
-                <a:extLst>
-                  <a:ext uri="{0D108BD9-81ED-4DB2-BD59-A6C34878D82A}">
-                    <a16:rowId xmlns:a16="http://schemas.microsoft.com/office/drawing/2014/main" val="3046079198"/>
-                  </a:ext>
-                </a:extLst>
-              </a:tr>
-              <a:tr h="370840">
-                <a:tc>
-                  <a:txBody>
-                    <a:bodyPr/>
-                    <a:lstStyle/>
-                    <a:p>
-                      <a:r>
-                        <a:rPr lang="de-DE" dirty="0"/>
-                        <a:t>MLP1 (klein)</a:t>
-                      </a:r>
-                    </a:p>
-                  </a:txBody>
-                  <a:tcPr/>
-                </a:tc>
-                <a:tc>
-                  <a:txBody>
-                    <a:bodyPr/>
-                    <a:lstStyle/>
-                    <a:p>
-                      <a:r>
-                        <a:rPr lang="de-DE" dirty="0"/>
-                        <a:t>65</a:t>
-                      </a:r>
-                    </a:p>
-                  </a:txBody>
-                  <a:tcPr/>
-                </a:tc>
-                <a:tc>
-                  <a:txBody>
-                    <a:bodyPr/>
-                    <a:lstStyle/>
-                    <a:p>
-                      <a:r>
-                        <a:rPr lang="de-DE" dirty="0"/>
-                        <a:t>0.0029</a:t>
-                      </a:r>
-                    </a:p>
-                  </a:txBody>
-                  <a:tcPr/>
-                </a:tc>
-                <a:tc>
-                  <a:txBody>
-                    <a:bodyPr/>
-                    <a:lstStyle/>
-                    <a:p>
-                      <a:r>
-                        <a:rPr lang="de-DE" dirty="0"/>
-                        <a:t>0.7845</a:t>
-                      </a:r>
-                    </a:p>
-                  </a:txBody>
-                  <a:tcPr/>
-                </a:tc>
-                <a:extLst>
-                  <a:ext uri="{0D108BD9-81ED-4DB2-BD59-A6C34878D82A}">
-                    <a16:rowId xmlns:a16="http://schemas.microsoft.com/office/drawing/2014/main" val="1630847499"/>
-                  </a:ext>
-                </a:extLst>
-              </a:tr>
-              <a:tr h="370840">
-                <a:tc>
-                  <a:txBody>
-                    <a:bodyPr/>
-                    <a:lstStyle/>
-                    <a:p>
-                      <a:r>
-                        <a:rPr lang="de-DE" dirty="0"/>
-                        <a:t>MLP2 (mittel)</a:t>
-                      </a:r>
-                    </a:p>
-                  </a:txBody>
-                  <a:tcPr/>
-                </a:tc>
-                <a:tc>
-                  <a:txBody>
-                    <a:bodyPr/>
-                    <a:lstStyle/>
-                    <a:p>
-                      <a:r>
-                        <a:rPr lang="de-DE" dirty="0"/>
-                        <a:t>54</a:t>
-                      </a:r>
-                    </a:p>
-                  </a:txBody>
-                  <a:tcPr/>
-                </a:tc>
-                <a:tc>
-                  <a:txBody>
-                    <a:bodyPr/>
-                    <a:lstStyle/>
-                    <a:p>
-                      <a:r>
-                        <a:rPr lang="de-DE" dirty="0"/>
-                        <a:t>0.0025</a:t>
-                      </a:r>
-                    </a:p>
-                  </a:txBody>
-                  <a:tcPr/>
-                </a:tc>
-                <a:tc>
-                  <a:txBody>
-                    <a:bodyPr/>
-                    <a:lstStyle/>
-                    <a:p>
-                      <a:r>
-                        <a:rPr lang="de-DE" dirty="0"/>
-                        <a:t>0.8174</a:t>
-                      </a:r>
-                    </a:p>
-                  </a:txBody>
-                  <a:tcPr/>
-                </a:tc>
-                <a:extLst>
-                  <a:ext uri="{0D108BD9-81ED-4DB2-BD59-A6C34878D82A}">
-                    <a16:rowId xmlns:a16="http://schemas.microsoft.com/office/drawing/2014/main" val="3495147990"/>
-                  </a:ext>
-                </a:extLst>
-              </a:tr>
-              <a:tr h="370840">
-                <a:tc>
-                  <a:txBody>
-                    <a:bodyPr/>
-                    <a:lstStyle/>
-                    <a:p>
-                      <a:r>
-                        <a:rPr lang="de-DE" dirty="0"/>
-                        <a:t>MLP3 (groß)</a:t>
-                      </a:r>
-                    </a:p>
-                  </a:txBody>
-                  <a:tcPr/>
-                </a:tc>
-                <a:tc>
-                  <a:txBody>
-                    <a:bodyPr/>
-                    <a:lstStyle/>
-                    <a:p>
-                      <a:r>
-                        <a:rPr lang="de-DE" dirty="0"/>
-                        <a:t>84</a:t>
-                      </a:r>
-                    </a:p>
-                  </a:txBody>
-                  <a:tcPr/>
-                </a:tc>
-                <a:tc>
-                  <a:txBody>
-                    <a:bodyPr/>
-                    <a:lstStyle/>
-                    <a:p>
-                      <a:r>
-                        <a:rPr lang="de-DE" dirty="0"/>
-                        <a:t>0.0036</a:t>
-                      </a:r>
-                    </a:p>
-                  </a:txBody>
-                  <a:tcPr/>
-                </a:tc>
-                <a:tc>
-                  <a:txBody>
-                    <a:bodyPr/>
-                    <a:lstStyle/>
-                    <a:p>
-                      <a:r>
-                        <a:rPr lang="de-DE" dirty="0"/>
-                        <a:t>0.8203</a:t>
-                      </a:r>
-                    </a:p>
-                  </a:txBody>
-                  <a:tcPr/>
-                </a:tc>
-                <a:extLst>
-                  <a:ext uri="{0D108BD9-81ED-4DB2-BD59-A6C34878D82A}">
-                    <a16:rowId xmlns:a16="http://schemas.microsoft.com/office/drawing/2014/main" val="1744927172"/>
-                  </a:ext>
-                </a:extLst>
-              </a:tr>
-              <a:tr h="370840">
-                <a:tc>
-                  <a:txBody>
-                    <a:bodyPr/>
-                    <a:lstStyle/>
-                    <a:p>
-                      <a:r>
-                        <a:rPr lang="de-DE" dirty="0" err="1"/>
-                        <a:t>XGBRegressor</a:t>
-                      </a:r>
-                      <a:endParaRPr lang="de-DE" dirty="0"/>
-                    </a:p>
-                  </a:txBody>
-                  <a:tcPr/>
-                </a:tc>
-                <a:tc>
-                  <a:txBody>
-                    <a:bodyPr/>
-                    <a:lstStyle/>
-                    <a:p>
-                      <a:endParaRPr lang="de-DE" dirty="0"/>
-                    </a:p>
-                  </a:txBody>
-                  <a:tcPr/>
-                </a:tc>
-                <a:tc>
-                  <a:txBody>
-                    <a:bodyPr/>
-                    <a:lstStyle/>
-                    <a:p>
-                      <a:r>
-                        <a:rPr lang="de-DE" dirty="0"/>
-                        <a:t>0.0025</a:t>
-                      </a:r>
-                    </a:p>
-                  </a:txBody>
-                  <a:tcPr/>
-                </a:tc>
-                <a:tc>
-                  <a:txBody>
-                    <a:bodyPr/>
-                    <a:lstStyle/>
-                    <a:p>
-                      <a:r>
-                        <a:rPr lang="de-DE" dirty="0"/>
-                        <a:t>0.8869</a:t>
-                      </a:r>
-                    </a:p>
-                  </a:txBody>
-                  <a:tcPr/>
-                </a:tc>
-                <a:extLst>
-                  <a:ext uri="{0D108BD9-81ED-4DB2-BD59-A6C34878D82A}">
-                    <a16:rowId xmlns:a16="http://schemas.microsoft.com/office/drawing/2014/main" val="617186561"/>
-                  </a:ext>
-                </a:extLst>
-              </a:tr>
-            </a:tbl>
-          </a:graphicData>
-        </a:graphic>
-      </p:graphicFrame>
-      <p:sp>
-        <p:nvSpPr>
-          <p:cNvPr id="4" name="Textplatzhalter 3">
-            <a:extLst>
-              <a:ext uri="{FF2B5EF4-FFF2-40B4-BE49-F238E27FC236}">
-                <a16:creationId xmlns:a16="http://schemas.microsoft.com/office/drawing/2014/main" id="{C4CE1129-A883-79C7-F33E-37B797D9B015}"/>
-              </a:ext>
-            </a:extLst>
-          </p:cNvPr>
-          <p:cNvSpPr>
-            <a:spLocks noGrp="1"/>
-          </p:cNvSpPr>
-          <p:nvPr>
-            <p:ph type="body" sz="quarter" idx="12"/>
-          </p:nvPr>
-        </p:nvSpPr>
-        <p:spPr/>
-        <p:txBody>
-          <a:bodyPr/>
-          <a:lstStyle/>
-          <a:p>
-            <a:r>
-              <a:rPr lang="de-DE" dirty="0"/>
-              <a:t>Ergebnisse: Zerfallszustand der Turbine</a:t>
-            </a:r>
-          </a:p>
-        </p:txBody>
-      </p:sp>
-      <p:sp>
-        <p:nvSpPr>
-          <p:cNvPr id="8" name="Textfeld 7">
-            <a:extLst>
-              <a:ext uri="{FF2B5EF4-FFF2-40B4-BE49-F238E27FC236}">
-                <a16:creationId xmlns:a16="http://schemas.microsoft.com/office/drawing/2014/main" id="{4A379E3B-C7AC-5933-3F5F-CCE3FC364EB8}"/>
-              </a:ext>
-            </a:extLst>
-          </p:cNvPr>
-          <p:cNvSpPr txBox="1"/>
-          <p:nvPr/>
-        </p:nvSpPr>
-        <p:spPr>
-          <a:xfrm>
-            <a:off x="507601" y="1119888"/>
-            <a:ext cx="3502160" cy="338554"/>
-          </a:xfrm>
-          <a:prstGeom prst="rect">
-            <a:avLst/>
-          </a:prstGeom>
-          <a:noFill/>
-        </p:spPr>
-        <p:txBody>
-          <a:bodyPr wrap="square" rtlCol="0">
-            <a:spAutoFit/>
-          </a:bodyPr>
-          <a:lstStyle/>
-          <a:p>
-            <a:pPr algn="l"/>
-            <a:r>
-              <a:rPr lang="de-DE" sz="1600" b="1" dirty="0">
-                <a:solidFill>
-                  <a:schemeClr val="tx1"/>
-                </a:solidFill>
-              </a:rPr>
-              <a:t>Regression</a:t>
-            </a:r>
-          </a:p>
-        </p:txBody>
-      </p:sp>
-      <p:grpSp>
-        <p:nvGrpSpPr>
-          <p:cNvPr id="10" name="Gruppieren 9">
-            <a:extLst>
-              <a:ext uri="{FF2B5EF4-FFF2-40B4-BE49-F238E27FC236}">
-                <a16:creationId xmlns:a16="http://schemas.microsoft.com/office/drawing/2014/main" id="{4DEFF896-FB6B-3769-FE66-BC033A4C4B29}"/>
-              </a:ext>
-            </a:extLst>
-          </p:cNvPr>
-          <p:cNvGrpSpPr/>
-          <p:nvPr/>
-        </p:nvGrpSpPr>
-        <p:grpSpPr>
-          <a:xfrm>
-            <a:off x="507601" y="3607312"/>
-            <a:ext cx="8163744" cy="2554811"/>
-            <a:chOff x="507601" y="3607312"/>
-            <a:chExt cx="8163744" cy="2554811"/>
-          </a:xfrm>
-        </p:grpSpPr>
-        <p:sp>
-          <p:nvSpPr>
-            <p:cNvPr id="9" name="Textfeld 8">
-              <a:extLst>
-                <a:ext uri="{FF2B5EF4-FFF2-40B4-BE49-F238E27FC236}">
-                  <a16:creationId xmlns:a16="http://schemas.microsoft.com/office/drawing/2014/main" id="{80754CD0-9937-1849-40A9-41FD1368DC43}"/>
-                </a:ext>
-              </a:extLst>
-            </p:cNvPr>
-            <p:cNvSpPr txBox="1"/>
-            <p:nvPr/>
-          </p:nvSpPr>
-          <p:spPr>
-            <a:xfrm>
-              <a:off x="507601" y="3607312"/>
-              <a:ext cx="3502160" cy="338554"/>
-            </a:xfrm>
-            <a:prstGeom prst="rect">
-              <a:avLst/>
-            </a:prstGeom>
-            <a:noFill/>
-          </p:spPr>
-          <p:txBody>
-            <a:bodyPr wrap="square" rtlCol="0">
-              <a:spAutoFit/>
-            </a:bodyPr>
-            <a:lstStyle/>
-            <a:p>
-              <a:pPr algn="l"/>
-              <a:r>
-                <a:rPr lang="de-DE" sz="1600" b="1" dirty="0">
-                  <a:solidFill>
-                    <a:schemeClr val="tx1"/>
-                  </a:solidFill>
-                </a:rPr>
-                <a:t>Klassifikation</a:t>
-              </a:r>
-            </a:p>
-          </p:txBody>
-        </p:sp>
-        <p:pic>
-          <p:nvPicPr>
-            <p:cNvPr id="5" name="Grafik 4" descr="Ein Bild, das Text, Screenshot, Schrift, Zahl enthält.&#10;&#10;Automatisch generierte Beschreibung">
-              <a:extLst>
-                <a:ext uri="{FF2B5EF4-FFF2-40B4-BE49-F238E27FC236}">
-                  <a16:creationId xmlns:a16="http://schemas.microsoft.com/office/drawing/2014/main" id="{00BBB58A-02ED-3A78-84EC-00C7F2D8F231}"/>
-                </a:ext>
-              </a:extLst>
-            </p:cNvPr>
-            <p:cNvPicPr>
-              <a:picLocks noChangeAspect="1"/>
-            </p:cNvPicPr>
-            <p:nvPr/>
-          </p:nvPicPr>
-          <p:blipFill>
-            <a:blip r:embed="rId2"/>
-            <a:stretch>
-              <a:fillRect/>
-            </a:stretch>
-          </p:blipFill>
-          <p:spPr>
-            <a:xfrm>
-              <a:off x="571899" y="3920436"/>
-              <a:ext cx="8099446" cy="2241687"/>
-            </a:xfrm>
-            <a:prstGeom prst="rect">
-              <a:avLst/>
-            </a:prstGeom>
-          </p:spPr>
-        </p:pic>
-      </p:grpSp>
-    </p:spTree>
-    <p:extLst>
-      <p:ext uri="{BB962C8B-B14F-4D97-AF65-F5344CB8AC3E}">
-        <p14:creationId xmlns:p14="http://schemas.microsoft.com/office/powerpoint/2010/main" val="4144537191"/>
-      </p:ext>
-    </p:extLst>
-  </p:cSld>
-  <p:clrMapOvr>
-    <a:masterClrMapping/>
-  </p:clrMapOvr>
-  <p:timing>
-    <p:tnLst>
-      <p:par>
-        <p:cTn id="1" dur="indefinite" restart="never" nodeType="tmRoot">
-          <p:childTnLst>
-            <p:seq concurrent="1" nextAc="seek">
-              <p:cTn id="2" dur="indefinite" nodeType="mainSeq">
-                <p:childTnLst>
-                  <p:par>
-                    <p:cTn id="3" fill="hold">
-                      <p:stCondLst>
-                        <p:cond delay="indefinite"/>
-                      </p:stCondLst>
-                      <p:childTnLst>
-                        <p:par>
-                          <p:cTn id="4" fill="hold">
-                            <p:stCondLst>
-                              <p:cond delay="0"/>
-                            </p:stCondLst>
-                            <p:childTnLst>
-                              <p:par>
-                                <p:cTn id="5" presetID="1" presetClass="entr" presetSubtype="0" fill="hold" nodeType="clickEffect">
-                                  <p:stCondLst>
-                                    <p:cond delay="0"/>
-                                  </p:stCondLst>
-                                  <p:childTnLst>
-                                    <p:set>
-                                      <p:cBhvr>
-                                        <p:cTn id="6" dur="1" fill="hold">
-                                          <p:stCondLst>
-                                            <p:cond delay="0"/>
-                                          </p:stCondLst>
-                                        </p:cTn>
-                                        <p:tgtEl>
-                                          <p:spTgt spid="10"/>
-                                        </p:tgtEl>
-                                        <p:attrNameLst>
-                                          <p:attrName>style.visibility</p:attrName>
-                                        </p:attrNameLst>
-                                      </p:cBhvr>
-                                      <p:to>
-                                        <p:strVal val="visible"/>
-                                      </p:to>
-                                    </p:set>
-                                  </p:childTnLst>
-                                </p:cTn>
-                              </p:par>
-                            </p:childTnLst>
-                          </p:cTn>
-                        </p:par>
-                      </p:childTnLst>
-                    </p:cTn>
-                  </p:par>
-                </p:childTnLst>
-              </p:cTn>
-              <p:prevCondLst>
-                <p:cond evt="onPrev" delay="0">
-                  <p:tgtEl>
-                    <p:sldTgt/>
-                  </p:tgtEl>
-                </p:cond>
-              </p:prevCondLst>
-              <p:nextCondLst>
-                <p:cond evt="onNext" delay="0">
-                  <p:tgtEl>
-                    <p:sldTgt/>
-                  </p:tgtEl>
-                </p:cond>
-              </p:nextCondLst>
-            </p:seq>
-          </p:childTnLst>
-        </p:cTn>
-      </p:par>
-    </p:tnLst>
-  </p:timing>
-</p:sld>
-</file>
-
-<file path=ppt/slides/slide12.xml><?xml version="1.0" encoding="utf-8"?>
-<p:sld xmlns:a="http://schemas.openxmlformats.org/drawingml/2006/main" xmlns:r="http://schemas.openxmlformats.org/officeDocument/2006/relationships" xmlns:p="http://schemas.openxmlformats.org/presentationml/2006/main">
-  <p:cSld>
-    <p:spTree>
-      <p:nvGrpSpPr>
-        <p:cNvPr id="1" name=""/>
-        <p:cNvGrpSpPr/>
-        <p:nvPr/>
-      </p:nvGrpSpPr>
-      <p:grpSpPr>
-        <a:xfrm>
-          <a:off x="0" y="0"/>
-          <a:ext cx="0" cy="0"/>
-          <a:chOff x="0" y="0"/>
-          <a:chExt cx="0" cy="0"/>
-        </a:xfrm>
-      </p:grpSpPr>
-      <p:sp>
-        <p:nvSpPr>
-          <p:cNvPr id="2" name="Titel 1">
-            <a:extLst>
-              <a:ext uri="{FF2B5EF4-FFF2-40B4-BE49-F238E27FC236}">
-                <a16:creationId xmlns:a16="http://schemas.microsoft.com/office/drawing/2014/main" id="{C372B48C-1EA0-79FD-2C09-C173A8DA5FA5}"/>
-              </a:ext>
-            </a:extLst>
-          </p:cNvPr>
-          <p:cNvSpPr>
-            <a:spLocks noGrp="1"/>
-          </p:cNvSpPr>
-          <p:nvPr>
-            <p:ph type="title"/>
-          </p:nvPr>
-        </p:nvSpPr>
-        <p:spPr/>
-        <p:txBody>
-          <a:bodyPr/>
-          <a:lstStyle/>
-          <a:p>
-            <a:r>
-              <a:rPr lang="de-DE" dirty="0"/>
-              <a:t>Fazit</a:t>
-            </a:r>
-          </a:p>
-        </p:txBody>
-      </p:sp>
-      <p:sp>
-        <p:nvSpPr>
-          <p:cNvPr id="3" name="Inhaltsplatzhalter 2">
-            <a:extLst>
-              <a:ext uri="{FF2B5EF4-FFF2-40B4-BE49-F238E27FC236}">
-                <a16:creationId xmlns:a16="http://schemas.microsoft.com/office/drawing/2014/main" id="{CA001DEC-D35A-CB04-DCE7-FC24D9F8D3C9}"/>
-              </a:ext>
-            </a:extLst>
-          </p:cNvPr>
-          <p:cNvSpPr>
-            <a:spLocks noGrp="1"/>
-          </p:cNvSpPr>
-          <p:nvPr>
-            <p:ph idx="1"/>
-          </p:nvPr>
-        </p:nvSpPr>
-        <p:spPr/>
-        <p:txBody>
-          <a:bodyPr/>
-          <a:lstStyle/>
-          <a:p>
-            <a:pPr marL="0" indent="0">
-              <a:buNone/>
-            </a:pPr>
-            <a:endParaRPr lang="de-DE" dirty="0"/>
-          </a:p>
-          <a:p>
-            <a:pPr marL="0" indent="0">
-              <a:buNone/>
-            </a:pPr>
-            <a:endParaRPr lang="de-DE" dirty="0"/>
-          </a:p>
-          <a:p>
-            <a:pPr marL="0" indent="0">
-              <a:buNone/>
-            </a:pPr>
-            <a:endParaRPr lang="de-DE" dirty="0"/>
-          </a:p>
-          <a:p>
-            <a:pPr marL="0" indent="0">
-              <a:buNone/>
-            </a:pPr>
-            <a:endParaRPr lang="de-DE" dirty="0"/>
-          </a:p>
-          <a:p>
-            <a:pPr marL="0" indent="0">
-              <a:buNone/>
-            </a:pPr>
-            <a:endParaRPr lang="de-DE" dirty="0"/>
-          </a:p>
-          <a:p>
-            <a:pPr marL="0" indent="0">
-              <a:buNone/>
-            </a:pPr>
-            <a:endParaRPr lang="de-DE" dirty="0"/>
-          </a:p>
-          <a:p>
-            <a:pPr marL="0" indent="0" algn="ctr">
-              <a:buNone/>
-            </a:pPr>
-            <a:r>
-              <a:rPr lang="de-DE" sz="3000" dirty="0"/>
-              <a:t>Muss es immer Deep Learning sein?</a:t>
-            </a:r>
-          </a:p>
-        </p:txBody>
-      </p:sp>
-      <p:sp>
-        <p:nvSpPr>
-          <p:cNvPr id="4" name="Textplatzhalter 3">
-            <a:extLst>
-              <a:ext uri="{FF2B5EF4-FFF2-40B4-BE49-F238E27FC236}">
-                <a16:creationId xmlns:a16="http://schemas.microsoft.com/office/drawing/2014/main" id="{8146962D-0075-3ED1-998D-40CCFE7F32C3}"/>
-              </a:ext>
-            </a:extLst>
-          </p:cNvPr>
-          <p:cNvSpPr>
-            <a:spLocks noGrp="1"/>
-          </p:cNvSpPr>
-          <p:nvPr>
-            <p:ph type="body" sz="quarter" idx="12"/>
-          </p:nvPr>
-        </p:nvSpPr>
-        <p:spPr/>
-        <p:txBody>
-          <a:bodyPr/>
-          <a:lstStyle/>
-          <a:p>
-            <a:endParaRPr lang="de-DE"/>
-          </a:p>
-        </p:txBody>
-      </p:sp>
-    </p:spTree>
-    <p:extLst>
-      <p:ext uri="{BB962C8B-B14F-4D97-AF65-F5344CB8AC3E}">
-        <p14:creationId xmlns:p14="http://schemas.microsoft.com/office/powerpoint/2010/main" val="3281489752"/>
-      </p:ext>
-    </p:extLst>
-  </p:cSld>
-  <p:clrMapOvr>
-    <a:masterClrMapping/>
-  </p:clrMapOvr>
-</p:sld>
-</file>
-
-<file path=ppt/slides/slide13.xml><?xml version="1.0" encoding="utf-8"?>
-<p:sld xmlns:a="http://schemas.openxmlformats.org/drawingml/2006/main" xmlns:r="http://schemas.openxmlformats.org/officeDocument/2006/relationships" xmlns:p="http://schemas.openxmlformats.org/presentationml/2006/main">
-  <p:cSld>
-    <p:spTree>
-      <p:nvGrpSpPr>
-        <p:cNvPr id="1" name=""/>
-        <p:cNvGrpSpPr/>
-        <p:nvPr/>
-      </p:nvGrpSpPr>
-      <p:grpSpPr>
-        <a:xfrm>
-          <a:off x="0" y="0"/>
-          <a:ext cx="0" cy="0"/>
-          <a:chOff x="0" y="0"/>
-          <a:chExt cx="0" cy="0"/>
-        </a:xfrm>
-      </p:grpSpPr>
-      <p:sp>
-        <p:nvSpPr>
-          <p:cNvPr id="7" name="Content Placeholder 6">
-            <a:extLst>
-              <a:ext uri="{FF2B5EF4-FFF2-40B4-BE49-F238E27FC236}">
-                <a16:creationId xmlns:a16="http://schemas.microsoft.com/office/drawing/2014/main" id="{554500B2-0678-DB55-470E-0B760B3D4312}"/>
-              </a:ext>
-            </a:extLst>
-          </p:cNvPr>
-          <p:cNvSpPr>
-            <a:spLocks noGrp="1"/>
-          </p:cNvSpPr>
-          <p:nvPr>
-            <p:ph idx="13"/>
-          </p:nvPr>
-        </p:nvSpPr>
-        <p:spPr/>
-        <p:txBody>
-          <a:bodyPr/>
-          <a:lstStyle/>
-          <a:p>
-            <a:endParaRPr lang="en-GB"/>
-          </a:p>
-        </p:txBody>
-      </p:sp>
-      <p:sp>
-        <p:nvSpPr>
-          <p:cNvPr id="5" name="Title 4">
-            <a:extLst>
-              <a:ext uri="{FF2B5EF4-FFF2-40B4-BE49-F238E27FC236}">
-                <a16:creationId xmlns:a16="http://schemas.microsoft.com/office/drawing/2014/main" id="{1C9AC1F2-6D0D-E778-D2AA-A90D2B085A4C}"/>
-              </a:ext>
-            </a:extLst>
-          </p:cNvPr>
-          <p:cNvSpPr>
-            <a:spLocks noGrp="1"/>
-          </p:cNvSpPr>
-          <p:nvPr>
-            <p:ph type="title"/>
-          </p:nvPr>
-        </p:nvSpPr>
-        <p:spPr/>
-        <p:txBody>
-          <a:bodyPr/>
-          <a:lstStyle/>
-          <a:p>
-            <a:endParaRPr lang="en-GB"/>
-          </a:p>
-        </p:txBody>
-      </p:sp>
-      <p:sp>
-        <p:nvSpPr>
-          <p:cNvPr id="6" name="Text Placeholder 5">
-            <a:extLst>
-              <a:ext uri="{FF2B5EF4-FFF2-40B4-BE49-F238E27FC236}">
-                <a16:creationId xmlns:a16="http://schemas.microsoft.com/office/drawing/2014/main" id="{19225F5B-B1EF-B9AE-B3D1-77E83CD660C3}"/>
-              </a:ext>
-            </a:extLst>
-          </p:cNvPr>
-          <p:cNvSpPr>
-            <a:spLocks noGrp="1"/>
-          </p:cNvSpPr>
-          <p:nvPr>
-            <p:ph type="body" sz="quarter" idx="12"/>
-          </p:nvPr>
-        </p:nvSpPr>
-        <p:spPr/>
-        <p:txBody>
-          <a:bodyPr/>
-          <a:lstStyle/>
-          <a:p>
-            <a:endParaRPr lang="en-GB"/>
-          </a:p>
-        </p:txBody>
-      </p:sp>
-      <p:sp>
-        <p:nvSpPr>
-          <p:cNvPr id="8" name="Content Placeholder 7">
-            <a:extLst>
-              <a:ext uri="{FF2B5EF4-FFF2-40B4-BE49-F238E27FC236}">
-                <a16:creationId xmlns:a16="http://schemas.microsoft.com/office/drawing/2014/main" id="{F28F5947-3882-689E-ED2F-3EE17A8C51EA}"/>
-              </a:ext>
-            </a:extLst>
-          </p:cNvPr>
-          <p:cNvSpPr>
-            <a:spLocks noGrp="1"/>
-          </p:cNvSpPr>
-          <p:nvPr>
-            <p:ph sz="quarter" idx="14"/>
-          </p:nvPr>
-        </p:nvSpPr>
-        <p:spPr>
-          <a:xfrm>
-            <a:off x="2372638" y="1862138"/>
-            <a:ext cx="6263362" cy="2583113"/>
-          </a:xfrm>
-        </p:spPr>
-        <p:txBody>
-          <a:bodyPr anchor="ctr"/>
-          <a:lstStyle/>
-          <a:p>
-            <a:pPr marL="0" indent="0">
-              <a:buNone/>
-            </a:pPr>
-            <a:endParaRPr lang="de-DE" dirty="0"/>
-          </a:p>
-          <a:p>
-            <a:pPr marL="0" indent="0">
-              <a:buNone/>
-            </a:pPr>
-            <a:endParaRPr lang="en-GB" dirty="0"/>
-          </a:p>
-          <a:p>
-            <a:pPr marL="0" indent="0">
-              <a:buNone/>
-            </a:pPr>
-            <a:endParaRPr lang="en-GB" dirty="0"/>
-          </a:p>
-          <a:p>
-            <a:pPr marL="0" indent="0">
-              <a:buNone/>
-            </a:pPr>
-            <a:endParaRPr lang="en-GB" dirty="0"/>
-          </a:p>
-          <a:p>
-            <a:pPr marL="0" indent="0">
-              <a:buNone/>
-            </a:pPr>
-            <a:endParaRPr lang="en-GB" dirty="0"/>
-          </a:p>
-          <a:p>
-            <a:pPr marL="0" indent="0">
-              <a:buNone/>
-            </a:pPr>
-            <a:r>
-              <a:rPr lang="en-GB" sz="2500" dirty="0" err="1"/>
-              <a:t>Vielen</a:t>
-            </a:r>
-            <a:r>
-              <a:rPr lang="en-GB" sz="2500" dirty="0"/>
-              <a:t> Dank für die </a:t>
-            </a:r>
-            <a:r>
-              <a:rPr lang="en-GB" sz="2500" dirty="0" err="1"/>
-              <a:t>Aufmerksamkeit</a:t>
-            </a:r>
-            <a:r>
-              <a:rPr lang="en-GB" sz="2500" dirty="0"/>
-              <a:t>!</a:t>
-            </a:r>
-          </a:p>
-        </p:txBody>
-      </p:sp>
-    </p:spTree>
-    <p:extLst>
-      <p:ext uri="{BB962C8B-B14F-4D97-AF65-F5344CB8AC3E}">
-        <p14:creationId xmlns:p14="http://schemas.microsoft.com/office/powerpoint/2010/main" val="3515966976"/>
-      </p:ext>
-    </p:extLst>
-  </p:cSld>
-  <p:clrMapOvr>
-    <a:masterClrMapping/>
-  </p:clrMapOvr>
-</p:sld>
-</file>
-
-<file path=ppt/slides/slide2.xml><?xml version="1.0" encoding="utf-8"?>
-<p:sld xmlns:a="http://schemas.openxmlformats.org/drawingml/2006/main" xmlns:r="http://schemas.openxmlformats.org/officeDocument/2006/relationships" xmlns:p="http://schemas.openxmlformats.org/presentationml/2006/main">
-  <p:cSld>
-    <p:spTree>
-      <p:nvGrpSpPr>
-        <p:cNvPr id="1" name=""/>
-        <p:cNvGrpSpPr/>
-        <p:nvPr/>
-      </p:nvGrpSpPr>
-      <p:grpSpPr>
-        <a:xfrm>
-          <a:off x="0" y="0"/>
-          <a:ext cx="0" cy="0"/>
-          <a:chOff x="0" y="0"/>
-          <a:chExt cx="0" cy="0"/>
-        </a:xfrm>
-      </p:grpSpPr>
-      <p:sp>
-        <p:nvSpPr>
-          <p:cNvPr id="2" name="Title 1">
-            <a:extLst>
-              <a:ext uri="{FF2B5EF4-FFF2-40B4-BE49-F238E27FC236}">
-                <a16:creationId xmlns:a16="http://schemas.microsoft.com/office/drawing/2014/main" id="{0CC957A8-5BCF-3BAC-C0F7-C43A3FAC0C39}"/>
-              </a:ext>
-            </a:extLst>
-          </p:cNvPr>
-          <p:cNvSpPr>
-            <a:spLocks noGrp="1"/>
-          </p:cNvSpPr>
-          <p:nvPr>
-            <p:ph type="title"/>
-          </p:nvPr>
-        </p:nvSpPr>
-        <p:spPr/>
-        <p:txBody>
-          <a:bodyPr anchor="ctr">
-            <a:normAutofit/>
-          </a:bodyPr>
-          <a:lstStyle/>
-          <a:p>
-            <a:pPr>
-              <a:lnSpc>
-                <a:spcPct val="90000"/>
-              </a:lnSpc>
-            </a:pPr>
-            <a:r>
-              <a:rPr lang="de-DE" sz="2000" dirty="0"/>
-              <a:t>Inhalt</a:t>
-            </a:r>
-            <a:endParaRPr lang="en-GB" sz="2000" dirty="0"/>
-          </a:p>
-        </p:txBody>
-      </p:sp>
-      <p:graphicFrame>
-        <p:nvGraphicFramePr>
-          <p:cNvPr id="6" name="Content Placeholder 2">
-            <a:extLst>
-              <a:ext uri="{FF2B5EF4-FFF2-40B4-BE49-F238E27FC236}">
-                <a16:creationId xmlns:a16="http://schemas.microsoft.com/office/drawing/2014/main" id="{7D821A9A-3CEE-3FFE-8A5F-E16404F241BA}"/>
-              </a:ext>
-            </a:extLst>
-          </p:cNvPr>
-          <p:cNvGraphicFramePr>
-            <a:graphicFrameLocks noGrp="1"/>
-          </p:cNvGraphicFramePr>
-          <p:nvPr>
-            <p:ph idx="1"/>
-            <p:extLst>
-              <p:ext uri="{D42A27DB-BD31-4B8C-83A1-F6EECF244321}">
-                <p14:modId xmlns:p14="http://schemas.microsoft.com/office/powerpoint/2010/main" val="2412435600"/>
-              </p:ext>
-            </p:extLst>
-          </p:nvPr>
-        </p:nvGraphicFramePr>
-        <p:xfrm>
-          <a:off x="573088" y="1449388"/>
-          <a:ext cx="8064500" cy="4527550"/>
-        </p:xfrm>
-        <a:graphic>
-          <a:graphicData uri="http://schemas.openxmlformats.org/drawingml/2006/diagram">
-            <dgm:relIds xmlns:dgm="http://schemas.openxmlformats.org/drawingml/2006/diagram" xmlns:r="http://schemas.openxmlformats.org/officeDocument/2006/relationships" r:dm="rId3" r:lo="rId4" r:qs="rId5" r:cs="rId6"/>
-          </a:graphicData>
-        </a:graphic>
-      </p:graphicFrame>
-    </p:spTree>
-    <p:extLst>
-      <p:ext uri="{BB962C8B-B14F-4D97-AF65-F5344CB8AC3E}">
-        <p14:creationId xmlns:p14="http://schemas.microsoft.com/office/powerpoint/2010/main" val="1817680778"/>
-      </p:ext>
-    </p:extLst>
-  </p:cSld>
-  <p:clrMapOvr>
-    <a:masterClrMapping/>
-  </p:clrMapOvr>
-</p:sld>
-</file>
-
-<file path=ppt/slides/slide3.xml><?xml version="1.0" encoding="utf-8"?>
-<p:sld xmlns:a="http://schemas.openxmlformats.org/drawingml/2006/main" xmlns:r="http://schemas.openxmlformats.org/officeDocument/2006/relationships" xmlns:p="http://schemas.openxmlformats.org/presentationml/2006/main">
-  <p:cSld>
-    <p:spTree>
-      <p:nvGrpSpPr>
-        <p:cNvPr id="1" name=""/>
-        <p:cNvGrpSpPr/>
-        <p:nvPr/>
-      </p:nvGrpSpPr>
-      <p:grpSpPr>
-        <a:xfrm>
-          <a:off x="0" y="0"/>
-          <a:ext cx="0" cy="0"/>
-          <a:chOff x="0" y="0"/>
-          <a:chExt cx="0" cy="0"/>
-        </a:xfrm>
-      </p:grpSpPr>
-      <p:sp>
-        <p:nvSpPr>
-          <p:cNvPr id="9" name="TextBox 8">
-            <a:extLst>
-              <a:ext uri="{FF2B5EF4-FFF2-40B4-BE49-F238E27FC236}">
-                <a16:creationId xmlns:a16="http://schemas.microsoft.com/office/drawing/2014/main" id="{EB667D34-E2D4-7B6A-ABFD-E10529FCDA69}"/>
-              </a:ext>
-            </a:extLst>
-          </p:cNvPr>
-          <p:cNvSpPr txBox="1"/>
-          <p:nvPr/>
-        </p:nvSpPr>
-        <p:spPr>
-          <a:xfrm>
-            <a:off x="592931" y="2737800"/>
-            <a:ext cx="7958137" cy="523220"/>
-          </a:xfrm>
-          <a:prstGeom prst="rect">
-            <a:avLst/>
-          </a:prstGeom>
-          <a:noFill/>
-        </p:spPr>
-        <p:txBody>
-          <a:bodyPr wrap="square" rtlCol="0">
-            <a:spAutoFit/>
-          </a:bodyPr>
-          <a:lstStyle/>
-          <a:p>
-            <a:r>
-              <a:rPr lang="de-DE" sz="2800" b="1" dirty="0">
-                <a:solidFill>
-                  <a:schemeClr val="tx1"/>
-                </a:solidFill>
-              </a:rPr>
-              <a:t>Datensatz</a:t>
-            </a:r>
-            <a:endParaRPr lang="en-GB" sz="2800" b="1" dirty="0">
-              <a:solidFill>
-                <a:schemeClr val="tx1"/>
-              </a:solidFill>
-            </a:endParaRPr>
-          </a:p>
-        </p:txBody>
-      </p:sp>
-    </p:spTree>
-    <p:extLst>
-      <p:ext uri="{BB962C8B-B14F-4D97-AF65-F5344CB8AC3E}">
-        <p14:creationId xmlns:p14="http://schemas.microsoft.com/office/powerpoint/2010/main" val="2739415508"/>
-      </p:ext>
-    </p:extLst>
-  </p:cSld>
-  <p:clrMapOvr>
-    <a:masterClrMapping/>
-  </p:clrMapOvr>
-</p:sld>
-</file>
-
-<file path=ppt/slides/slide4.xml><?xml version="1.0" encoding="utf-8"?>
-<p:sld xmlns:a="http://schemas.openxmlformats.org/drawingml/2006/main" xmlns:r="http://schemas.openxmlformats.org/officeDocument/2006/relationships" xmlns:p="http://schemas.openxmlformats.org/presentationml/2006/main">
-  <p:cSld>
-    <p:spTree>
-      <p:nvGrpSpPr>
-        <p:cNvPr id="1" name=""/>
-        <p:cNvGrpSpPr/>
-        <p:nvPr/>
-      </p:nvGrpSpPr>
-      <p:grpSpPr>
-        <a:xfrm>
-          <a:off x="0" y="0"/>
-          <a:ext cx="0" cy="0"/>
-          <a:chOff x="0" y="0"/>
-          <a:chExt cx="0" cy="0"/>
-        </a:xfrm>
-      </p:grpSpPr>
-      <p:sp>
-        <p:nvSpPr>
-          <p:cNvPr id="5" name="Titel 4">
-            <a:extLst>
-              <a:ext uri="{FF2B5EF4-FFF2-40B4-BE49-F238E27FC236}">
-                <a16:creationId xmlns:a16="http://schemas.microsoft.com/office/drawing/2014/main" id="{3DDC372E-9ADD-CF04-9977-B456B66A6589}"/>
-              </a:ext>
-            </a:extLst>
-          </p:cNvPr>
-          <p:cNvSpPr>
-            <a:spLocks noGrp="1"/>
-          </p:cNvSpPr>
-          <p:nvPr>
-            <p:ph type="title"/>
-          </p:nvPr>
-        </p:nvSpPr>
-        <p:spPr/>
-        <p:txBody>
-          <a:bodyPr/>
-          <a:lstStyle/>
-          <a:p>
-            <a:r>
-              <a:rPr lang="de-DE" dirty="0"/>
-              <a:t>Datensatz</a:t>
-            </a:r>
-          </a:p>
-        </p:txBody>
-      </p:sp>
-      <p:graphicFrame>
-        <p:nvGraphicFramePr>
-          <p:cNvPr id="6" name="Inhaltsplatzhalter 5">
-            <a:extLst>
-              <a:ext uri="{FF2B5EF4-FFF2-40B4-BE49-F238E27FC236}">
-                <a16:creationId xmlns:a16="http://schemas.microsoft.com/office/drawing/2014/main" id="{A445BAF2-1CAC-99D6-29AA-4E30F5250A3D}"/>
-              </a:ext>
-            </a:extLst>
-          </p:cNvPr>
-          <p:cNvGraphicFramePr>
-            <a:graphicFrameLocks noGrp="1"/>
-          </p:cNvGraphicFramePr>
-          <p:nvPr>
-            <p:ph idx="1"/>
-            <p:extLst>
-              <p:ext uri="{D42A27DB-BD31-4B8C-83A1-F6EECF244321}">
-                <p14:modId xmlns:p14="http://schemas.microsoft.com/office/powerpoint/2010/main" val="3564302153"/>
-              </p:ext>
-            </p:extLst>
-          </p:nvPr>
-        </p:nvGraphicFramePr>
-        <p:xfrm>
-          <a:off x="573088" y="1449388"/>
-          <a:ext cx="8064500" cy="4527550"/>
-        </p:xfrm>
-        <a:graphic>
-          <a:graphicData uri="http://schemas.openxmlformats.org/drawingml/2006/diagram">
-            <dgm:relIds xmlns:dgm="http://schemas.openxmlformats.org/drawingml/2006/diagram" xmlns:r="http://schemas.openxmlformats.org/officeDocument/2006/relationships" r:dm="rId3" r:lo="rId4" r:qs="rId5" r:cs="rId6"/>
-          </a:graphicData>
-        </a:graphic>
-      </p:graphicFrame>
-      <p:sp>
-        <p:nvSpPr>
-          <p:cNvPr id="2" name="Inhaltsplatzhalter 1">
-            <a:extLst>
-              <a:ext uri="{FF2B5EF4-FFF2-40B4-BE49-F238E27FC236}">
-                <a16:creationId xmlns:a16="http://schemas.microsoft.com/office/drawing/2014/main" id="{2619D990-1DF5-8BD0-E374-B754EE7C9613}"/>
-              </a:ext>
-            </a:extLst>
-          </p:cNvPr>
-          <p:cNvSpPr>
-            <a:spLocks noGrp="1"/>
-          </p:cNvSpPr>
-          <p:nvPr>
-            <p:ph type="body" sz="quarter" idx="12"/>
-          </p:nvPr>
-        </p:nvSpPr>
-        <p:spPr>
-          <a:prstGeom prst="rect">
-            <a:avLst/>
-          </a:prstGeom>
-        </p:spPr>
-        <p:txBody>
-          <a:bodyPr/>
-          <a:lstStyle/>
-          <a:p>
-            <a:endParaRPr lang="de-DE" baseline="30000" dirty="0"/>
-          </a:p>
-        </p:txBody>
-      </p:sp>
-      <p:sp>
-        <p:nvSpPr>
-          <p:cNvPr id="7" name="Textfeld 6">
-            <a:extLst>
-              <a:ext uri="{FF2B5EF4-FFF2-40B4-BE49-F238E27FC236}">
-                <a16:creationId xmlns:a16="http://schemas.microsoft.com/office/drawing/2014/main" id="{974BF088-513A-F2B8-17C9-6D44103DFD99}"/>
-              </a:ext>
-            </a:extLst>
-          </p:cNvPr>
-          <p:cNvSpPr txBox="1"/>
-          <p:nvPr/>
-        </p:nvSpPr>
-        <p:spPr>
-          <a:xfrm>
-            <a:off x="104316" y="5986139"/>
-            <a:ext cx="6703891" cy="261610"/>
-          </a:xfrm>
-          <a:prstGeom prst="rect">
-            <a:avLst/>
-          </a:prstGeom>
-          <a:noFill/>
-        </p:spPr>
-        <p:txBody>
-          <a:bodyPr wrap="square" rtlCol="0">
-            <a:spAutoFit/>
-          </a:bodyPr>
-          <a:lstStyle/>
-          <a:p>
-            <a:r>
-              <a:rPr lang="de-DE" sz="1100" baseline="30000" dirty="0"/>
-              <a:t>1 </a:t>
-            </a:r>
-            <a:r>
-              <a:rPr lang="en-US" sz="1100" dirty="0">
-                <a:hlinkClick r:id="rId8"/>
-              </a:rPr>
-              <a:t>Condition Based Maintenance of Naval Propulsion Plants - UCI Machine Learning Repository</a:t>
-            </a:r>
-            <a:endParaRPr lang="de-DE" sz="1100" baseline="30000" dirty="0"/>
-          </a:p>
-        </p:txBody>
-      </p:sp>
-    </p:spTree>
-    <p:extLst>
-      <p:ext uri="{BB962C8B-B14F-4D97-AF65-F5344CB8AC3E}">
-        <p14:creationId xmlns:p14="http://schemas.microsoft.com/office/powerpoint/2010/main" val="1073958712"/>
-      </p:ext>
-    </p:extLst>
-  </p:cSld>
-  <p:clrMapOvr>
-    <a:masterClrMapping/>
-  </p:clrMapOvr>
-</p:sld>
-</file>
-
-<file path=ppt/slides/slide5.xml><?xml version="1.0" encoding="utf-8"?>
-<p:sld xmlns:a="http://schemas.openxmlformats.org/drawingml/2006/main" xmlns:r="http://schemas.openxmlformats.org/officeDocument/2006/relationships" xmlns:p="http://schemas.openxmlformats.org/presentationml/2006/main">
-  <p:cSld>
-    <p:spTree>
-      <p:nvGrpSpPr>
-        <p:cNvPr id="1" name=""/>
-        <p:cNvGrpSpPr/>
-        <p:nvPr/>
-      </p:nvGrpSpPr>
-      <p:grpSpPr>
-        <a:xfrm>
-          <a:off x="0" y="0"/>
-          <a:ext cx="0" cy="0"/>
-          <a:chOff x="0" y="0"/>
-          <a:chExt cx="0" cy="0"/>
-        </a:xfrm>
-      </p:grpSpPr>
-      <p:sp>
-        <p:nvSpPr>
-          <p:cNvPr id="9" name="TextBox 8">
-            <a:extLst>
-              <a:ext uri="{FF2B5EF4-FFF2-40B4-BE49-F238E27FC236}">
-                <a16:creationId xmlns:a16="http://schemas.microsoft.com/office/drawing/2014/main" id="{EB667D34-E2D4-7B6A-ABFD-E10529FCDA69}"/>
-              </a:ext>
-            </a:extLst>
-          </p:cNvPr>
-          <p:cNvSpPr txBox="1"/>
-          <p:nvPr/>
-        </p:nvSpPr>
-        <p:spPr>
-          <a:xfrm>
-            <a:off x="592931" y="2737800"/>
-            <a:ext cx="7958137" cy="523220"/>
-          </a:xfrm>
-          <a:prstGeom prst="rect">
-            <a:avLst/>
-          </a:prstGeom>
-          <a:noFill/>
-        </p:spPr>
-        <p:txBody>
-          <a:bodyPr wrap="square" rtlCol="0">
-            <a:spAutoFit/>
-          </a:bodyPr>
-          <a:lstStyle/>
-          <a:p>
-            <a:r>
-              <a:rPr lang="de-DE" sz="2800" b="1" dirty="0">
-                <a:solidFill>
-                  <a:schemeClr val="tx1"/>
-                </a:solidFill>
-              </a:rPr>
-              <a:t>Neuronales Netz</a:t>
-            </a:r>
-            <a:endParaRPr lang="en-GB" sz="2800" b="1" dirty="0">
-              <a:solidFill>
-                <a:schemeClr val="tx1"/>
-              </a:solidFill>
-            </a:endParaRPr>
-          </a:p>
-        </p:txBody>
-      </p:sp>
-    </p:spTree>
-    <p:extLst>
-      <p:ext uri="{BB962C8B-B14F-4D97-AF65-F5344CB8AC3E}">
-        <p14:creationId xmlns:p14="http://schemas.microsoft.com/office/powerpoint/2010/main" val="735852240"/>
-      </p:ext>
-    </p:extLst>
-  </p:cSld>
-  <p:clrMapOvr>
-    <a:masterClrMapping/>
-  </p:clrMapOvr>
-</p:sld>
-</file>
-
-<file path=ppt/slides/slide6.xml><?xml version="1.0" encoding="utf-8"?>
-<p:sld xmlns:a="http://schemas.openxmlformats.org/drawingml/2006/main" xmlns:r="http://schemas.openxmlformats.org/officeDocument/2006/relationships" xmlns:p="http://schemas.openxmlformats.org/presentationml/2006/main">
-  <p:cSld>
-    <p:spTree>
-      <p:nvGrpSpPr>
-        <p:cNvPr id="1" name=""/>
-        <p:cNvGrpSpPr/>
-        <p:nvPr/>
-      </p:nvGrpSpPr>
-      <p:grpSpPr>
-        <a:xfrm>
-          <a:off x="0" y="0"/>
-          <a:ext cx="0" cy="0"/>
-          <a:chOff x="0" y="0"/>
-          <a:chExt cx="0" cy="0"/>
-        </a:xfrm>
-      </p:grpSpPr>
-      <p:sp>
-        <p:nvSpPr>
-          <p:cNvPr id="2" name="Titel 1">
-            <a:extLst>
-              <a:ext uri="{FF2B5EF4-FFF2-40B4-BE49-F238E27FC236}">
-                <a16:creationId xmlns:a16="http://schemas.microsoft.com/office/drawing/2014/main" id="{4ADAAF87-197C-1426-850A-F13AE8C12D9E}"/>
-              </a:ext>
-            </a:extLst>
-          </p:cNvPr>
-          <p:cNvSpPr>
-            <a:spLocks noGrp="1"/>
-          </p:cNvSpPr>
-          <p:nvPr>
-            <p:ph type="title"/>
-          </p:nvPr>
-        </p:nvSpPr>
-        <p:spPr/>
-        <p:txBody>
-          <a:bodyPr/>
-          <a:lstStyle/>
-          <a:p>
-            <a:r>
-              <a:rPr lang="de-DE" dirty="0"/>
-              <a:t>Neuronales Netz	</a:t>
-            </a:r>
-          </a:p>
-        </p:txBody>
-      </p:sp>
-      <p:graphicFrame>
-        <p:nvGraphicFramePr>
-          <p:cNvPr id="5" name="Inhaltsplatzhalter 4">
-            <a:extLst>
-              <a:ext uri="{FF2B5EF4-FFF2-40B4-BE49-F238E27FC236}">
-                <a16:creationId xmlns:a16="http://schemas.microsoft.com/office/drawing/2014/main" id="{1CC690F3-105E-A1CD-15D4-972CA3A5F7FC}"/>
-              </a:ext>
-            </a:extLst>
-          </p:cNvPr>
-          <p:cNvGraphicFramePr>
-            <a:graphicFrameLocks noGrp="1"/>
-          </p:cNvGraphicFramePr>
-          <p:nvPr>
-            <p:ph idx="1"/>
-            <p:extLst>
-              <p:ext uri="{D42A27DB-BD31-4B8C-83A1-F6EECF244321}">
-                <p14:modId xmlns:p14="http://schemas.microsoft.com/office/powerpoint/2010/main" val="953000475"/>
-              </p:ext>
-            </p:extLst>
-          </p:nvPr>
-        </p:nvGraphicFramePr>
-        <p:xfrm>
-          <a:off x="573088" y="1448672"/>
-          <a:ext cx="8063999" cy="4528382"/>
-        </p:xfrm>
-        <a:graphic>
-          <a:graphicData uri="http://schemas.openxmlformats.org/drawingml/2006/diagram">
-            <dgm:relIds xmlns:dgm="http://schemas.openxmlformats.org/drawingml/2006/diagram" xmlns:r="http://schemas.openxmlformats.org/officeDocument/2006/relationships" r:dm="rId2" r:lo="rId3" r:qs="rId4" r:cs="rId5"/>
-          </a:graphicData>
-        </a:graphic>
-      </p:graphicFrame>
-      <p:sp>
-        <p:nvSpPr>
-          <p:cNvPr id="4" name="Textplatzhalter 3">
-            <a:extLst>
-              <a:ext uri="{FF2B5EF4-FFF2-40B4-BE49-F238E27FC236}">
-                <a16:creationId xmlns:a16="http://schemas.microsoft.com/office/drawing/2014/main" id="{0AFFCD32-3B25-A35F-0288-88315E47EA67}"/>
-              </a:ext>
-            </a:extLst>
-          </p:cNvPr>
-          <p:cNvSpPr>
-            <a:spLocks noGrp="1"/>
-          </p:cNvSpPr>
-          <p:nvPr>
-            <p:ph type="body" sz="quarter" idx="12"/>
-          </p:nvPr>
-        </p:nvSpPr>
-        <p:spPr/>
-        <p:txBody>
-          <a:bodyPr/>
-          <a:lstStyle/>
-          <a:p>
-            <a:r>
-              <a:rPr lang="de-DE" dirty="0"/>
-              <a:t>Warum ein Multi Layer </a:t>
-            </a:r>
-            <a:r>
-              <a:rPr lang="de-DE" dirty="0" err="1"/>
-              <a:t>Perceptron</a:t>
-            </a:r>
-            <a:r>
-              <a:rPr lang="de-DE" dirty="0"/>
-              <a:t>?</a:t>
-            </a:r>
-          </a:p>
-        </p:txBody>
-      </p:sp>
-    </p:spTree>
-    <p:extLst>
-      <p:ext uri="{BB962C8B-B14F-4D97-AF65-F5344CB8AC3E}">
-        <p14:creationId xmlns:p14="http://schemas.microsoft.com/office/powerpoint/2010/main" val="1997003641"/>
-      </p:ext>
-    </p:extLst>
-  </p:cSld>
-  <p:clrMapOvr>
-    <a:masterClrMapping/>
-  </p:clrMapOvr>
-</p:sld>
-</file>
-
-<file path=ppt/slides/slide7.xml><?xml version="1.0" encoding="utf-8"?>
-<p:sld xmlns:a="http://schemas.openxmlformats.org/drawingml/2006/main" xmlns:r="http://schemas.openxmlformats.org/officeDocument/2006/relationships" xmlns:p="http://schemas.openxmlformats.org/presentationml/2006/main">
-  <p:cSld>
-    <p:spTree>
-      <p:nvGrpSpPr>
-        <p:cNvPr id="1" name=""/>
-        <p:cNvGrpSpPr/>
-        <p:nvPr/>
-      </p:nvGrpSpPr>
-      <p:grpSpPr>
-        <a:xfrm>
-          <a:off x="0" y="0"/>
-          <a:ext cx="0" cy="0"/>
-          <a:chOff x="0" y="0"/>
-          <a:chExt cx="0" cy="0"/>
-        </a:xfrm>
-      </p:grpSpPr>
-      <p:sp>
-        <p:nvSpPr>
-          <p:cNvPr id="2" name="Titel 1">
-            <a:extLst>
-              <a:ext uri="{FF2B5EF4-FFF2-40B4-BE49-F238E27FC236}">
                 <a16:creationId xmlns:a16="http://schemas.microsoft.com/office/drawing/2014/main" id="{9CD9E7B8-5602-C798-5D63-1AD642448287}"/>
               </a:ext>
             </a:extLst>
@@ -22047,7 +19850,7 @@
 </p:sld>
 </file>
 
-<file path=ppt/slides/slide8.xml><?xml version="1.0" encoding="utf-8"?>
+<file path=ppt/slides/slide11.xml><?xml version="1.0" encoding="utf-8"?>
 <p:sld xmlns:a="http://schemas.openxmlformats.org/drawingml/2006/main" xmlns:r="http://schemas.openxmlformats.org/officeDocument/2006/relationships" xmlns:p="http://schemas.openxmlformats.org/presentationml/2006/main">
   <p:cSld>
     <p:spTree>
@@ -22360,7 +20163,7 @@
 </p:sld>
 </file>
 
-<file path=ppt/slides/slide9.xml><?xml version="1.0" encoding="utf-8"?>
+<file path=ppt/slides/slide12.xml><?xml version="1.0" encoding="utf-8"?>
 <p:sld xmlns:a="http://schemas.openxmlformats.org/drawingml/2006/main" xmlns:r="http://schemas.openxmlformats.org/officeDocument/2006/relationships" xmlns:p="http://schemas.openxmlformats.org/presentationml/2006/main">
   <p:cSld>
     <p:spTree>
@@ -24077,6 +21880,2594 @@
 </p:sld>
 </file>
 
+<file path=ppt/slides/slide13.xml><?xml version="1.0" encoding="utf-8"?>
+<p:sld xmlns:a="http://schemas.openxmlformats.org/drawingml/2006/main" xmlns:r="http://schemas.openxmlformats.org/officeDocument/2006/relationships" xmlns:p="http://schemas.openxmlformats.org/presentationml/2006/main">
+  <p:cSld>
+    <p:spTree>
+      <p:nvGrpSpPr>
+        <p:cNvPr id="1" name=""/>
+        <p:cNvGrpSpPr/>
+        <p:nvPr/>
+      </p:nvGrpSpPr>
+      <p:grpSpPr>
+        <a:xfrm>
+          <a:off x="0" y="0"/>
+          <a:ext cx="0" cy="0"/>
+          <a:chOff x="0" y="0"/>
+          <a:chExt cx="0" cy="0"/>
+        </a:xfrm>
+      </p:grpSpPr>
+      <p:sp>
+        <p:nvSpPr>
+          <p:cNvPr id="2" name="Titel 1">
+            <a:extLst>
+              <a:ext uri="{FF2B5EF4-FFF2-40B4-BE49-F238E27FC236}">
+                <a16:creationId xmlns:a16="http://schemas.microsoft.com/office/drawing/2014/main" id="{DFFCF176-98C2-DE30-2BD5-93BD4E39715E}"/>
+              </a:ext>
+            </a:extLst>
+          </p:cNvPr>
+          <p:cNvSpPr>
+            <a:spLocks noGrp="1"/>
+          </p:cNvSpPr>
+          <p:nvPr>
+            <p:ph type="title"/>
+          </p:nvPr>
+        </p:nvSpPr>
+        <p:spPr/>
+        <p:txBody>
+          <a:bodyPr/>
+          <a:lstStyle/>
+          <a:p>
+            <a:r>
+              <a:rPr lang="de-DE" dirty="0"/>
+              <a:t>Neuronales Netz</a:t>
+            </a:r>
+          </a:p>
+        </p:txBody>
+      </p:sp>
+      <p:graphicFrame>
+        <p:nvGraphicFramePr>
+          <p:cNvPr id="6" name="Tabelle 6">
+            <a:extLst>
+              <a:ext uri="{FF2B5EF4-FFF2-40B4-BE49-F238E27FC236}">
+                <a16:creationId xmlns:a16="http://schemas.microsoft.com/office/drawing/2014/main" id="{C2C3454B-2023-618E-4D11-41320EA5A03B}"/>
+              </a:ext>
+            </a:extLst>
+          </p:cNvPr>
+          <p:cNvGraphicFramePr>
+            <a:graphicFrameLocks noGrp="1"/>
+          </p:cNvGraphicFramePr>
+          <p:nvPr>
+            <p:ph idx="1"/>
+            <p:extLst>
+              <p:ext uri="{D42A27DB-BD31-4B8C-83A1-F6EECF244321}">
+                <p14:modId xmlns:p14="http://schemas.microsoft.com/office/powerpoint/2010/main" val="2044005591"/>
+              </p:ext>
+            </p:extLst>
+          </p:nvPr>
+        </p:nvGraphicFramePr>
+        <p:xfrm>
+          <a:off x="571899" y="1458442"/>
+          <a:ext cx="8064500" cy="2123440"/>
+        </p:xfrm>
+        <a:graphic>
+          <a:graphicData uri="http://schemas.openxmlformats.org/drawingml/2006/table">
+            <a:tbl>
+              <a:tblPr firstRow="1" bandRow="1">
+                <a:tableStyleId>{5C22544A-7EE6-4342-B048-85BDC9FD1C3A}</a:tableStyleId>
+              </a:tblPr>
+              <a:tblGrid>
+                <a:gridCol w="2016125">
+                  <a:extLst>
+                    <a:ext uri="{9D8B030D-6E8A-4147-A177-3AD203B41FA5}">
+                      <a16:colId xmlns:a16="http://schemas.microsoft.com/office/drawing/2014/main" val="2172811840"/>
+                    </a:ext>
+                  </a:extLst>
+                </a:gridCol>
+                <a:gridCol w="2016125">
+                  <a:extLst>
+                    <a:ext uri="{9D8B030D-6E8A-4147-A177-3AD203B41FA5}">
+                      <a16:colId xmlns:a16="http://schemas.microsoft.com/office/drawing/2014/main" val="2948638128"/>
+                    </a:ext>
+                  </a:extLst>
+                </a:gridCol>
+                <a:gridCol w="2016125">
+                  <a:extLst>
+                    <a:ext uri="{9D8B030D-6E8A-4147-A177-3AD203B41FA5}">
+                      <a16:colId xmlns:a16="http://schemas.microsoft.com/office/drawing/2014/main" val="1149596064"/>
+                    </a:ext>
+                  </a:extLst>
+                </a:gridCol>
+                <a:gridCol w="2016125">
+                  <a:extLst>
+                    <a:ext uri="{9D8B030D-6E8A-4147-A177-3AD203B41FA5}">
+                      <a16:colId xmlns:a16="http://schemas.microsoft.com/office/drawing/2014/main" val="1853500647"/>
+                    </a:ext>
+                  </a:extLst>
+                </a:gridCol>
+              </a:tblGrid>
+              <a:tr h="370840">
+                <a:tc>
+                  <a:txBody>
+                    <a:bodyPr/>
+                    <a:lstStyle/>
+                    <a:p>
+                      <a:r>
+                        <a:rPr lang="de-DE" dirty="0"/>
+                        <a:t>Modell</a:t>
+                      </a:r>
+                    </a:p>
+                  </a:txBody>
+                  <a:tcPr/>
+                </a:tc>
+                <a:tc>
+                  <a:txBody>
+                    <a:bodyPr/>
+                    <a:lstStyle/>
+                    <a:p>
+                      <a:r>
+                        <a:rPr lang="de-DE" dirty="0"/>
+                        <a:t>Trainings-epochen</a:t>
+                      </a:r>
+                    </a:p>
+                  </a:txBody>
+                  <a:tcPr/>
+                </a:tc>
+                <a:tc>
+                  <a:txBody>
+                    <a:bodyPr/>
+                    <a:lstStyle/>
+                    <a:p>
+                      <a:r>
+                        <a:rPr lang="de-DE" dirty="0"/>
+                        <a:t>MAE</a:t>
+                      </a:r>
+                    </a:p>
+                  </a:txBody>
+                  <a:tcPr/>
+                </a:tc>
+                <a:tc>
+                  <a:txBody>
+                    <a:bodyPr/>
+                    <a:lstStyle/>
+                    <a:p>
+                      <a:r>
+                        <a:rPr lang="de-DE" dirty="0" err="1"/>
+                        <a:t>Balanced</a:t>
+                      </a:r>
+                      <a:r>
+                        <a:rPr lang="de-DE" dirty="0"/>
+                        <a:t> </a:t>
+                      </a:r>
+                      <a:r>
+                        <a:rPr lang="de-DE" dirty="0" err="1"/>
+                        <a:t>Accuracy</a:t>
+                      </a:r>
+                      <a:endParaRPr lang="de-DE" dirty="0"/>
+                    </a:p>
+                  </a:txBody>
+                  <a:tcPr/>
+                </a:tc>
+                <a:extLst>
+                  <a:ext uri="{0D108BD9-81ED-4DB2-BD59-A6C34878D82A}">
+                    <a16:rowId xmlns:a16="http://schemas.microsoft.com/office/drawing/2014/main" val="3046079198"/>
+                  </a:ext>
+                </a:extLst>
+              </a:tr>
+              <a:tr h="370840">
+                <a:tc>
+                  <a:txBody>
+                    <a:bodyPr/>
+                    <a:lstStyle/>
+                    <a:p>
+                      <a:r>
+                        <a:rPr lang="de-DE" dirty="0"/>
+                        <a:t>MLP1 (klein)</a:t>
+                      </a:r>
+                    </a:p>
+                  </a:txBody>
+                  <a:tcPr/>
+                </a:tc>
+                <a:tc>
+                  <a:txBody>
+                    <a:bodyPr/>
+                    <a:lstStyle/>
+                    <a:p>
+                      <a:r>
+                        <a:rPr lang="de-DE" dirty="0"/>
+                        <a:t>68</a:t>
+                      </a:r>
+                    </a:p>
+                  </a:txBody>
+                  <a:tcPr/>
+                </a:tc>
+                <a:tc>
+                  <a:txBody>
+                    <a:bodyPr/>
+                    <a:lstStyle/>
+                    <a:p>
+                      <a:r>
+                        <a:rPr lang="de-DE" dirty="0"/>
+                        <a:t>0.0085</a:t>
+                      </a:r>
+                    </a:p>
+                  </a:txBody>
+                  <a:tcPr/>
+                </a:tc>
+                <a:tc>
+                  <a:txBody>
+                    <a:bodyPr/>
+                    <a:lstStyle/>
+                    <a:p>
+                      <a:r>
+                        <a:rPr lang="de-DE" dirty="0"/>
+                        <a:t>0.4836</a:t>
+                      </a:r>
+                    </a:p>
+                  </a:txBody>
+                  <a:tcPr/>
+                </a:tc>
+                <a:extLst>
+                  <a:ext uri="{0D108BD9-81ED-4DB2-BD59-A6C34878D82A}">
+                    <a16:rowId xmlns:a16="http://schemas.microsoft.com/office/drawing/2014/main" val="1630847499"/>
+                  </a:ext>
+                </a:extLst>
+              </a:tr>
+              <a:tr h="370840">
+                <a:tc>
+                  <a:txBody>
+                    <a:bodyPr/>
+                    <a:lstStyle/>
+                    <a:p>
+                      <a:r>
+                        <a:rPr lang="de-DE" dirty="0"/>
+                        <a:t>MLP2 (mittel)</a:t>
+                      </a:r>
+                    </a:p>
+                  </a:txBody>
+                  <a:tcPr/>
+                </a:tc>
+                <a:tc>
+                  <a:txBody>
+                    <a:bodyPr/>
+                    <a:lstStyle/>
+                    <a:p>
+                      <a:r>
+                        <a:rPr lang="de-DE" dirty="0"/>
+                        <a:t>80</a:t>
+                      </a:r>
+                    </a:p>
+                  </a:txBody>
+                  <a:tcPr/>
+                </a:tc>
+                <a:tc>
+                  <a:txBody>
+                    <a:bodyPr/>
+                    <a:lstStyle/>
+                    <a:p>
+                      <a:r>
+                        <a:rPr lang="de-DE" dirty="0"/>
+                        <a:t>0.0010</a:t>
+                      </a:r>
+                    </a:p>
+                  </a:txBody>
+                  <a:tcPr/>
+                </a:tc>
+                <a:tc>
+                  <a:txBody>
+                    <a:bodyPr/>
+                    <a:lstStyle/>
+                    <a:p>
+                      <a:r>
+                        <a:rPr lang="de-DE" dirty="0"/>
+                        <a:t>0.9208</a:t>
+                      </a:r>
+                    </a:p>
+                  </a:txBody>
+                  <a:tcPr/>
+                </a:tc>
+                <a:extLst>
+                  <a:ext uri="{0D108BD9-81ED-4DB2-BD59-A6C34878D82A}">
+                    <a16:rowId xmlns:a16="http://schemas.microsoft.com/office/drawing/2014/main" val="3495147990"/>
+                  </a:ext>
+                </a:extLst>
+              </a:tr>
+              <a:tr h="370840">
+                <a:tc>
+                  <a:txBody>
+                    <a:bodyPr/>
+                    <a:lstStyle/>
+                    <a:p>
+                      <a:r>
+                        <a:rPr lang="de-DE" dirty="0"/>
+                        <a:t>MLP3 (groß)</a:t>
+                      </a:r>
+                    </a:p>
+                  </a:txBody>
+                  <a:tcPr/>
+                </a:tc>
+                <a:tc>
+                  <a:txBody>
+                    <a:bodyPr/>
+                    <a:lstStyle/>
+                    <a:p>
+                      <a:r>
+                        <a:rPr lang="de-DE" dirty="0"/>
+                        <a:t>78</a:t>
+                      </a:r>
+                    </a:p>
+                  </a:txBody>
+                  <a:tcPr/>
+                </a:tc>
+                <a:tc>
+                  <a:txBody>
+                    <a:bodyPr/>
+                    <a:lstStyle/>
+                    <a:p>
+                      <a:r>
+                        <a:rPr lang="de-DE" dirty="0"/>
+                        <a:t>0.0037</a:t>
+                      </a:r>
+                    </a:p>
+                  </a:txBody>
+                  <a:tcPr/>
+                </a:tc>
+                <a:tc>
+                  <a:txBody>
+                    <a:bodyPr/>
+                    <a:lstStyle/>
+                    <a:p>
+                      <a:r>
+                        <a:rPr lang="de-DE" dirty="0"/>
+                        <a:t>0.8123</a:t>
+                      </a:r>
+                    </a:p>
+                  </a:txBody>
+                  <a:tcPr/>
+                </a:tc>
+                <a:extLst>
+                  <a:ext uri="{0D108BD9-81ED-4DB2-BD59-A6C34878D82A}">
+                    <a16:rowId xmlns:a16="http://schemas.microsoft.com/office/drawing/2014/main" val="1744927172"/>
+                  </a:ext>
+                </a:extLst>
+              </a:tr>
+              <a:tr h="370840">
+                <a:tc>
+                  <a:txBody>
+                    <a:bodyPr/>
+                    <a:lstStyle/>
+                    <a:p>
+                      <a:r>
+                        <a:rPr lang="de-DE" dirty="0" err="1"/>
+                        <a:t>XGBRegressor</a:t>
+                      </a:r>
+                      <a:endParaRPr lang="de-DE" dirty="0"/>
+                    </a:p>
+                  </a:txBody>
+                  <a:tcPr/>
+                </a:tc>
+                <a:tc>
+                  <a:txBody>
+                    <a:bodyPr/>
+                    <a:lstStyle/>
+                    <a:p>
+                      <a:endParaRPr lang="de-DE" dirty="0"/>
+                    </a:p>
+                  </a:txBody>
+                  <a:tcPr/>
+                </a:tc>
+                <a:tc>
+                  <a:txBody>
+                    <a:bodyPr/>
+                    <a:lstStyle/>
+                    <a:p>
+                      <a:r>
+                        <a:rPr lang="de-DE" dirty="0"/>
+                        <a:t>0.0031</a:t>
+                      </a:r>
+                    </a:p>
+                  </a:txBody>
+                  <a:tcPr/>
+                </a:tc>
+                <a:tc>
+                  <a:txBody>
+                    <a:bodyPr/>
+                    <a:lstStyle/>
+                    <a:p>
+                      <a:r>
+                        <a:rPr lang="de-DE" dirty="0"/>
+                        <a:t>0.8389</a:t>
+                      </a:r>
+                    </a:p>
+                  </a:txBody>
+                  <a:tcPr/>
+                </a:tc>
+                <a:extLst>
+                  <a:ext uri="{0D108BD9-81ED-4DB2-BD59-A6C34878D82A}">
+                    <a16:rowId xmlns:a16="http://schemas.microsoft.com/office/drawing/2014/main" val="617186561"/>
+                  </a:ext>
+                </a:extLst>
+              </a:tr>
+            </a:tbl>
+          </a:graphicData>
+        </a:graphic>
+      </p:graphicFrame>
+      <p:sp>
+        <p:nvSpPr>
+          <p:cNvPr id="4" name="Textplatzhalter 3">
+            <a:extLst>
+              <a:ext uri="{FF2B5EF4-FFF2-40B4-BE49-F238E27FC236}">
+                <a16:creationId xmlns:a16="http://schemas.microsoft.com/office/drawing/2014/main" id="{C4CE1129-A883-79C7-F33E-37B797D9B015}"/>
+              </a:ext>
+            </a:extLst>
+          </p:cNvPr>
+          <p:cNvSpPr>
+            <a:spLocks noGrp="1"/>
+          </p:cNvSpPr>
+          <p:nvPr>
+            <p:ph type="body" sz="quarter" idx="12"/>
+          </p:nvPr>
+        </p:nvSpPr>
+        <p:spPr/>
+        <p:txBody>
+          <a:bodyPr/>
+          <a:lstStyle/>
+          <a:p>
+            <a:r>
+              <a:rPr lang="de-DE" dirty="0"/>
+              <a:t>Ergebnisse: Zerfallszustand des Kompressors</a:t>
+            </a:r>
+          </a:p>
+        </p:txBody>
+      </p:sp>
+      <p:sp>
+        <p:nvSpPr>
+          <p:cNvPr id="8" name="Textfeld 7">
+            <a:extLst>
+              <a:ext uri="{FF2B5EF4-FFF2-40B4-BE49-F238E27FC236}">
+                <a16:creationId xmlns:a16="http://schemas.microsoft.com/office/drawing/2014/main" id="{4A379E3B-C7AC-5933-3F5F-CCE3FC364EB8}"/>
+              </a:ext>
+            </a:extLst>
+          </p:cNvPr>
+          <p:cNvSpPr txBox="1"/>
+          <p:nvPr/>
+        </p:nvSpPr>
+        <p:spPr>
+          <a:xfrm>
+            <a:off x="507601" y="1119888"/>
+            <a:ext cx="3502160" cy="338554"/>
+          </a:xfrm>
+          <a:prstGeom prst="rect">
+            <a:avLst/>
+          </a:prstGeom>
+          <a:noFill/>
+        </p:spPr>
+        <p:txBody>
+          <a:bodyPr wrap="square" rtlCol="0">
+            <a:spAutoFit/>
+          </a:bodyPr>
+          <a:lstStyle/>
+          <a:p>
+            <a:pPr algn="l"/>
+            <a:r>
+              <a:rPr lang="de-DE" sz="1600" b="1" dirty="0">
+                <a:solidFill>
+                  <a:schemeClr val="tx1"/>
+                </a:solidFill>
+              </a:rPr>
+              <a:t>Regression</a:t>
+            </a:r>
+          </a:p>
+        </p:txBody>
+      </p:sp>
+      <p:grpSp>
+        <p:nvGrpSpPr>
+          <p:cNvPr id="11" name="Gruppieren 10">
+            <a:extLst>
+              <a:ext uri="{FF2B5EF4-FFF2-40B4-BE49-F238E27FC236}">
+                <a16:creationId xmlns:a16="http://schemas.microsoft.com/office/drawing/2014/main" id="{EBB1F12D-24D4-63B0-5B21-B27B0238F8CA}"/>
+              </a:ext>
+            </a:extLst>
+          </p:cNvPr>
+          <p:cNvGrpSpPr/>
+          <p:nvPr/>
+        </p:nvGrpSpPr>
+        <p:grpSpPr>
+          <a:xfrm>
+            <a:off x="507601" y="3607312"/>
+            <a:ext cx="8160973" cy="2580241"/>
+            <a:chOff x="507601" y="3607312"/>
+            <a:chExt cx="8160973" cy="2580241"/>
+          </a:xfrm>
+        </p:grpSpPr>
+        <p:pic>
+          <p:nvPicPr>
+            <p:cNvPr id="7" name="Grafik 6" descr="Ein Bild, das Text, Screenshot, Schrift, Zahl enthält.&#10;&#10;Automatisch generierte Beschreibung">
+              <a:extLst>
+                <a:ext uri="{FF2B5EF4-FFF2-40B4-BE49-F238E27FC236}">
+                  <a16:creationId xmlns:a16="http://schemas.microsoft.com/office/drawing/2014/main" id="{20A54EB9-FED8-EA82-2361-3E46A019D09D}"/>
+                </a:ext>
+              </a:extLst>
+            </p:cNvPr>
+            <p:cNvPicPr>
+              <a:picLocks noChangeAspect="1"/>
+            </p:cNvPicPr>
+            <p:nvPr/>
+          </p:nvPicPr>
+          <p:blipFill>
+            <a:blip r:embed="rId3"/>
+            <a:stretch>
+              <a:fillRect/>
+            </a:stretch>
+          </p:blipFill>
+          <p:spPr>
+            <a:xfrm>
+              <a:off x="571899" y="3945866"/>
+              <a:ext cx="8096675" cy="2241687"/>
+            </a:xfrm>
+            <a:prstGeom prst="rect">
+              <a:avLst/>
+            </a:prstGeom>
+          </p:spPr>
+        </p:pic>
+        <p:sp>
+          <p:nvSpPr>
+            <p:cNvPr id="10" name="Textfeld 9">
+              <a:extLst>
+                <a:ext uri="{FF2B5EF4-FFF2-40B4-BE49-F238E27FC236}">
+                  <a16:creationId xmlns:a16="http://schemas.microsoft.com/office/drawing/2014/main" id="{E8F40058-3583-237E-F258-B1F004FCE319}"/>
+                </a:ext>
+              </a:extLst>
+            </p:cNvPr>
+            <p:cNvSpPr txBox="1"/>
+            <p:nvPr/>
+          </p:nvSpPr>
+          <p:spPr>
+            <a:xfrm>
+              <a:off x="507601" y="3607312"/>
+              <a:ext cx="3502160" cy="338554"/>
+            </a:xfrm>
+            <a:prstGeom prst="rect">
+              <a:avLst/>
+            </a:prstGeom>
+            <a:noFill/>
+          </p:spPr>
+          <p:txBody>
+            <a:bodyPr wrap="square" rtlCol="0">
+              <a:spAutoFit/>
+            </a:bodyPr>
+            <a:lstStyle/>
+            <a:p>
+              <a:pPr algn="l"/>
+              <a:r>
+                <a:rPr lang="de-DE" sz="1600" b="1" dirty="0">
+                  <a:solidFill>
+                    <a:schemeClr val="tx1"/>
+                  </a:solidFill>
+                </a:rPr>
+                <a:t>Klassifikation</a:t>
+              </a:r>
+            </a:p>
+          </p:txBody>
+        </p:sp>
+      </p:grpSp>
+    </p:spTree>
+    <p:extLst>
+      <p:ext uri="{BB962C8B-B14F-4D97-AF65-F5344CB8AC3E}">
+        <p14:creationId xmlns:p14="http://schemas.microsoft.com/office/powerpoint/2010/main" val="430197731"/>
+      </p:ext>
+    </p:extLst>
+  </p:cSld>
+  <p:clrMapOvr>
+    <a:masterClrMapping/>
+  </p:clrMapOvr>
+  <p:timing>
+    <p:tnLst>
+      <p:par>
+        <p:cTn id="1" dur="indefinite" restart="never" nodeType="tmRoot">
+          <p:childTnLst>
+            <p:seq concurrent="1" nextAc="seek">
+              <p:cTn id="2" dur="indefinite" nodeType="mainSeq">
+                <p:childTnLst>
+                  <p:par>
+                    <p:cTn id="3" fill="hold">
+                      <p:stCondLst>
+                        <p:cond delay="indefinite"/>
+                      </p:stCondLst>
+                      <p:childTnLst>
+                        <p:par>
+                          <p:cTn id="4" fill="hold">
+                            <p:stCondLst>
+                              <p:cond delay="0"/>
+                            </p:stCondLst>
+                            <p:childTnLst>
+                              <p:par>
+                                <p:cTn id="5" presetID="1" presetClass="entr" presetSubtype="0" fill="hold" nodeType="clickEffect">
+                                  <p:stCondLst>
+                                    <p:cond delay="0"/>
+                                  </p:stCondLst>
+                                  <p:childTnLst>
+                                    <p:set>
+                                      <p:cBhvr>
+                                        <p:cTn id="6" dur="1" fill="hold">
+                                          <p:stCondLst>
+                                            <p:cond delay="0"/>
+                                          </p:stCondLst>
+                                        </p:cTn>
+                                        <p:tgtEl>
+                                          <p:spTgt spid="11"/>
+                                        </p:tgtEl>
+                                        <p:attrNameLst>
+                                          <p:attrName>style.visibility</p:attrName>
+                                        </p:attrNameLst>
+                                      </p:cBhvr>
+                                      <p:to>
+                                        <p:strVal val="visible"/>
+                                      </p:to>
+                                    </p:set>
+                                  </p:childTnLst>
+                                </p:cTn>
+                              </p:par>
+                            </p:childTnLst>
+                          </p:cTn>
+                        </p:par>
+                      </p:childTnLst>
+                    </p:cTn>
+                  </p:par>
+                </p:childTnLst>
+              </p:cTn>
+              <p:prevCondLst>
+                <p:cond evt="onPrev" delay="0">
+                  <p:tgtEl>
+                    <p:sldTgt/>
+                  </p:tgtEl>
+                </p:cond>
+              </p:prevCondLst>
+              <p:nextCondLst>
+                <p:cond evt="onNext" delay="0">
+                  <p:tgtEl>
+                    <p:sldTgt/>
+                  </p:tgtEl>
+                </p:cond>
+              </p:nextCondLst>
+            </p:seq>
+          </p:childTnLst>
+        </p:cTn>
+      </p:par>
+    </p:tnLst>
+  </p:timing>
+</p:sld>
+</file>
+
+<file path=ppt/slides/slide14.xml><?xml version="1.0" encoding="utf-8"?>
+<p:sld xmlns:a="http://schemas.openxmlformats.org/drawingml/2006/main" xmlns:r="http://schemas.openxmlformats.org/officeDocument/2006/relationships" xmlns:p="http://schemas.openxmlformats.org/presentationml/2006/main">
+  <p:cSld>
+    <p:spTree>
+      <p:nvGrpSpPr>
+        <p:cNvPr id="1" name=""/>
+        <p:cNvGrpSpPr/>
+        <p:nvPr/>
+      </p:nvGrpSpPr>
+      <p:grpSpPr>
+        <a:xfrm>
+          <a:off x="0" y="0"/>
+          <a:ext cx="0" cy="0"/>
+          <a:chOff x="0" y="0"/>
+          <a:chExt cx="0" cy="0"/>
+        </a:xfrm>
+      </p:grpSpPr>
+      <p:sp>
+        <p:nvSpPr>
+          <p:cNvPr id="2" name="Titel 1">
+            <a:extLst>
+              <a:ext uri="{FF2B5EF4-FFF2-40B4-BE49-F238E27FC236}">
+                <a16:creationId xmlns:a16="http://schemas.microsoft.com/office/drawing/2014/main" id="{DFFCF176-98C2-DE30-2BD5-93BD4E39715E}"/>
+              </a:ext>
+            </a:extLst>
+          </p:cNvPr>
+          <p:cNvSpPr>
+            <a:spLocks noGrp="1"/>
+          </p:cNvSpPr>
+          <p:nvPr>
+            <p:ph type="title"/>
+          </p:nvPr>
+        </p:nvSpPr>
+        <p:spPr/>
+        <p:txBody>
+          <a:bodyPr/>
+          <a:lstStyle/>
+          <a:p>
+            <a:r>
+              <a:rPr lang="de-DE" dirty="0"/>
+              <a:t>Neuronales Netz</a:t>
+            </a:r>
+          </a:p>
+        </p:txBody>
+      </p:sp>
+      <p:graphicFrame>
+        <p:nvGraphicFramePr>
+          <p:cNvPr id="6" name="Tabelle 6">
+            <a:extLst>
+              <a:ext uri="{FF2B5EF4-FFF2-40B4-BE49-F238E27FC236}">
+                <a16:creationId xmlns:a16="http://schemas.microsoft.com/office/drawing/2014/main" id="{C2C3454B-2023-618E-4D11-41320EA5A03B}"/>
+              </a:ext>
+            </a:extLst>
+          </p:cNvPr>
+          <p:cNvGraphicFramePr>
+            <a:graphicFrameLocks noGrp="1"/>
+          </p:cNvGraphicFramePr>
+          <p:nvPr>
+            <p:ph idx="1"/>
+            <p:extLst>
+              <p:ext uri="{D42A27DB-BD31-4B8C-83A1-F6EECF244321}">
+                <p14:modId xmlns:p14="http://schemas.microsoft.com/office/powerpoint/2010/main" val="641831005"/>
+              </p:ext>
+            </p:extLst>
+          </p:nvPr>
+        </p:nvGraphicFramePr>
+        <p:xfrm>
+          <a:off x="571899" y="1458442"/>
+          <a:ext cx="8064500" cy="2123440"/>
+        </p:xfrm>
+        <a:graphic>
+          <a:graphicData uri="http://schemas.openxmlformats.org/drawingml/2006/table">
+            <a:tbl>
+              <a:tblPr firstRow="1" bandRow="1">
+                <a:tableStyleId>{5C22544A-7EE6-4342-B048-85BDC9FD1C3A}</a:tableStyleId>
+              </a:tblPr>
+              <a:tblGrid>
+                <a:gridCol w="2016125">
+                  <a:extLst>
+                    <a:ext uri="{9D8B030D-6E8A-4147-A177-3AD203B41FA5}">
+                      <a16:colId xmlns:a16="http://schemas.microsoft.com/office/drawing/2014/main" val="2172811840"/>
+                    </a:ext>
+                  </a:extLst>
+                </a:gridCol>
+                <a:gridCol w="2016125">
+                  <a:extLst>
+                    <a:ext uri="{9D8B030D-6E8A-4147-A177-3AD203B41FA5}">
+                      <a16:colId xmlns:a16="http://schemas.microsoft.com/office/drawing/2014/main" val="2948638128"/>
+                    </a:ext>
+                  </a:extLst>
+                </a:gridCol>
+                <a:gridCol w="2016125">
+                  <a:extLst>
+                    <a:ext uri="{9D8B030D-6E8A-4147-A177-3AD203B41FA5}">
+                      <a16:colId xmlns:a16="http://schemas.microsoft.com/office/drawing/2014/main" val="1149596064"/>
+                    </a:ext>
+                  </a:extLst>
+                </a:gridCol>
+                <a:gridCol w="2016125">
+                  <a:extLst>
+                    <a:ext uri="{9D8B030D-6E8A-4147-A177-3AD203B41FA5}">
+                      <a16:colId xmlns:a16="http://schemas.microsoft.com/office/drawing/2014/main" val="1853500647"/>
+                    </a:ext>
+                  </a:extLst>
+                </a:gridCol>
+              </a:tblGrid>
+              <a:tr h="370840">
+                <a:tc>
+                  <a:txBody>
+                    <a:bodyPr/>
+                    <a:lstStyle/>
+                    <a:p>
+                      <a:r>
+                        <a:rPr lang="de-DE" dirty="0"/>
+                        <a:t>Modell</a:t>
+                      </a:r>
+                    </a:p>
+                  </a:txBody>
+                  <a:tcPr/>
+                </a:tc>
+                <a:tc>
+                  <a:txBody>
+                    <a:bodyPr/>
+                    <a:lstStyle/>
+                    <a:p>
+                      <a:r>
+                        <a:rPr lang="de-DE" dirty="0"/>
+                        <a:t>Trainings-epochen</a:t>
+                      </a:r>
+                    </a:p>
+                  </a:txBody>
+                  <a:tcPr/>
+                </a:tc>
+                <a:tc>
+                  <a:txBody>
+                    <a:bodyPr/>
+                    <a:lstStyle/>
+                    <a:p>
+                      <a:r>
+                        <a:rPr lang="de-DE" dirty="0"/>
+                        <a:t>MAE</a:t>
+                      </a:r>
+                    </a:p>
+                  </a:txBody>
+                  <a:tcPr/>
+                </a:tc>
+                <a:tc>
+                  <a:txBody>
+                    <a:bodyPr/>
+                    <a:lstStyle/>
+                    <a:p>
+                      <a:r>
+                        <a:rPr lang="de-DE" dirty="0" err="1"/>
+                        <a:t>Balanced</a:t>
+                      </a:r>
+                      <a:r>
+                        <a:rPr lang="de-DE" dirty="0"/>
+                        <a:t> </a:t>
+                      </a:r>
+                      <a:r>
+                        <a:rPr lang="de-DE" dirty="0" err="1"/>
+                        <a:t>Accuracy</a:t>
+                      </a:r>
+                      <a:endParaRPr lang="de-DE" dirty="0"/>
+                    </a:p>
+                  </a:txBody>
+                  <a:tcPr/>
+                </a:tc>
+                <a:extLst>
+                  <a:ext uri="{0D108BD9-81ED-4DB2-BD59-A6C34878D82A}">
+                    <a16:rowId xmlns:a16="http://schemas.microsoft.com/office/drawing/2014/main" val="3046079198"/>
+                  </a:ext>
+                </a:extLst>
+              </a:tr>
+              <a:tr h="370840">
+                <a:tc>
+                  <a:txBody>
+                    <a:bodyPr/>
+                    <a:lstStyle/>
+                    <a:p>
+                      <a:r>
+                        <a:rPr lang="de-DE" dirty="0"/>
+                        <a:t>MLP1 (klein)</a:t>
+                      </a:r>
+                    </a:p>
+                  </a:txBody>
+                  <a:tcPr/>
+                </a:tc>
+                <a:tc>
+                  <a:txBody>
+                    <a:bodyPr/>
+                    <a:lstStyle/>
+                    <a:p>
+                      <a:r>
+                        <a:rPr lang="de-DE" dirty="0"/>
+                        <a:t>65</a:t>
+                      </a:r>
+                    </a:p>
+                  </a:txBody>
+                  <a:tcPr/>
+                </a:tc>
+                <a:tc>
+                  <a:txBody>
+                    <a:bodyPr/>
+                    <a:lstStyle/>
+                    <a:p>
+                      <a:r>
+                        <a:rPr lang="de-DE" dirty="0"/>
+                        <a:t>0.0029</a:t>
+                      </a:r>
+                    </a:p>
+                  </a:txBody>
+                  <a:tcPr/>
+                </a:tc>
+                <a:tc>
+                  <a:txBody>
+                    <a:bodyPr/>
+                    <a:lstStyle/>
+                    <a:p>
+                      <a:r>
+                        <a:rPr lang="de-DE" dirty="0"/>
+                        <a:t>0.7845</a:t>
+                      </a:r>
+                    </a:p>
+                  </a:txBody>
+                  <a:tcPr/>
+                </a:tc>
+                <a:extLst>
+                  <a:ext uri="{0D108BD9-81ED-4DB2-BD59-A6C34878D82A}">
+                    <a16:rowId xmlns:a16="http://schemas.microsoft.com/office/drawing/2014/main" val="1630847499"/>
+                  </a:ext>
+                </a:extLst>
+              </a:tr>
+              <a:tr h="370840">
+                <a:tc>
+                  <a:txBody>
+                    <a:bodyPr/>
+                    <a:lstStyle/>
+                    <a:p>
+                      <a:r>
+                        <a:rPr lang="de-DE" dirty="0"/>
+                        <a:t>MLP2 (mittel)</a:t>
+                      </a:r>
+                    </a:p>
+                  </a:txBody>
+                  <a:tcPr/>
+                </a:tc>
+                <a:tc>
+                  <a:txBody>
+                    <a:bodyPr/>
+                    <a:lstStyle/>
+                    <a:p>
+                      <a:r>
+                        <a:rPr lang="de-DE" dirty="0"/>
+                        <a:t>54</a:t>
+                      </a:r>
+                    </a:p>
+                  </a:txBody>
+                  <a:tcPr/>
+                </a:tc>
+                <a:tc>
+                  <a:txBody>
+                    <a:bodyPr/>
+                    <a:lstStyle/>
+                    <a:p>
+                      <a:r>
+                        <a:rPr lang="de-DE" dirty="0"/>
+                        <a:t>0.0025</a:t>
+                      </a:r>
+                    </a:p>
+                  </a:txBody>
+                  <a:tcPr/>
+                </a:tc>
+                <a:tc>
+                  <a:txBody>
+                    <a:bodyPr/>
+                    <a:lstStyle/>
+                    <a:p>
+                      <a:r>
+                        <a:rPr lang="de-DE" dirty="0"/>
+                        <a:t>0.8174</a:t>
+                      </a:r>
+                    </a:p>
+                  </a:txBody>
+                  <a:tcPr/>
+                </a:tc>
+                <a:extLst>
+                  <a:ext uri="{0D108BD9-81ED-4DB2-BD59-A6C34878D82A}">
+                    <a16:rowId xmlns:a16="http://schemas.microsoft.com/office/drawing/2014/main" val="3495147990"/>
+                  </a:ext>
+                </a:extLst>
+              </a:tr>
+              <a:tr h="370840">
+                <a:tc>
+                  <a:txBody>
+                    <a:bodyPr/>
+                    <a:lstStyle/>
+                    <a:p>
+                      <a:r>
+                        <a:rPr lang="de-DE" dirty="0"/>
+                        <a:t>MLP3 (groß)</a:t>
+                      </a:r>
+                    </a:p>
+                  </a:txBody>
+                  <a:tcPr/>
+                </a:tc>
+                <a:tc>
+                  <a:txBody>
+                    <a:bodyPr/>
+                    <a:lstStyle/>
+                    <a:p>
+                      <a:r>
+                        <a:rPr lang="de-DE" dirty="0"/>
+                        <a:t>84</a:t>
+                      </a:r>
+                    </a:p>
+                  </a:txBody>
+                  <a:tcPr/>
+                </a:tc>
+                <a:tc>
+                  <a:txBody>
+                    <a:bodyPr/>
+                    <a:lstStyle/>
+                    <a:p>
+                      <a:r>
+                        <a:rPr lang="de-DE" dirty="0"/>
+                        <a:t>0.0036</a:t>
+                      </a:r>
+                    </a:p>
+                  </a:txBody>
+                  <a:tcPr/>
+                </a:tc>
+                <a:tc>
+                  <a:txBody>
+                    <a:bodyPr/>
+                    <a:lstStyle/>
+                    <a:p>
+                      <a:r>
+                        <a:rPr lang="de-DE" dirty="0"/>
+                        <a:t>0.8203</a:t>
+                      </a:r>
+                    </a:p>
+                  </a:txBody>
+                  <a:tcPr/>
+                </a:tc>
+                <a:extLst>
+                  <a:ext uri="{0D108BD9-81ED-4DB2-BD59-A6C34878D82A}">
+                    <a16:rowId xmlns:a16="http://schemas.microsoft.com/office/drawing/2014/main" val="1744927172"/>
+                  </a:ext>
+                </a:extLst>
+              </a:tr>
+              <a:tr h="370840">
+                <a:tc>
+                  <a:txBody>
+                    <a:bodyPr/>
+                    <a:lstStyle/>
+                    <a:p>
+                      <a:r>
+                        <a:rPr lang="de-DE" dirty="0" err="1"/>
+                        <a:t>XGBRegressor</a:t>
+                      </a:r>
+                      <a:endParaRPr lang="de-DE" dirty="0"/>
+                    </a:p>
+                  </a:txBody>
+                  <a:tcPr/>
+                </a:tc>
+                <a:tc>
+                  <a:txBody>
+                    <a:bodyPr/>
+                    <a:lstStyle/>
+                    <a:p>
+                      <a:endParaRPr lang="de-DE" dirty="0"/>
+                    </a:p>
+                  </a:txBody>
+                  <a:tcPr/>
+                </a:tc>
+                <a:tc>
+                  <a:txBody>
+                    <a:bodyPr/>
+                    <a:lstStyle/>
+                    <a:p>
+                      <a:r>
+                        <a:rPr lang="de-DE" dirty="0"/>
+                        <a:t>0.0025</a:t>
+                      </a:r>
+                    </a:p>
+                  </a:txBody>
+                  <a:tcPr/>
+                </a:tc>
+                <a:tc>
+                  <a:txBody>
+                    <a:bodyPr/>
+                    <a:lstStyle/>
+                    <a:p>
+                      <a:r>
+                        <a:rPr lang="de-DE" dirty="0"/>
+                        <a:t>0.8869</a:t>
+                      </a:r>
+                    </a:p>
+                  </a:txBody>
+                  <a:tcPr/>
+                </a:tc>
+                <a:extLst>
+                  <a:ext uri="{0D108BD9-81ED-4DB2-BD59-A6C34878D82A}">
+                    <a16:rowId xmlns:a16="http://schemas.microsoft.com/office/drawing/2014/main" val="617186561"/>
+                  </a:ext>
+                </a:extLst>
+              </a:tr>
+            </a:tbl>
+          </a:graphicData>
+        </a:graphic>
+      </p:graphicFrame>
+      <p:sp>
+        <p:nvSpPr>
+          <p:cNvPr id="4" name="Textplatzhalter 3">
+            <a:extLst>
+              <a:ext uri="{FF2B5EF4-FFF2-40B4-BE49-F238E27FC236}">
+                <a16:creationId xmlns:a16="http://schemas.microsoft.com/office/drawing/2014/main" id="{C4CE1129-A883-79C7-F33E-37B797D9B015}"/>
+              </a:ext>
+            </a:extLst>
+          </p:cNvPr>
+          <p:cNvSpPr>
+            <a:spLocks noGrp="1"/>
+          </p:cNvSpPr>
+          <p:nvPr>
+            <p:ph type="body" sz="quarter" idx="12"/>
+          </p:nvPr>
+        </p:nvSpPr>
+        <p:spPr/>
+        <p:txBody>
+          <a:bodyPr/>
+          <a:lstStyle/>
+          <a:p>
+            <a:r>
+              <a:rPr lang="de-DE" dirty="0"/>
+              <a:t>Ergebnisse: Zerfallszustand der Turbine</a:t>
+            </a:r>
+          </a:p>
+        </p:txBody>
+      </p:sp>
+      <p:sp>
+        <p:nvSpPr>
+          <p:cNvPr id="8" name="Textfeld 7">
+            <a:extLst>
+              <a:ext uri="{FF2B5EF4-FFF2-40B4-BE49-F238E27FC236}">
+                <a16:creationId xmlns:a16="http://schemas.microsoft.com/office/drawing/2014/main" id="{4A379E3B-C7AC-5933-3F5F-CCE3FC364EB8}"/>
+              </a:ext>
+            </a:extLst>
+          </p:cNvPr>
+          <p:cNvSpPr txBox="1"/>
+          <p:nvPr/>
+        </p:nvSpPr>
+        <p:spPr>
+          <a:xfrm>
+            <a:off x="507601" y="1119888"/>
+            <a:ext cx="3502160" cy="338554"/>
+          </a:xfrm>
+          <a:prstGeom prst="rect">
+            <a:avLst/>
+          </a:prstGeom>
+          <a:noFill/>
+        </p:spPr>
+        <p:txBody>
+          <a:bodyPr wrap="square" rtlCol="0">
+            <a:spAutoFit/>
+          </a:bodyPr>
+          <a:lstStyle/>
+          <a:p>
+            <a:pPr algn="l"/>
+            <a:r>
+              <a:rPr lang="de-DE" sz="1600" b="1" dirty="0">
+                <a:solidFill>
+                  <a:schemeClr val="tx1"/>
+                </a:solidFill>
+              </a:rPr>
+              <a:t>Regression</a:t>
+            </a:r>
+          </a:p>
+        </p:txBody>
+      </p:sp>
+      <p:grpSp>
+        <p:nvGrpSpPr>
+          <p:cNvPr id="13" name="Gruppieren 12">
+            <a:extLst>
+              <a:ext uri="{FF2B5EF4-FFF2-40B4-BE49-F238E27FC236}">
+                <a16:creationId xmlns:a16="http://schemas.microsoft.com/office/drawing/2014/main" id="{252A1C6F-D2AC-C5ED-4B61-F095565A50B6}"/>
+              </a:ext>
+            </a:extLst>
+          </p:cNvPr>
+          <p:cNvGrpSpPr/>
+          <p:nvPr/>
+        </p:nvGrpSpPr>
+        <p:grpSpPr>
+          <a:xfrm>
+            <a:off x="507601" y="3607312"/>
+            <a:ext cx="8160973" cy="2577470"/>
+            <a:chOff x="507601" y="3607312"/>
+            <a:chExt cx="8160973" cy="2577470"/>
+          </a:xfrm>
+        </p:grpSpPr>
+        <p:pic>
+          <p:nvPicPr>
+            <p:cNvPr id="11" name="Grafik 10" descr="Ein Bild, das Text, Screenshot, Schrift, Zahl enthält.&#10;&#10;Automatisch generierte Beschreibung">
+              <a:extLst>
+                <a:ext uri="{FF2B5EF4-FFF2-40B4-BE49-F238E27FC236}">
+                  <a16:creationId xmlns:a16="http://schemas.microsoft.com/office/drawing/2014/main" id="{71E3DB84-F00D-8C37-835B-04EBA152B0E9}"/>
+                </a:ext>
+              </a:extLst>
+            </p:cNvPr>
+            <p:cNvPicPr>
+              <a:picLocks noChangeAspect="1"/>
+            </p:cNvPicPr>
+            <p:nvPr/>
+          </p:nvPicPr>
+          <p:blipFill>
+            <a:blip r:embed="rId3"/>
+            <a:stretch>
+              <a:fillRect/>
+            </a:stretch>
+          </p:blipFill>
+          <p:spPr>
+            <a:xfrm>
+              <a:off x="571899" y="3945866"/>
+              <a:ext cx="8096675" cy="2238916"/>
+            </a:xfrm>
+            <a:prstGeom prst="rect">
+              <a:avLst/>
+            </a:prstGeom>
+          </p:spPr>
+        </p:pic>
+        <p:sp>
+          <p:nvSpPr>
+            <p:cNvPr id="12" name="Textfeld 11">
+              <a:extLst>
+                <a:ext uri="{FF2B5EF4-FFF2-40B4-BE49-F238E27FC236}">
+                  <a16:creationId xmlns:a16="http://schemas.microsoft.com/office/drawing/2014/main" id="{1CB19DB8-D40B-5891-545D-AF4B2DB7A7BC}"/>
+                </a:ext>
+              </a:extLst>
+            </p:cNvPr>
+            <p:cNvSpPr txBox="1"/>
+            <p:nvPr/>
+          </p:nvSpPr>
+          <p:spPr>
+            <a:xfrm>
+              <a:off x="507601" y="3607312"/>
+              <a:ext cx="3502160" cy="338554"/>
+            </a:xfrm>
+            <a:prstGeom prst="rect">
+              <a:avLst/>
+            </a:prstGeom>
+            <a:noFill/>
+          </p:spPr>
+          <p:txBody>
+            <a:bodyPr wrap="square" rtlCol="0">
+              <a:spAutoFit/>
+            </a:bodyPr>
+            <a:lstStyle/>
+            <a:p>
+              <a:pPr algn="l"/>
+              <a:r>
+                <a:rPr lang="de-DE" sz="1600" b="1" dirty="0">
+                  <a:solidFill>
+                    <a:schemeClr val="tx1"/>
+                  </a:solidFill>
+                </a:rPr>
+                <a:t>Klassifikation</a:t>
+              </a:r>
+            </a:p>
+          </p:txBody>
+        </p:sp>
+      </p:grpSp>
+    </p:spTree>
+    <p:extLst>
+      <p:ext uri="{BB962C8B-B14F-4D97-AF65-F5344CB8AC3E}">
+        <p14:creationId xmlns:p14="http://schemas.microsoft.com/office/powerpoint/2010/main" val="4144537191"/>
+      </p:ext>
+    </p:extLst>
+  </p:cSld>
+  <p:clrMapOvr>
+    <a:masterClrMapping/>
+  </p:clrMapOvr>
+  <p:timing>
+    <p:tnLst>
+      <p:par>
+        <p:cTn id="1" dur="indefinite" restart="never" nodeType="tmRoot">
+          <p:childTnLst>
+            <p:seq concurrent="1" nextAc="seek">
+              <p:cTn id="2" dur="indefinite" nodeType="mainSeq">
+                <p:childTnLst>
+                  <p:par>
+                    <p:cTn id="3" fill="hold">
+                      <p:stCondLst>
+                        <p:cond delay="indefinite"/>
+                      </p:stCondLst>
+                      <p:childTnLst>
+                        <p:par>
+                          <p:cTn id="4" fill="hold">
+                            <p:stCondLst>
+                              <p:cond delay="0"/>
+                            </p:stCondLst>
+                            <p:childTnLst>
+                              <p:par>
+                                <p:cTn id="5" presetID="1" presetClass="entr" presetSubtype="0" fill="hold" nodeType="clickEffect">
+                                  <p:stCondLst>
+                                    <p:cond delay="0"/>
+                                  </p:stCondLst>
+                                  <p:childTnLst>
+                                    <p:set>
+                                      <p:cBhvr>
+                                        <p:cTn id="6" dur="1" fill="hold">
+                                          <p:stCondLst>
+                                            <p:cond delay="0"/>
+                                          </p:stCondLst>
+                                        </p:cTn>
+                                        <p:tgtEl>
+                                          <p:spTgt spid="13"/>
+                                        </p:tgtEl>
+                                        <p:attrNameLst>
+                                          <p:attrName>style.visibility</p:attrName>
+                                        </p:attrNameLst>
+                                      </p:cBhvr>
+                                      <p:to>
+                                        <p:strVal val="visible"/>
+                                      </p:to>
+                                    </p:set>
+                                  </p:childTnLst>
+                                </p:cTn>
+                              </p:par>
+                            </p:childTnLst>
+                          </p:cTn>
+                        </p:par>
+                      </p:childTnLst>
+                    </p:cTn>
+                  </p:par>
+                </p:childTnLst>
+              </p:cTn>
+              <p:prevCondLst>
+                <p:cond evt="onPrev" delay="0">
+                  <p:tgtEl>
+                    <p:sldTgt/>
+                  </p:tgtEl>
+                </p:cond>
+              </p:prevCondLst>
+              <p:nextCondLst>
+                <p:cond evt="onNext" delay="0">
+                  <p:tgtEl>
+                    <p:sldTgt/>
+                  </p:tgtEl>
+                </p:cond>
+              </p:nextCondLst>
+            </p:seq>
+          </p:childTnLst>
+        </p:cTn>
+      </p:par>
+    </p:tnLst>
+  </p:timing>
+</p:sld>
+</file>
+
+<file path=ppt/slides/slide15.xml><?xml version="1.0" encoding="utf-8"?>
+<p:sld xmlns:a="http://schemas.openxmlformats.org/drawingml/2006/main" xmlns:r="http://schemas.openxmlformats.org/officeDocument/2006/relationships" xmlns:p="http://schemas.openxmlformats.org/presentationml/2006/main">
+  <p:cSld>
+    <p:spTree>
+      <p:nvGrpSpPr>
+        <p:cNvPr id="1" name=""/>
+        <p:cNvGrpSpPr/>
+        <p:nvPr/>
+      </p:nvGrpSpPr>
+      <p:grpSpPr>
+        <a:xfrm>
+          <a:off x="0" y="0"/>
+          <a:ext cx="0" cy="0"/>
+          <a:chOff x="0" y="0"/>
+          <a:chExt cx="0" cy="0"/>
+        </a:xfrm>
+      </p:grpSpPr>
+      <p:sp>
+        <p:nvSpPr>
+          <p:cNvPr id="2" name="Titel 1">
+            <a:extLst>
+              <a:ext uri="{FF2B5EF4-FFF2-40B4-BE49-F238E27FC236}">
+                <a16:creationId xmlns:a16="http://schemas.microsoft.com/office/drawing/2014/main" id="{C372B48C-1EA0-79FD-2C09-C173A8DA5FA5}"/>
+              </a:ext>
+            </a:extLst>
+          </p:cNvPr>
+          <p:cNvSpPr>
+            <a:spLocks noGrp="1"/>
+          </p:cNvSpPr>
+          <p:nvPr>
+            <p:ph type="title"/>
+          </p:nvPr>
+        </p:nvSpPr>
+        <p:spPr/>
+        <p:txBody>
+          <a:bodyPr/>
+          <a:lstStyle/>
+          <a:p>
+            <a:r>
+              <a:rPr lang="de-DE" dirty="0"/>
+              <a:t>Fazit</a:t>
+            </a:r>
+          </a:p>
+        </p:txBody>
+      </p:sp>
+      <p:sp>
+        <p:nvSpPr>
+          <p:cNvPr id="3" name="Inhaltsplatzhalter 2">
+            <a:extLst>
+              <a:ext uri="{FF2B5EF4-FFF2-40B4-BE49-F238E27FC236}">
+                <a16:creationId xmlns:a16="http://schemas.microsoft.com/office/drawing/2014/main" id="{CA001DEC-D35A-CB04-DCE7-FC24D9F8D3C9}"/>
+              </a:ext>
+            </a:extLst>
+          </p:cNvPr>
+          <p:cNvSpPr>
+            <a:spLocks noGrp="1"/>
+          </p:cNvSpPr>
+          <p:nvPr>
+            <p:ph idx="1"/>
+          </p:nvPr>
+        </p:nvSpPr>
+        <p:spPr/>
+        <p:txBody>
+          <a:bodyPr/>
+          <a:lstStyle/>
+          <a:p>
+            <a:pPr marL="0" indent="0">
+              <a:buNone/>
+            </a:pPr>
+            <a:endParaRPr lang="de-DE" dirty="0"/>
+          </a:p>
+          <a:p>
+            <a:pPr marL="0" indent="0">
+              <a:buNone/>
+            </a:pPr>
+            <a:endParaRPr lang="de-DE" dirty="0"/>
+          </a:p>
+          <a:p>
+            <a:pPr marL="0" indent="0">
+              <a:buNone/>
+            </a:pPr>
+            <a:endParaRPr lang="de-DE" dirty="0"/>
+          </a:p>
+          <a:p>
+            <a:pPr marL="0" indent="0">
+              <a:buNone/>
+            </a:pPr>
+            <a:endParaRPr lang="de-DE" dirty="0"/>
+          </a:p>
+          <a:p>
+            <a:pPr marL="0" indent="0">
+              <a:buNone/>
+            </a:pPr>
+            <a:endParaRPr lang="de-DE" dirty="0"/>
+          </a:p>
+          <a:p>
+            <a:pPr marL="0" indent="0">
+              <a:buNone/>
+            </a:pPr>
+            <a:endParaRPr lang="de-DE" dirty="0"/>
+          </a:p>
+          <a:p>
+            <a:pPr marL="0" indent="0" algn="ctr">
+              <a:buNone/>
+            </a:pPr>
+            <a:r>
+              <a:rPr lang="de-DE" sz="3000" dirty="0"/>
+              <a:t>Muss es immer Deep Learning sein?</a:t>
+            </a:r>
+          </a:p>
+        </p:txBody>
+      </p:sp>
+      <p:sp>
+        <p:nvSpPr>
+          <p:cNvPr id="4" name="Textplatzhalter 3">
+            <a:extLst>
+              <a:ext uri="{FF2B5EF4-FFF2-40B4-BE49-F238E27FC236}">
+                <a16:creationId xmlns:a16="http://schemas.microsoft.com/office/drawing/2014/main" id="{8146962D-0075-3ED1-998D-40CCFE7F32C3}"/>
+              </a:ext>
+            </a:extLst>
+          </p:cNvPr>
+          <p:cNvSpPr>
+            <a:spLocks noGrp="1"/>
+          </p:cNvSpPr>
+          <p:nvPr>
+            <p:ph type="body" sz="quarter" idx="12"/>
+          </p:nvPr>
+        </p:nvSpPr>
+        <p:spPr/>
+        <p:txBody>
+          <a:bodyPr/>
+          <a:lstStyle/>
+          <a:p>
+            <a:endParaRPr lang="de-DE"/>
+          </a:p>
+        </p:txBody>
+      </p:sp>
+    </p:spTree>
+    <p:extLst>
+      <p:ext uri="{BB962C8B-B14F-4D97-AF65-F5344CB8AC3E}">
+        <p14:creationId xmlns:p14="http://schemas.microsoft.com/office/powerpoint/2010/main" val="3281489752"/>
+      </p:ext>
+    </p:extLst>
+  </p:cSld>
+  <p:clrMapOvr>
+    <a:masterClrMapping/>
+  </p:clrMapOvr>
+</p:sld>
+</file>
+
+<file path=ppt/slides/slide16.xml><?xml version="1.0" encoding="utf-8"?>
+<p:sld xmlns:a="http://schemas.openxmlformats.org/drawingml/2006/main" xmlns:r="http://schemas.openxmlformats.org/officeDocument/2006/relationships" xmlns:p="http://schemas.openxmlformats.org/presentationml/2006/main">
+  <p:cSld>
+    <p:spTree>
+      <p:nvGrpSpPr>
+        <p:cNvPr id="1" name=""/>
+        <p:cNvGrpSpPr/>
+        <p:nvPr/>
+      </p:nvGrpSpPr>
+      <p:grpSpPr>
+        <a:xfrm>
+          <a:off x="0" y="0"/>
+          <a:ext cx="0" cy="0"/>
+          <a:chOff x="0" y="0"/>
+          <a:chExt cx="0" cy="0"/>
+        </a:xfrm>
+      </p:grpSpPr>
+      <p:sp>
+        <p:nvSpPr>
+          <p:cNvPr id="7" name="Content Placeholder 6">
+            <a:extLst>
+              <a:ext uri="{FF2B5EF4-FFF2-40B4-BE49-F238E27FC236}">
+                <a16:creationId xmlns:a16="http://schemas.microsoft.com/office/drawing/2014/main" id="{554500B2-0678-DB55-470E-0B760B3D4312}"/>
+              </a:ext>
+            </a:extLst>
+          </p:cNvPr>
+          <p:cNvSpPr>
+            <a:spLocks noGrp="1"/>
+          </p:cNvSpPr>
+          <p:nvPr>
+            <p:ph idx="13"/>
+          </p:nvPr>
+        </p:nvSpPr>
+        <p:spPr/>
+        <p:txBody>
+          <a:bodyPr/>
+          <a:lstStyle/>
+          <a:p>
+            <a:endParaRPr lang="en-GB"/>
+          </a:p>
+        </p:txBody>
+      </p:sp>
+      <p:sp>
+        <p:nvSpPr>
+          <p:cNvPr id="5" name="Title 4">
+            <a:extLst>
+              <a:ext uri="{FF2B5EF4-FFF2-40B4-BE49-F238E27FC236}">
+                <a16:creationId xmlns:a16="http://schemas.microsoft.com/office/drawing/2014/main" id="{1C9AC1F2-6D0D-E778-D2AA-A90D2B085A4C}"/>
+              </a:ext>
+            </a:extLst>
+          </p:cNvPr>
+          <p:cNvSpPr>
+            <a:spLocks noGrp="1"/>
+          </p:cNvSpPr>
+          <p:nvPr>
+            <p:ph type="title"/>
+          </p:nvPr>
+        </p:nvSpPr>
+        <p:spPr/>
+        <p:txBody>
+          <a:bodyPr/>
+          <a:lstStyle/>
+          <a:p>
+            <a:endParaRPr lang="en-GB"/>
+          </a:p>
+        </p:txBody>
+      </p:sp>
+      <p:sp>
+        <p:nvSpPr>
+          <p:cNvPr id="6" name="Text Placeholder 5">
+            <a:extLst>
+              <a:ext uri="{FF2B5EF4-FFF2-40B4-BE49-F238E27FC236}">
+                <a16:creationId xmlns:a16="http://schemas.microsoft.com/office/drawing/2014/main" id="{19225F5B-B1EF-B9AE-B3D1-77E83CD660C3}"/>
+              </a:ext>
+            </a:extLst>
+          </p:cNvPr>
+          <p:cNvSpPr>
+            <a:spLocks noGrp="1"/>
+          </p:cNvSpPr>
+          <p:nvPr>
+            <p:ph type="body" sz="quarter" idx="12"/>
+          </p:nvPr>
+        </p:nvSpPr>
+        <p:spPr/>
+        <p:txBody>
+          <a:bodyPr/>
+          <a:lstStyle/>
+          <a:p>
+            <a:endParaRPr lang="en-GB"/>
+          </a:p>
+        </p:txBody>
+      </p:sp>
+      <p:sp>
+        <p:nvSpPr>
+          <p:cNvPr id="8" name="Content Placeholder 7">
+            <a:extLst>
+              <a:ext uri="{FF2B5EF4-FFF2-40B4-BE49-F238E27FC236}">
+                <a16:creationId xmlns:a16="http://schemas.microsoft.com/office/drawing/2014/main" id="{F28F5947-3882-689E-ED2F-3EE17A8C51EA}"/>
+              </a:ext>
+            </a:extLst>
+          </p:cNvPr>
+          <p:cNvSpPr>
+            <a:spLocks noGrp="1"/>
+          </p:cNvSpPr>
+          <p:nvPr>
+            <p:ph sz="quarter" idx="14"/>
+          </p:nvPr>
+        </p:nvSpPr>
+        <p:spPr>
+          <a:xfrm>
+            <a:off x="2372638" y="1862138"/>
+            <a:ext cx="6263362" cy="2583113"/>
+          </a:xfrm>
+        </p:spPr>
+        <p:txBody>
+          <a:bodyPr anchor="ctr"/>
+          <a:lstStyle/>
+          <a:p>
+            <a:pPr marL="0" indent="0">
+              <a:buNone/>
+            </a:pPr>
+            <a:endParaRPr lang="de-DE" dirty="0"/>
+          </a:p>
+          <a:p>
+            <a:pPr marL="0" indent="0">
+              <a:buNone/>
+            </a:pPr>
+            <a:endParaRPr lang="en-GB" dirty="0"/>
+          </a:p>
+          <a:p>
+            <a:pPr marL="0" indent="0">
+              <a:buNone/>
+            </a:pPr>
+            <a:endParaRPr lang="en-GB" dirty="0"/>
+          </a:p>
+          <a:p>
+            <a:pPr marL="0" indent="0">
+              <a:buNone/>
+            </a:pPr>
+            <a:endParaRPr lang="en-GB" dirty="0"/>
+          </a:p>
+          <a:p>
+            <a:pPr marL="0" indent="0">
+              <a:buNone/>
+            </a:pPr>
+            <a:endParaRPr lang="en-GB" dirty="0"/>
+          </a:p>
+          <a:p>
+            <a:pPr marL="0" indent="0">
+              <a:buNone/>
+            </a:pPr>
+            <a:r>
+              <a:rPr lang="en-GB" sz="2500" dirty="0" err="1"/>
+              <a:t>Vielen</a:t>
+            </a:r>
+            <a:r>
+              <a:rPr lang="en-GB" sz="2500" dirty="0"/>
+              <a:t> Dank für die </a:t>
+            </a:r>
+            <a:r>
+              <a:rPr lang="en-GB" sz="2500" dirty="0" err="1"/>
+              <a:t>Aufmerksamkeit</a:t>
+            </a:r>
+            <a:r>
+              <a:rPr lang="en-GB" sz="2500" dirty="0"/>
+              <a:t>!</a:t>
+            </a:r>
+          </a:p>
+        </p:txBody>
+      </p:sp>
+    </p:spTree>
+    <p:extLst>
+      <p:ext uri="{BB962C8B-B14F-4D97-AF65-F5344CB8AC3E}">
+        <p14:creationId xmlns:p14="http://schemas.microsoft.com/office/powerpoint/2010/main" val="3515966976"/>
+      </p:ext>
+    </p:extLst>
+  </p:cSld>
+  <p:clrMapOvr>
+    <a:masterClrMapping/>
+  </p:clrMapOvr>
+</p:sld>
+</file>
+
+<file path=ppt/slides/slide2.xml><?xml version="1.0" encoding="utf-8"?>
+<p:sld xmlns:a="http://schemas.openxmlformats.org/drawingml/2006/main" xmlns:r="http://schemas.openxmlformats.org/officeDocument/2006/relationships" xmlns:p="http://schemas.openxmlformats.org/presentationml/2006/main">
+  <p:cSld>
+    <p:spTree>
+      <p:nvGrpSpPr>
+        <p:cNvPr id="1" name=""/>
+        <p:cNvGrpSpPr/>
+        <p:nvPr/>
+      </p:nvGrpSpPr>
+      <p:grpSpPr>
+        <a:xfrm>
+          <a:off x="0" y="0"/>
+          <a:ext cx="0" cy="0"/>
+          <a:chOff x="0" y="0"/>
+          <a:chExt cx="0" cy="0"/>
+        </a:xfrm>
+      </p:grpSpPr>
+      <p:sp>
+        <p:nvSpPr>
+          <p:cNvPr id="2" name="Title 1">
+            <a:extLst>
+              <a:ext uri="{FF2B5EF4-FFF2-40B4-BE49-F238E27FC236}">
+                <a16:creationId xmlns:a16="http://schemas.microsoft.com/office/drawing/2014/main" id="{0CC957A8-5BCF-3BAC-C0F7-C43A3FAC0C39}"/>
+              </a:ext>
+            </a:extLst>
+          </p:cNvPr>
+          <p:cNvSpPr>
+            <a:spLocks noGrp="1"/>
+          </p:cNvSpPr>
+          <p:nvPr>
+            <p:ph type="title"/>
+          </p:nvPr>
+        </p:nvSpPr>
+        <p:spPr/>
+        <p:txBody>
+          <a:bodyPr anchor="ctr">
+            <a:normAutofit/>
+          </a:bodyPr>
+          <a:lstStyle/>
+          <a:p>
+            <a:pPr>
+              <a:lnSpc>
+                <a:spcPct val="90000"/>
+              </a:lnSpc>
+            </a:pPr>
+            <a:r>
+              <a:rPr lang="de-DE" sz="2000" dirty="0"/>
+              <a:t>Inhalt</a:t>
+            </a:r>
+            <a:endParaRPr lang="en-GB" sz="2000" dirty="0"/>
+          </a:p>
+        </p:txBody>
+      </p:sp>
+      <p:graphicFrame>
+        <p:nvGraphicFramePr>
+          <p:cNvPr id="6" name="Content Placeholder 2">
+            <a:extLst>
+              <a:ext uri="{FF2B5EF4-FFF2-40B4-BE49-F238E27FC236}">
+                <a16:creationId xmlns:a16="http://schemas.microsoft.com/office/drawing/2014/main" id="{7D821A9A-3CEE-3FFE-8A5F-E16404F241BA}"/>
+              </a:ext>
+            </a:extLst>
+          </p:cNvPr>
+          <p:cNvGraphicFramePr>
+            <a:graphicFrameLocks noGrp="1"/>
+          </p:cNvGraphicFramePr>
+          <p:nvPr>
+            <p:ph idx="1"/>
+            <p:extLst>
+              <p:ext uri="{D42A27DB-BD31-4B8C-83A1-F6EECF244321}">
+                <p14:modId xmlns:p14="http://schemas.microsoft.com/office/powerpoint/2010/main" val="2412435600"/>
+              </p:ext>
+            </p:extLst>
+          </p:nvPr>
+        </p:nvGraphicFramePr>
+        <p:xfrm>
+          <a:off x="573088" y="1449388"/>
+          <a:ext cx="8064500" cy="4527550"/>
+        </p:xfrm>
+        <a:graphic>
+          <a:graphicData uri="http://schemas.openxmlformats.org/drawingml/2006/diagram">
+            <dgm:relIds xmlns:dgm="http://schemas.openxmlformats.org/drawingml/2006/diagram" xmlns:r="http://schemas.openxmlformats.org/officeDocument/2006/relationships" r:dm="rId3" r:lo="rId4" r:qs="rId5" r:cs="rId6"/>
+          </a:graphicData>
+        </a:graphic>
+      </p:graphicFrame>
+    </p:spTree>
+    <p:extLst>
+      <p:ext uri="{BB962C8B-B14F-4D97-AF65-F5344CB8AC3E}">
+        <p14:creationId xmlns:p14="http://schemas.microsoft.com/office/powerpoint/2010/main" val="1817680778"/>
+      </p:ext>
+    </p:extLst>
+  </p:cSld>
+  <p:clrMapOvr>
+    <a:masterClrMapping/>
+  </p:clrMapOvr>
+</p:sld>
+</file>
+
+<file path=ppt/slides/slide3.xml><?xml version="1.0" encoding="utf-8"?>
+<p:sld xmlns:a="http://schemas.openxmlformats.org/drawingml/2006/main" xmlns:r="http://schemas.openxmlformats.org/officeDocument/2006/relationships" xmlns:p="http://schemas.openxmlformats.org/presentationml/2006/main">
+  <p:cSld>
+    <p:spTree>
+      <p:nvGrpSpPr>
+        <p:cNvPr id="1" name=""/>
+        <p:cNvGrpSpPr/>
+        <p:nvPr/>
+      </p:nvGrpSpPr>
+      <p:grpSpPr>
+        <a:xfrm>
+          <a:off x="0" y="0"/>
+          <a:ext cx="0" cy="0"/>
+          <a:chOff x="0" y="0"/>
+          <a:chExt cx="0" cy="0"/>
+        </a:xfrm>
+      </p:grpSpPr>
+      <p:sp>
+        <p:nvSpPr>
+          <p:cNvPr id="9" name="TextBox 8">
+            <a:extLst>
+              <a:ext uri="{FF2B5EF4-FFF2-40B4-BE49-F238E27FC236}">
+                <a16:creationId xmlns:a16="http://schemas.microsoft.com/office/drawing/2014/main" id="{EB667D34-E2D4-7B6A-ABFD-E10529FCDA69}"/>
+              </a:ext>
+            </a:extLst>
+          </p:cNvPr>
+          <p:cNvSpPr txBox="1"/>
+          <p:nvPr/>
+        </p:nvSpPr>
+        <p:spPr>
+          <a:xfrm>
+            <a:off x="592931" y="2737800"/>
+            <a:ext cx="7958137" cy="523220"/>
+          </a:xfrm>
+          <a:prstGeom prst="rect">
+            <a:avLst/>
+          </a:prstGeom>
+          <a:noFill/>
+        </p:spPr>
+        <p:txBody>
+          <a:bodyPr wrap="square" rtlCol="0">
+            <a:spAutoFit/>
+          </a:bodyPr>
+          <a:lstStyle/>
+          <a:p>
+            <a:r>
+              <a:rPr lang="de-DE" sz="2800" b="1" dirty="0">
+                <a:solidFill>
+                  <a:schemeClr val="tx1"/>
+                </a:solidFill>
+              </a:rPr>
+              <a:t>Datensatz</a:t>
+            </a:r>
+            <a:endParaRPr lang="en-GB" sz="2800" b="1" dirty="0">
+              <a:solidFill>
+                <a:schemeClr val="tx1"/>
+              </a:solidFill>
+            </a:endParaRPr>
+          </a:p>
+        </p:txBody>
+      </p:sp>
+    </p:spTree>
+    <p:extLst>
+      <p:ext uri="{BB962C8B-B14F-4D97-AF65-F5344CB8AC3E}">
+        <p14:creationId xmlns:p14="http://schemas.microsoft.com/office/powerpoint/2010/main" val="2739415508"/>
+      </p:ext>
+    </p:extLst>
+  </p:cSld>
+  <p:clrMapOvr>
+    <a:masterClrMapping/>
+  </p:clrMapOvr>
+</p:sld>
+</file>
+
+<file path=ppt/slides/slide4.xml><?xml version="1.0" encoding="utf-8"?>
+<p:sld xmlns:a="http://schemas.openxmlformats.org/drawingml/2006/main" xmlns:r="http://schemas.openxmlformats.org/officeDocument/2006/relationships" xmlns:p="http://schemas.openxmlformats.org/presentationml/2006/main">
+  <p:cSld>
+    <p:spTree>
+      <p:nvGrpSpPr>
+        <p:cNvPr id="1" name=""/>
+        <p:cNvGrpSpPr/>
+        <p:nvPr/>
+      </p:nvGrpSpPr>
+      <p:grpSpPr>
+        <a:xfrm>
+          <a:off x="0" y="0"/>
+          <a:ext cx="0" cy="0"/>
+          <a:chOff x="0" y="0"/>
+          <a:chExt cx="0" cy="0"/>
+        </a:xfrm>
+      </p:grpSpPr>
+      <p:sp>
+        <p:nvSpPr>
+          <p:cNvPr id="5" name="Titel 4">
+            <a:extLst>
+              <a:ext uri="{FF2B5EF4-FFF2-40B4-BE49-F238E27FC236}">
+                <a16:creationId xmlns:a16="http://schemas.microsoft.com/office/drawing/2014/main" id="{3DDC372E-9ADD-CF04-9977-B456B66A6589}"/>
+              </a:ext>
+            </a:extLst>
+          </p:cNvPr>
+          <p:cNvSpPr>
+            <a:spLocks noGrp="1"/>
+          </p:cNvSpPr>
+          <p:nvPr>
+            <p:ph type="title"/>
+          </p:nvPr>
+        </p:nvSpPr>
+        <p:spPr/>
+        <p:txBody>
+          <a:bodyPr/>
+          <a:lstStyle/>
+          <a:p>
+            <a:r>
+              <a:rPr lang="de-DE" dirty="0"/>
+              <a:t>Datensatz</a:t>
+            </a:r>
+          </a:p>
+        </p:txBody>
+      </p:sp>
+      <p:graphicFrame>
+        <p:nvGraphicFramePr>
+          <p:cNvPr id="6" name="Inhaltsplatzhalter 5">
+            <a:extLst>
+              <a:ext uri="{FF2B5EF4-FFF2-40B4-BE49-F238E27FC236}">
+                <a16:creationId xmlns:a16="http://schemas.microsoft.com/office/drawing/2014/main" id="{A445BAF2-1CAC-99D6-29AA-4E30F5250A3D}"/>
+              </a:ext>
+            </a:extLst>
+          </p:cNvPr>
+          <p:cNvGraphicFramePr>
+            <a:graphicFrameLocks noGrp="1"/>
+          </p:cNvGraphicFramePr>
+          <p:nvPr>
+            <p:ph idx="1"/>
+            <p:extLst>
+              <p:ext uri="{D42A27DB-BD31-4B8C-83A1-F6EECF244321}">
+                <p14:modId xmlns:p14="http://schemas.microsoft.com/office/powerpoint/2010/main" val="3564302153"/>
+              </p:ext>
+            </p:extLst>
+          </p:nvPr>
+        </p:nvGraphicFramePr>
+        <p:xfrm>
+          <a:off x="573088" y="1449388"/>
+          <a:ext cx="8064500" cy="4527550"/>
+        </p:xfrm>
+        <a:graphic>
+          <a:graphicData uri="http://schemas.openxmlformats.org/drawingml/2006/diagram">
+            <dgm:relIds xmlns:dgm="http://schemas.openxmlformats.org/drawingml/2006/diagram" xmlns:r="http://schemas.openxmlformats.org/officeDocument/2006/relationships" r:dm="rId3" r:lo="rId4" r:qs="rId5" r:cs="rId6"/>
+          </a:graphicData>
+        </a:graphic>
+      </p:graphicFrame>
+      <p:sp>
+        <p:nvSpPr>
+          <p:cNvPr id="2" name="Inhaltsplatzhalter 1">
+            <a:extLst>
+              <a:ext uri="{FF2B5EF4-FFF2-40B4-BE49-F238E27FC236}">
+                <a16:creationId xmlns:a16="http://schemas.microsoft.com/office/drawing/2014/main" id="{2619D990-1DF5-8BD0-E374-B754EE7C9613}"/>
+              </a:ext>
+            </a:extLst>
+          </p:cNvPr>
+          <p:cNvSpPr>
+            <a:spLocks noGrp="1"/>
+          </p:cNvSpPr>
+          <p:nvPr>
+            <p:ph type="body" sz="quarter" idx="12"/>
+          </p:nvPr>
+        </p:nvSpPr>
+        <p:spPr>
+          <a:prstGeom prst="rect">
+            <a:avLst/>
+          </a:prstGeom>
+        </p:spPr>
+        <p:txBody>
+          <a:bodyPr/>
+          <a:lstStyle/>
+          <a:p>
+            <a:endParaRPr lang="de-DE" baseline="30000" dirty="0"/>
+          </a:p>
+        </p:txBody>
+      </p:sp>
+      <p:sp>
+        <p:nvSpPr>
+          <p:cNvPr id="7" name="Textfeld 6">
+            <a:extLst>
+              <a:ext uri="{FF2B5EF4-FFF2-40B4-BE49-F238E27FC236}">
+                <a16:creationId xmlns:a16="http://schemas.microsoft.com/office/drawing/2014/main" id="{974BF088-513A-F2B8-17C9-6D44103DFD99}"/>
+              </a:ext>
+            </a:extLst>
+          </p:cNvPr>
+          <p:cNvSpPr txBox="1"/>
+          <p:nvPr/>
+        </p:nvSpPr>
+        <p:spPr>
+          <a:xfrm>
+            <a:off x="104316" y="5986139"/>
+            <a:ext cx="6703891" cy="261610"/>
+          </a:xfrm>
+          <a:prstGeom prst="rect">
+            <a:avLst/>
+          </a:prstGeom>
+          <a:noFill/>
+        </p:spPr>
+        <p:txBody>
+          <a:bodyPr wrap="square" rtlCol="0">
+            <a:spAutoFit/>
+          </a:bodyPr>
+          <a:lstStyle/>
+          <a:p>
+            <a:r>
+              <a:rPr lang="de-DE" sz="1100" baseline="30000" dirty="0"/>
+              <a:t>1 </a:t>
+            </a:r>
+            <a:r>
+              <a:rPr lang="en-US" sz="1100" dirty="0">
+                <a:hlinkClick r:id="rId8"/>
+              </a:rPr>
+              <a:t>Condition Based Maintenance of Naval Propulsion Plants - UCI Machine Learning Repository</a:t>
+            </a:r>
+            <a:endParaRPr lang="de-DE" sz="1100" baseline="30000" dirty="0"/>
+          </a:p>
+        </p:txBody>
+      </p:sp>
+    </p:spTree>
+    <p:extLst>
+      <p:ext uri="{BB962C8B-B14F-4D97-AF65-F5344CB8AC3E}">
+        <p14:creationId xmlns:p14="http://schemas.microsoft.com/office/powerpoint/2010/main" val="1073958712"/>
+      </p:ext>
+    </p:extLst>
+  </p:cSld>
+  <p:clrMapOvr>
+    <a:masterClrMapping/>
+  </p:clrMapOvr>
+</p:sld>
+</file>
+
+<file path=ppt/slides/slide5.xml><?xml version="1.0" encoding="utf-8"?>
+<p:sld xmlns:a="http://schemas.openxmlformats.org/drawingml/2006/main" xmlns:r="http://schemas.openxmlformats.org/officeDocument/2006/relationships" xmlns:p="http://schemas.openxmlformats.org/presentationml/2006/main">
+  <p:cSld>
+    <p:spTree>
+      <p:nvGrpSpPr>
+        <p:cNvPr id="1" name=""/>
+        <p:cNvGrpSpPr/>
+        <p:nvPr/>
+      </p:nvGrpSpPr>
+      <p:grpSpPr>
+        <a:xfrm>
+          <a:off x="0" y="0"/>
+          <a:ext cx="0" cy="0"/>
+          <a:chOff x="0" y="0"/>
+          <a:chExt cx="0" cy="0"/>
+        </a:xfrm>
+      </p:grpSpPr>
+      <p:sp>
+        <p:nvSpPr>
+          <p:cNvPr id="2" name="Titel 1">
+            <a:extLst>
+              <a:ext uri="{FF2B5EF4-FFF2-40B4-BE49-F238E27FC236}">
+                <a16:creationId xmlns:a16="http://schemas.microsoft.com/office/drawing/2014/main" id="{A683185A-C335-E0DB-0B71-6902323BC29D}"/>
+              </a:ext>
+            </a:extLst>
+          </p:cNvPr>
+          <p:cNvSpPr>
+            <a:spLocks noGrp="1"/>
+          </p:cNvSpPr>
+          <p:nvPr>
+            <p:ph type="title"/>
+          </p:nvPr>
+        </p:nvSpPr>
+        <p:spPr/>
+        <p:txBody>
+          <a:bodyPr/>
+          <a:lstStyle/>
+          <a:p>
+            <a:r>
+              <a:rPr lang="de-DE" dirty="0"/>
+              <a:t>Datensatz</a:t>
+            </a:r>
+          </a:p>
+        </p:txBody>
+      </p:sp>
+      <p:sp>
+        <p:nvSpPr>
+          <p:cNvPr id="4" name="Textplatzhalter 3">
+            <a:extLst>
+              <a:ext uri="{FF2B5EF4-FFF2-40B4-BE49-F238E27FC236}">
+                <a16:creationId xmlns:a16="http://schemas.microsoft.com/office/drawing/2014/main" id="{C48E2A66-68F3-4302-CBF9-000384B1C2D9}"/>
+              </a:ext>
+            </a:extLst>
+          </p:cNvPr>
+          <p:cNvSpPr>
+            <a:spLocks noGrp="1"/>
+          </p:cNvSpPr>
+          <p:nvPr>
+            <p:ph type="body" sz="quarter" idx="12"/>
+          </p:nvPr>
+        </p:nvSpPr>
+        <p:spPr/>
+        <p:txBody>
+          <a:bodyPr/>
+          <a:lstStyle/>
+          <a:p>
+            <a:r>
+              <a:rPr lang="de-DE" dirty="0"/>
+              <a:t>Zerfall der Schiffsturbine</a:t>
+            </a:r>
+          </a:p>
+        </p:txBody>
+      </p:sp>
+      <p:pic>
+        <p:nvPicPr>
+          <p:cNvPr id="2050" name="Picture 2">
+            <a:extLst>
+              <a:ext uri="{FF2B5EF4-FFF2-40B4-BE49-F238E27FC236}">
+                <a16:creationId xmlns:a16="http://schemas.microsoft.com/office/drawing/2014/main" id="{9051D3F7-F52B-48DB-6E57-BE95C00FA93A}"/>
+              </a:ext>
+            </a:extLst>
+          </p:cNvPr>
+          <p:cNvPicPr>
+            <a:picLocks noGrp="1" noChangeAspect="1" noChangeArrowheads="1"/>
+          </p:cNvPicPr>
+          <p:nvPr>
+            <p:ph idx="1"/>
+          </p:nvPr>
+        </p:nvPicPr>
+        <p:blipFill>
+          <a:blip r:embed="rId3">
+            <a:extLst>
+              <a:ext uri="{28A0092B-C50C-407E-A947-70E740481C1C}">
+                <a14:useLocalDpi xmlns:a14="http://schemas.microsoft.com/office/drawing/2010/main" val="0"/>
+              </a:ext>
+            </a:extLst>
+          </a:blip>
+          <a:srcRect/>
+          <a:stretch>
+            <a:fillRect/>
+          </a:stretch>
+        </p:blipFill>
+        <p:spPr bwMode="auto">
+          <a:xfrm>
+            <a:off x="1953572" y="1733483"/>
+            <a:ext cx="5303531" cy="3959360"/>
+          </a:xfrm>
+          <a:prstGeom prst="rect">
+            <a:avLst/>
+          </a:prstGeom>
+          <a:noFill/>
+          <a:extLst>
+            <a:ext uri="{909E8E84-426E-40DD-AFC4-6F175D3DCCD1}">
+              <a14:hiddenFill xmlns:a14="http://schemas.microsoft.com/office/drawing/2010/main">
+                <a:solidFill>
+                  <a:srgbClr val="FFFFFF"/>
+                </a:solidFill>
+              </a14:hiddenFill>
+            </a:ext>
+          </a:extLst>
+        </p:spPr>
+      </p:pic>
+    </p:spTree>
+    <p:extLst>
+      <p:ext uri="{BB962C8B-B14F-4D97-AF65-F5344CB8AC3E}">
+        <p14:creationId xmlns:p14="http://schemas.microsoft.com/office/powerpoint/2010/main" val="118750512"/>
+      </p:ext>
+    </p:extLst>
+  </p:cSld>
+  <p:clrMapOvr>
+    <a:masterClrMapping/>
+  </p:clrMapOvr>
+</p:sld>
+</file>
+
+<file path=ppt/slides/slide6.xml><?xml version="1.0" encoding="utf-8"?>
+<p:sld xmlns:a="http://schemas.openxmlformats.org/drawingml/2006/main" xmlns:r="http://schemas.openxmlformats.org/officeDocument/2006/relationships" xmlns:p="http://schemas.openxmlformats.org/presentationml/2006/main">
+  <p:cSld>
+    <p:spTree>
+      <p:nvGrpSpPr>
+        <p:cNvPr id="1" name=""/>
+        <p:cNvGrpSpPr/>
+        <p:nvPr/>
+      </p:nvGrpSpPr>
+      <p:grpSpPr>
+        <a:xfrm>
+          <a:off x="0" y="0"/>
+          <a:ext cx="0" cy="0"/>
+          <a:chOff x="0" y="0"/>
+          <a:chExt cx="0" cy="0"/>
+        </a:xfrm>
+      </p:grpSpPr>
+      <p:sp>
+        <p:nvSpPr>
+          <p:cNvPr id="2" name="Titel 1">
+            <a:extLst>
+              <a:ext uri="{FF2B5EF4-FFF2-40B4-BE49-F238E27FC236}">
+                <a16:creationId xmlns:a16="http://schemas.microsoft.com/office/drawing/2014/main" id="{A683185A-C335-E0DB-0B71-6902323BC29D}"/>
+              </a:ext>
+            </a:extLst>
+          </p:cNvPr>
+          <p:cNvSpPr>
+            <a:spLocks noGrp="1"/>
+          </p:cNvSpPr>
+          <p:nvPr>
+            <p:ph type="title"/>
+          </p:nvPr>
+        </p:nvSpPr>
+        <p:spPr/>
+        <p:txBody>
+          <a:bodyPr/>
+          <a:lstStyle/>
+          <a:p>
+            <a:r>
+              <a:rPr lang="de-DE" dirty="0"/>
+              <a:t>Datensatz</a:t>
+            </a:r>
+          </a:p>
+        </p:txBody>
+      </p:sp>
+      <p:sp>
+        <p:nvSpPr>
+          <p:cNvPr id="4" name="Textplatzhalter 3">
+            <a:extLst>
+              <a:ext uri="{FF2B5EF4-FFF2-40B4-BE49-F238E27FC236}">
+                <a16:creationId xmlns:a16="http://schemas.microsoft.com/office/drawing/2014/main" id="{C48E2A66-68F3-4302-CBF9-000384B1C2D9}"/>
+              </a:ext>
+            </a:extLst>
+          </p:cNvPr>
+          <p:cNvSpPr>
+            <a:spLocks noGrp="1"/>
+          </p:cNvSpPr>
+          <p:nvPr>
+            <p:ph type="body" sz="quarter" idx="12"/>
+          </p:nvPr>
+        </p:nvSpPr>
+        <p:spPr/>
+        <p:txBody>
+          <a:bodyPr/>
+          <a:lstStyle/>
+          <a:p>
+            <a:r>
+              <a:rPr lang="de-DE" dirty="0"/>
+              <a:t>Zerfall des Kompressors</a:t>
+            </a:r>
+          </a:p>
+        </p:txBody>
+      </p:sp>
+      <p:pic>
+        <p:nvPicPr>
+          <p:cNvPr id="1026" name="Picture 2">
+            <a:extLst>
+              <a:ext uri="{FF2B5EF4-FFF2-40B4-BE49-F238E27FC236}">
+                <a16:creationId xmlns:a16="http://schemas.microsoft.com/office/drawing/2014/main" id="{F35F1E69-4F76-8460-B6C9-E4C4514BB766}"/>
+              </a:ext>
+            </a:extLst>
+          </p:cNvPr>
+          <p:cNvPicPr>
+            <a:picLocks noGrp="1" noChangeAspect="1" noChangeArrowheads="1"/>
+          </p:cNvPicPr>
+          <p:nvPr>
+            <p:ph idx="1"/>
+          </p:nvPr>
+        </p:nvPicPr>
+        <p:blipFill>
+          <a:blip r:embed="rId3">
+            <a:extLst>
+              <a:ext uri="{28A0092B-C50C-407E-A947-70E740481C1C}">
+                <a14:useLocalDpi xmlns:a14="http://schemas.microsoft.com/office/drawing/2010/main" val="0"/>
+              </a:ext>
+            </a:extLst>
+          </a:blip>
+          <a:srcRect/>
+          <a:stretch>
+            <a:fillRect/>
+          </a:stretch>
+        </p:blipFill>
+        <p:spPr bwMode="auto">
+          <a:xfrm>
+            <a:off x="1953572" y="1733483"/>
+            <a:ext cx="5303531" cy="3959360"/>
+          </a:xfrm>
+          <a:prstGeom prst="rect">
+            <a:avLst/>
+          </a:prstGeom>
+          <a:noFill/>
+          <a:extLst>
+            <a:ext uri="{909E8E84-426E-40DD-AFC4-6F175D3DCCD1}">
+              <a14:hiddenFill xmlns:a14="http://schemas.microsoft.com/office/drawing/2010/main">
+                <a:solidFill>
+                  <a:srgbClr val="FFFFFF"/>
+                </a:solidFill>
+              </a14:hiddenFill>
+            </a:ext>
+          </a:extLst>
+        </p:spPr>
+      </p:pic>
+    </p:spTree>
+    <p:extLst>
+      <p:ext uri="{BB962C8B-B14F-4D97-AF65-F5344CB8AC3E}">
+        <p14:creationId xmlns:p14="http://schemas.microsoft.com/office/powerpoint/2010/main" val="202099346"/>
+      </p:ext>
+    </p:extLst>
+  </p:cSld>
+  <p:clrMapOvr>
+    <a:masterClrMapping/>
+  </p:clrMapOvr>
+</p:sld>
+</file>
+
+<file path=ppt/slides/slide7.xml><?xml version="1.0" encoding="utf-8"?>
+<p:sld xmlns:a="http://schemas.openxmlformats.org/drawingml/2006/main" xmlns:r="http://schemas.openxmlformats.org/officeDocument/2006/relationships" xmlns:p="http://schemas.openxmlformats.org/presentationml/2006/main">
+  <p:cSld>
+    <p:spTree>
+      <p:nvGrpSpPr>
+        <p:cNvPr id="1" name=""/>
+        <p:cNvGrpSpPr/>
+        <p:nvPr/>
+      </p:nvGrpSpPr>
+      <p:grpSpPr>
+        <a:xfrm>
+          <a:off x="0" y="0"/>
+          <a:ext cx="0" cy="0"/>
+          <a:chOff x="0" y="0"/>
+          <a:chExt cx="0" cy="0"/>
+        </a:xfrm>
+      </p:grpSpPr>
+      <p:sp>
+        <p:nvSpPr>
+          <p:cNvPr id="3081" name="Title 1">
+            <a:extLst>
+              <a:ext uri="{FF2B5EF4-FFF2-40B4-BE49-F238E27FC236}">
+                <a16:creationId xmlns:a16="http://schemas.microsoft.com/office/drawing/2014/main" id="{32DABB33-5972-5FF9-681B-7895E4425E4F}"/>
+              </a:ext>
+            </a:extLst>
+          </p:cNvPr>
+          <p:cNvSpPr>
+            <a:spLocks noGrp="1"/>
+          </p:cNvSpPr>
+          <p:nvPr>
+            <p:ph type="title"/>
+          </p:nvPr>
+        </p:nvSpPr>
+        <p:spPr>
+          <a:xfrm>
+            <a:off x="572400" y="184706"/>
+            <a:ext cx="8063999" cy="369332"/>
+          </a:xfrm>
+        </p:spPr>
+        <p:txBody>
+          <a:bodyPr/>
+          <a:lstStyle/>
+          <a:p>
+            <a:r>
+              <a:rPr lang="en-US" dirty="0" err="1"/>
+              <a:t>Datensatz</a:t>
+            </a:r>
+            <a:endParaRPr lang="en-US" dirty="0"/>
+          </a:p>
+        </p:txBody>
+      </p:sp>
+      <p:pic>
+        <p:nvPicPr>
+          <p:cNvPr id="3076" name="Picture 4">
+            <a:extLst>
+              <a:ext uri="{FF2B5EF4-FFF2-40B4-BE49-F238E27FC236}">
+                <a16:creationId xmlns:a16="http://schemas.microsoft.com/office/drawing/2014/main" id="{6EF58DD0-7318-7DCE-71BB-A7880CAF4E6B}"/>
+              </a:ext>
+            </a:extLst>
+          </p:cNvPr>
+          <p:cNvPicPr>
+            <a:picLocks noChangeAspect="1" noChangeArrowheads="1"/>
+          </p:cNvPicPr>
+          <p:nvPr/>
+        </p:nvPicPr>
+        <p:blipFill>
+          <a:blip r:embed="rId3">
+            <a:extLst>
+              <a:ext uri="{28A0092B-C50C-407E-A947-70E740481C1C}">
+                <a14:useLocalDpi xmlns:a14="http://schemas.microsoft.com/office/drawing/2010/main" val="0"/>
+              </a:ext>
+            </a:extLst>
+          </a:blip>
+          <a:stretch>
+            <a:fillRect/>
+          </a:stretch>
+        </p:blipFill>
+        <p:spPr bwMode="auto">
+          <a:xfrm>
+            <a:off x="2340896" y="1448672"/>
+            <a:ext cx="4528382" cy="4528382"/>
+          </a:xfrm>
+          <a:prstGeom prst="rect">
+            <a:avLst/>
+          </a:prstGeom>
+          <a:solidFill>
+            <a:srgbClr val="FFFFFF"/>
+          </a:solidFill>
+        </p:spPr>
+      </p:pic>
+      <p:sp>
+        <p:nvSpPr>
+          <p:cNvPr id="3083" name="Text Placeholder 3">
+            <a:extLst>
+              <a:ext uri="{FF2B5EF4-FFF2-40B4-BE49-F238E27FC236}">
+                <a16:creationId xmlns:a16="http://schemas.microsoft.com/office/drawing/2014/main" id="{3143DE42-F9E0-C405-3A1E-36D2E5B5A16C}"/>
+              </a:ext>
+            </a:extLst>
+          </p:cNvPr>
+          <p:cNvSpPr>
+            <a:spLocks noGrp="1"/>
+          </p:cNvSpPr>
+          <p:nvPr>
+            <p:ph type="body" sz="quarter" idx="12"/>
+          </p:nvPr>
+        </p:nvSpPr>
+        <p:spPr>
+          <a:xfrm>
+            <a:off x="572400" y="583200"/>
+            <a:ext cx="8063999" cy="273600"/>
+          </a:xfrm>
+        </p:spPr>
+        <p:txBody>
+          <a:bodyPr/>
+          <a:lstStyle/>
+          <a:p>
+            <a:r>
+              <a:rPr lang="en-US" dirty="0" err="1"/>
+              <a:t>Scatterplotmatrix</a:t>
+            </a:r>
+            <a:endParaRPr lang="en-US" dirty="0"/>
+          </a:p>
+        </p:txBody>
+      </p:sp>
+    </p:spTree>
+    <p:extLst>
+      <p:ext uri="{BB962C8B-B14F-4D97-AF65-F5344CB8AC3E}">
+        <p14:creationId xmlns:p14="http://schemas.microsoft.com/office/powerpoint/2010/main" val="3508563316"/>
+      </p:ext>
+    </p:extLst>
+  </p:cSld>
+  <p:clrMapOvr>
+    <a:masterClrMapping/>
+  </p:clrMapOvr>
+</p:sld>
+</file>
+
+<file path=ppt/slides/slide8.xml><?xml version="1.0" encoding="utf-8"?>
+<p:sld xmlns:a="http://schemas.openxmlformats.org/drawingml/2006/main" xmlns:r="http://schemas.openxmlformats.org/officeDocument/2006/relationships" xmlns:p="http://schemas.openxmlformats.org/presentationml/2006/main">
+  <p:cSld>
+    <p:spTree>
+      <p:nvGrpSpPr>
+        <p:cNvPr id="1" name=""/>
+        <p:cNvGrpSpPr/>
+        <p:nvPr/>
+      </p:nvGrpSpPr>
+      <p:grpSpPr>
+        <a:xfrm>
+          <a:off x="0" y="0"/>
+          <a:ext cx="0" cy="0"/>
+          <a:chOff x="0" y="0"/>
+          <a:chExt cx="0" cy="0"/>
+        </a:xfrm>
+      </p:grpSpPr>
+      <p:sp>
+        <p:nvSpPr>
+          <p:cNvPr id="9" name="TextBox 8">
+            <a:extLst>
+              <a:ext uri="{FF2B5EF4-FFF2-40B4-BE49-F238E27FC236}">
+                <a16:creationId xmlns:a16="http://schemas.microsoft.com/office/drawing/2014/main" id="{EB667D34-E2D4-7B6A-ABFD-E10529FCDA69}"/>
+              </a:ext>
+            </a:extLst>
+          </p:cNvPr>
+          <p:cNvSpPr txBox="1"/>
+          <p:nvPr/>
+        </p:nvSpPr>
+        <p:spPr>
+          <a:xfrm>
+            <a:off x="592931" y="2737800"/>
+            <a:ext cx="7958137" cy="523220"/>
+          </a:xfrm>
+          <a:prstGeom prst="rect">
+            <a:avLst/>
+          </a:prstGeom>
+          <a:noFill/>
+        </p:spPr>
+        <p:txBody>
+          <a:bodyPr wrap="square" rtlCol="0">
+            <a:spAutoFit/>
+          </a:bodyPr>
+          <a:lstStyle/>
+          <a:p>
+            <a:r>
+              <a:rPr lang="de-DE" sz="2800" b="1" dirty="0">
+                <a:solidFill>
+                  <a:schemeClr val="tx1"/>
+                </a:solidFill>
+              </a:rPr>
+              <a:t>Neuronales Netz</a:t>
+            </a:r>
+            <a:endParaRPr lang="en-GB" sz="2800" b="1" dirty="0">
+              <a:solidFill>
+                <a:schemeClr val="tx1"/>
+              </a:solidFill>
+            </a:endParaRPr>
+          </a:p>
+        </p:txBody>
+      </p:sp>
+    </p:spTree>
+    <p:extLst>
+      <p:ext uri="{BB962C8B-B14F-4D97-AF65-F5344CB8AC3E}">
+        <p14:creationId xmlns:p14="http://schemas.microsoft.com/office/powerpoint/2010/main" val="735852240"/>
+      </p:ext>
+    </p:extLst>
+  </p:cSld>
+  <p:clrMapOvr>
+    <a:masterClrMapping/>
+  </p:clrMapOvr>
+</p:sld>
+</file>
+
+<file path=ppt/slides/slide9.xml><?xml version="1.0" encoding="utf-8"?>
+<p:sld xmlns:a="http://schemas.openxmlformats.org/drawingml/2006/main" xmlns:r="http://schemas.openxmlformats.org/officeDocument/2006/relationships" xmlns:p="http://schemas.openxmlformats.org/presentationml/2006/main">
+  <p:cSld>
+    <p:spTree>
+      <p:nvGrpSpPr>
+        <p:cNvPr id="1" name=""/>
+        <p:cNvGrpSpPr/>
+        <p:nvPr/>
+      </p:nvGrpSpPr>
+      <p:grpSpPr>
+        <a:xfrm>
+          <a:off x="0" y="0"/>
+          <a:ext cx="0" cy="0"/>
+          <a:chOff x="0" y="0"/>
+          <a:chExt cx="0" cy="0"/>
+        </a:xfrm>
+      </p:grpSpPr>
+      <p:sp>
+        <p:nvSpPr>
+          <p:cNvPr id="2" name="Titel 1">
+            <a:extLst>
+              <a:ext uri="{FF2B5EF4-FFF2-40B4-BE49-F238E27FC236}">
+                <a16:creationId xmlns:a16="http://schemas.microsoft.com/office/drawing/2014/main" id="{4ADAAF87-197C-1426-850A-F13AE8C12D9E}"/>
+              </a:ext>
+            </a:extLst>
+          </p:cNvPr>
+          <p:cNvSpPr>
+            <a:spLocks noGrp="1"/>
+          </p:cNvSpPr>
+          <p:nvPr>
+            <p:ph type="title"/>
+          </p:nvPr>
+        </p:nvSpPr>
+        <p:spPr/>
+        <p:txBody>
+          <a:bodyPr/>
+          <a:lstStyle/>
+          <a:p>
+            <a:r>
+              <a:rPr lang="de-DE" dirty="0"/>
+              <a:t>Neuronales Netz	</a:t>
+            </a:r>
+          </a:p>
+        </p:txBody>
+      </p:sp>
+      <p:graphicFrame>
+        <p:nvGraphicFramePr>
+          <p:cNvPr id="5" name="Inhaltsplatzhalter 4">
+            <a:extLst>
+              <a:ext uri="{FF2B5EF4-FFF2-40B4-BE49-F238E27FC236}">
+                <a16:creationId xmlns:a16="http://schemas.microsoft.com/office/drawing/2014/main" id="{1CC690F3-105E-A1CD-15D4-972CA3A5F7FC}"/>
+              </a:ext>
+            </a:extLst>
+          </p:cNvPr>
+          <p:cNvGraphicFramePr>
+            <a:graphicFrameLocks noGrp="1"/>
+          </p:cNvGraphicFramePr>
+          <p:nvPr>
+            <p:ph idx="1"/>
+            <p:extLst>
+              <p:ext uri="{D42A27DB-BD31-4B8C-83A1-F6EECF244321}">
+                <p14:modId xmlns:p14="http://schemas.microsoft.com/office/powerpoint/2010/main" val="953000475"/>
+              </p:ext>
+            </p:extLst>
+          </p:nvPr>
+        </p:nvGraphicFramePr>
+        <p:xfrm>
+          <a:off x="573088" y="1448672"/>
+          <a:ext cx="8063999" cy="4528382"/>
+        </p:xfrm>
+        <a:graphic>
+          <a:graphicData uri="http://schemas.openxmlformats.org/drawingml/2006/diagram">
+            <dgm:relIds xmlns:dgm="http://schemas.openxmlformats.org/drawingml/2006/diagram" xmlns:r="http://schemas.openxmlformats.org/officeDocument/2006/relationships" r:dm="rId3" r:lo="rId4" r:qs="rId5" r:cs="rId6"/>
+          </a:graphicData>
+        </a:graphic>
+      </p:graphicFrame>
+      <p:sp>
+        <p:nvSpPr>
+          <p:cNvPr id="4" name="Textplatzhalter 3">
+            <a:extLst>
+              <a:ext uri="{FF2B5EF4-FFF2-40B4-BE49-F238E27FC236}">
+                <a16:creationId xmlns:a16="http://schemas.microsoft.com/office/drawing/2014/main" id="{0AFFCD32-3B25-A35F-0288-88315E47EA67}"/>
+              </a:ext>
+            </a:extLst>
+          </p:cNvPr>
+          <p:cNvSpPr>
+            <a:spLocks noGrp="1"/>
+          </p:cNvSpPr>
+          <p:nvPr>
+            <p:ph type="body" sz="quarter" idx="12"/>
+          </p:nvPr>
+        </p:nvSpPr>
+        <p:spPr/>
+        <p:txBody>
+          <a:bodyPr/>
+          <a:lstStyle/>
+          <a:p>
+            <a:r>
+              <a:rPr lang="de-DE" dirty="0"/>
+              <a:t>Warum ein Multi Layer </a:t>
+            </a:r>
+            <a:r>
+              <a:rPr lang="de-DE" dirty="0" err="1"/>
+              <a:t>Perceptron</a:t>
+            </a:r>
+            <a:r>
+              <a:rPr lang="de-DE" dirty="0"/>
+              <a:t>?</a:t>
+            </a:r>
+          </a:p>
+        </p:txBody>
+      </p:sp>
+    </p:spTree>
+    <p:extLst>
+      <p:ext uri="{BB962C8B-B14F-4D97-AF65-F5344CB8AC3E}">
+        <p14:creationId xmlns:p14="http://schemas.microsoft.com/office/powerpoint/2010/main" val="1997003641"/>
+      </p:ext>
+    </p:extLst>
+  </p:cSld>
+  <p:clrMapOvr>
+    <a:masterClrMapping/>
+  </p:clrMapOvr>
+</p:sld>
+</file>
+
 <file path=ppt/tags/tag1.xml><?xml version="1.0" encoding="utf-8"?>
 <p:tagLst xmlns:a="http://schemas.openxmlformats.org/drawingml/2006/main" xmlns:r="http://schemas.openxmlformats.org/officeDocument/2006/relationships" xmlns:p="http://schemas.openxmlformats.org/presentationml/2006/main">
   <p:tag name="THINKCELLUNDODONOTDELETE" val="0"/>
